--- a/_posts/静态时序分析/1.pptx
+++ b/_posts/静态时序分析/1.pptx
@@ -6,10 +6,9 @@
   </p:sldMasterIdLst>
   <p:sldIdLst>
     <p:sldId id="259" r:id="rId2"/>
-    <p:sldId id="260" r:id="rId3"/>
-    <p:sldId id="256" r:id="rId4"/>
-    <p:sldId id="257" r:id="rId5"/>
-    <p:sldId id="258" r:id="rId6"/>
+    <p:sldId id="256" r:id="rId3"/>
+    <p:sldId id="257" r:id="rId4"/>
+    <p:sldId id="258" r:id="rId5"/>
   </p:sldIdLst>
   <p:sldSz cx="12192000" cy="6858000"/>
   <p:notesSz cx="6858000" cy="9144000"/>
@@ -116,6 +115,1258 @@
 </p:presentation>
 </file>
 
+<file path=ppt/revisionInfo.xml><?xml version="1.0" encoding="utf-8"?>
+<p1510:revInfo xmlns:a="http://schemas.openxmlformats.org/drawingml/2006/main" xmlns:r="http://schemas.openxmlformats.org/officeDocument/2006/relationships" xmlns:p1510="http://schemas.microsoft.com/office/powerpoint/2015/10/main">
+  <p1510:revLst>
+    <p1510:client id="{79F635BB-8230-465D-AA09-AB2D767DEF70}" v="46" dt="2024-08-19T03:11:07.034"/>
+  </p1510:revLst>
+</p1510:revInfo>
+</file>
+
+<file path=ppt/changesInfos/changesInfo1.xml><?xml version="1.0" encoding="utf-8"?>
+<pc:chgInfo xmlns:a="http://schemas.openxmlformats.org/drawingml/2006/main" xmlns:r="http://schemas.openxmlformats.org/officeDocument/2006/relationships" xmlns:ac="http://schemas.microsoft.com/office/drawing/2013/main/command" xmlns:pc="http://schemas.microsoft.com/office/powerpoint/2013/main/command">
+  <pc:docChgLst>
+    <pc:chgData name="Jinyin Yan" userId="7d7b1cac-fbbc-4678-8cfc-23ca66a374ce" providerId="ADAL" clId="{79F635BB-8230-465D-AA09-AB2D767DEF70}"/>
+    <pc:docChg chg="undo custSel delSld modSld">
+      <pc:chgData name="Jinyin Yan" userId="7d7b1cac-fbbc-4678-8cfc-23ca66a374ce" providerId="ADAL" clId="{79F635BB-8230-465D-AA09-AB2D767DEF70}" dt="2024-08-19T03:18:56.265" v="217" actId="478"/>
+      <pc:docMkLst>
+        <pc:docMk/>
+      </pc:docMkLst>
+      <pc:sldChg chg="addSp delSp modSp mod">
+        <pc:chgData name="Jinyin Yan" userId="7d7b1cac-fbbc-4678-8cfc-23ca66a374ce" providerId="ADAL" clId="{79F635BB-8230-465D-AA09-AB2D767DEF70}" dt="2024-08-19T03:18:56.265" v="217" actId="478"/>
+        <pc:sldMkLst>
+          <pc:docMk/>
+          <pc:sldMk cId="2608373519" sldId="259"/>
+        </pc:sldMkLst>
+        <pc:spChg chg="add mod">
+          <ac:chgData name="Jinyin Yan" userId="7d7b1cac-fbbc-4678-8cfc-23ca66a374ce" providerId="ADAL" clId="{79F635BB-8230-465D-AA09-AB2D767DEF70}" dt="2024-08-19T02:43:30.292" v="66" actId="20577"/>
+          <ac:spMkLst>
+            <pc:docMk/>
+            <pc:sldMk cId="2608373519" sldId="259"/>
+            <ac:spMk id="2" creationId="{6655F00A-188D-A5D4-C689-47820039817B}"/>
+          </ac:spMkLst>
+        </pc:spChg>
+        <pc:spChg chg="add mod">
+          <ac:chgData name="Jinyin Yan" userId="7d7b1cac-fbbc-4678-8cfc-23ca66a374ce" providerId="ADAL" clId="{79F635BB-8230-465D-AA09-AB2D767DEF70}" dt="2024-08-19T02:43:37.787" v="71" actId="20577"/>
+          <ac:spMkLst>
+            <pc:docMk/>
+            <pc:sldMk cId="2608373519" sldId="259"/>
+            <ac:spMk id="3" creationId="{62191D4F-59A1-5AC6-865A-C46C79546F73}"/>
+          </ac:spMkLst>
+        </pc:spChg>
+        <pc:spChg chg="add del mod">
+          <ac:chgData name="Jinyin Yan" userId="7d7b1cac-fbbc-4678-8cfc-23ca66a374ce" providerId="ADAL" clId="{79F635BB-8230-465D-AA09-AB2D767DEF70}" dt="2024-08-19T02:44:12.111" v="84" actId="478"/>
+          <ac:spMkLst>
+            <pc:docMk/>
+            <pc:sldMk cId="2608373519" sldId="259"/>
+            <ac:spMk id="13" creationId="{F0F962FF-534B-F2DA-9F7A-2081B55950DA}"/>
+          </ac:spMkLst>
+        </pc:spChg>
+        <pc:spChg chg="mod">
+          <ac:chgData name="Jinyin Yan" userId="7d7b1cac-fbbc-4678-8cfc-23ca66a374ce" providerId="ADAL" clId="{79F635BB-8230-465D-AA09-AB2D767DEF70}" dt="2024-08-19T02:44:22.138" v="91" actId="20577"/>
+          <ac:spMkLst>
+            <pc:docMk/>
+            <pc:sldMk cId="2608373519" sldId="259"/>
+            <ac:spMk id="28" creationId="{5FC7E57C-8384-28A0-3489-92F6BB179C23}"/>
+          </ac:spMkLst>
+        </pc:spChg>
+        <pc:spChg chg="mod">
+          <ac:chgData name="Jinyin Yan" userId="7d7b1cac-fbbc-4678-8cfc-23ca66a374ce" providerId="ADAL" clId="{79F635BB-8230-465D-AA09-AB2D767DEF70}" dt="2024-08-19T02:44:05.536" v="81" actId="1076"/>
+          <ac:spMkLst>
+            <pc:docMk/>
+            <pc:sldMk cId="2608373519" sldId="259"/>
+            <ac:spMk id="31" creationId="{29DB06A8-57BB-48F9-8B1C-A1FDD616C766}"/>
+          </ac:spMkLst>
+        </pc:spChg>
+        <pc:spChg chg="mod">
+          <ac:chgData name="Jinyin Yan" userId="7d7b1cac-fbbc-4678-8cfc-23ca66a374ce" providerId="ADAL" clId="{79F635BB-8230-465D-AA09-AB2D767DEF70}" dt="2024-08-19T02:43:45.628" v="74" actId="20577"/>
+          <ac:spMkLst>
+            <pc:docMk/>
+            <pc:sldMk cId="2608373519" sldId="259"/>
+            <ac:spMk id="33" creationId="{1BB3C77F-5FAB-0CEF-7228-7B595DEABC2D}"/>
+          </ac:spMkLst>
+        </pc:spChg>
+        <pc:spChg chg="mod">
+          <ac:chgData name="Jinyin Yan" userId="7d7b1cac-fbbc-4678-8cfc-23ca66a374ce" providerId="ADAL" clId="{79F635BB-8230-465D-AA09-AB2D767DEF70}" dt="2024-08-19T02:43:48.610" v="75" actId="20577"/>
+          <ac:spMkLst>
+            <pc:docMk/>
+            <pc:sldMk cId="2608373519" sldId="259"/>
+            <ac:spMk id="34" creationId="{7AE35685-6F19-8F97-686A-B11146479965}"/>
+          </ac:spMkLst>
+        </pc:spChg>
+        <pc:spChg chg="add del mod">
+          <ac:chgData name="Jinyin Yan" userId="7d7b1cac-fbbc-4678-8cfc-23ca66a374ce" providerId="ADAL" clId="{79F635BB-8230-465D-AA09-AB2D767DEF70}" dt="2024-08-19T03:18:56.265" v="217" actId="478"/>
+          <ac:spMkLst>
+            <pc:docMk/>
+            <pc:sldMk cId="2608373519" sldId="259"/>
+            <ac:spMk id="43" creationId="{8B2F224A-F2E9-1732-2ED3-7CFB493008EF}"/>
+          </ac:spMkLst>
+        </pc:spChg>
+        <pc:spChg chg="mod">
+          <ac:chgData name="Jinyin Yan" userId="7d7b1cac-fbbc-4678-8cfc-23ca66a374ce" providerId="ADAL" clId="{79F635BB-8230-465D-AA09-AB2D767DEF70}" dt="2024-08-19T02:31:17.559" v="49" actId="1076"/>
+          <ac:spMkLst>
+            <pc:docMk/>
+            <pc:sldMk cId="2608373519" sldId="259"/>
+            <ac:spMk id="60" creationId="{D43E4F75-3E53-AD0A-E024-1D34A3040B67}"/>
+          </ac:spMkLst>
+        </pc:spChg>
+        <pc:cxnChg chg="add del mod">
+          <ac:chgData name="Jinyin Yan" userId="7d7b1cac-fbbc-4678-8cfc-23ca66a374ce" providerId="ADAL" clId="{79F635BB-8230-465D-AA09-AB2D767DEF70}" dt="2024-08-19T03:18:56.265" v="217" actId="478"/>
+          <ac:cxnSpMkLst>
+            <pc:docMk/>
+            <pc:sldMk cId="2608373519" sldId="259"/>
+            <ac:cxnSpMk id="13" creationId="{0856F2D0-85D0-6106-AE32-69A62FA01E7C}"/>
+          </ac:cxnSpMkLst>
+        </pc:cxnChg>
+        <pc:cxnChg chg="add del mod">
+          <ac:chgData name="Jinyin Yan" userId="7d7b1cac-fbbc-4678-8cfc-23ca66a374ce" providerId="ADAL" clId="{79F635BB-8230-465D-AA09-AB2D767DEF70}" dt="2024-08-19T03:18:56.265" v="217" actId="478"/>
+          <ac:cxnSpMkLst>
+            <pc:docMk/>
+            <pc:sldMk cId="2608373519" sldId="259"/>
+            <ac:cxnSpMk id="14" creationId="{3DA41B2E-B78B-1FB6-D3B1-9F1B8483BCD2}"/>
+          </ac:cxnSpMkLst>
+        </pc:cxnChg>
+        <pc:cxnChg chg="add del mod">
+          <ac:chgData name="Jinyin Yan" userId="7d7b1cac-fbbc-4678-8cfc-23ca66a374ce" providerId="ADAL" clId="{79F635BB-8230-465D-AA09-AB2D767DEF70}" dt="2024-08-19T03:18:56.265" v="217" actId="478"/>
+          <ac:cxnSpMkLst>
+            <pc:docMk/>
+            <pc:sldMk cId="2608373519" sldId="259"/>
+            <ac:cxnSpMk id="19" creationId="{FB1B8E2C-BF56-6684-DE0B-D9E7952D8756}"/>
+          </ac:cxnSpMkLst>
+        </pc:cxnChg>
+        <pc:cxnChg chg="add del mod">
+          <ac:chgData name="Jinyin Yan" userId="7d7b1cac-fbbc-4678-8cfc-23ca66a374ce" providerId="ADAL" clId="{79F635BB-8230-465D-AA09-AB2D767DEF70}" dt="2024-08-19T03:18:56.265" v="217" actId="478"/>
+          <ac:cxnSpMkLst>
+            <pc:docMk/>
+            <pc:sldMk cId="2608373519" sldId="259"/>
+            <ac:cxnSpMk id="21" creationId="{9D82A8D4-BA1B-3F0D-0AFC-25BC4CAB5BEE}"/>
+          </ac:cxnSpMkLst>
+        </pc:cxnChg>
+        <pc:cxnChg chg="add del mod">
+          <ac:chgData name="Jinyin Yan" userId="7d7b1cac-fbbc-4678-8cfc-23ca66a374ce" providerId="ADAL" clId="{79F635BB-8230-465D-AA09-AB2D767DEF70}" dt="2024-08-19T03:18:56.265" v="217" actId="478"/>
+          <ac:cxnSpMkLst>
+            <pc:docMk/>
+            <pc:sldMk cId="2608373519" sldId="259"/>
+            <ac:cxnSpMk id="23" creationId="{9205C713-EA65-1105-BA93-C7AF37E5472F}"/>
+          </ac:cxnSpMkLst>
+        </pc:cxnChg>
+        <pc:cxnChg chg="add del mod">
+          <ac:chgData name="Jinyin Yan" userId="7d7b1cac-fbbc-4678-8cfc-23ca66a374ce" providerId="ADAL" clId="{79F635BB-8230-465D-AA09-AB2D767DEF70}" dt="2024-08-19T03:18:56.265" v="217" actId="478"/>
+          <ac:cxnSpMkLst>
+            <pc:docMk/>
+            <pc:sldMk cId="2608373519" sldId="259"/>
+            <ac:cxnSpMk id="25" creationId="{67899679-7728-A6DA-7AA6-3629B33D0DE2}"/>
+          </ac:cxnSpMkLst>
+        </pc:cxnChg>
+        <pc:cxnChg chg="add del mod">
+          <ac:chgData name="Jinyin Yan" userId="7d7b1cac-fbbc-4678-8cfc-23ca66a374ce" providerId="ADAL" clId="{79F635BB-8230-465D-AA09-AB2D767DEF70}" dt="2024-08-19T03:18:56.265" v="217" actId="478"/>
+          <ac:cxnSpMkLst>
+            <pc:docMk/>
+            <pc:sldMk cId="2608373519" sldId="259"/>
+            <ac:cxnSpMk id="27" creationId="{B98311F6-04C5-E43C-9DD8-8A4E37396B2D}"/>
+          </ac:cxnSpMkLst>
+        </pc:cxnChg>
+        <pc:cxnChg chg="add del mod">
+          <ac:chgData name="Jinyin Yan" userId="7d7b1cac-fbbc-4678-8cfc-23ca66a374ce" providerId="ADAL" clId="{79F635BB-8230-465D-AA09-AB2D767DEF70}" dt="2024-08-19T03:18:56.265" v="217" actId="478"/>
+          <ac:cxnSpMkLst>
+            <pc:docMk/>
+            <pc:sldMk cId="2608373519" sldId="259"/>
+            <ac:cxnSpMk id="29" creationId="{4F5898E8-2767-7A13-5F75-97DEEB509B3E}"/>
+          </ac:cxnSpMkLst>
+        </pc:cxnChg>
+        <pc:cxnChg chg="add del mod">
+          <ac:chgData name="Jinyin Yan" userId="7d7b1cac-fbbc-4678-8cfc-23ca66a374ce" providerId="ADAL" clId="{79F635BB-8230-465D-AA09-AB2D767DEF70}" dt="2024-08-19T03:18:56.265" v="217" actId="478"/>
+          <ac:cxnSpMkLst>
+            <pc:docMk/>
+            <pc:sldMk cId="2608373519" sldId="259"/>
+            <ac:cxnSpMk id="30" creationId="{565E67A4-707B-0852-E3FC-E84FA70E96FE}"/>
+          </ac:cxnSpMkLst>
+        </pc:cxnChg>
+        <pc:cxnChg chg="add del mod">
+          <ac:chgData name="Jinyin Yan" userId="7d7b1cac-fbbc-4678-8cfc-23ca66a374ce" providerId="ADAL" clId="{79F635BB-8230-465D-AA09-AB2D767DEF70}" dt="2024-08-19T03:18:56.265" v="217" actId="478"/>
+          <ac:cxnSpMkLst>
+            <pc:docMk/>
+            <pc:sldMk cId="2608373519" sldId="259"/>
+            <ac:cxnSpMk id="32" creationId="{12289624-C4A6-D0EF-EC27-FE0A1A0AA42E}"/>
+          </ac:cxnSpMkLst>
+        </pc:cxnChg>
+        <pc:cxnChg chg="add del mod">
+          <ac:chgData name="Jinyin Yan" userId="7d7b1cac-fbbc-4678-8cfc-23ca66a374ce" providerId="ADAL" clId="{79F635BB-8230-465D-AA09-AB2D767DEF70}" dt="2024-08-19T03:18:56.265" v="217" actId="478"/>
+          <ac:cxnSpMkLst>
+            <pc:docMk/>
+            <pc:sldMk cId="2608373519" sldId="259"/>
+            <ac:cxnSpMk id="38" creationId="{591AAE76-F547-6DCF-0DEE-40B393FD0EEC}"/>
+          </ac:cxnSpMkLst>
+        </pc:cxnChg>
+        <pc:cxnChg chg="add del mod">
+          <ac:chgData name="Jinyin Yan" userId="7d7b1cac-fbbc-4678-8cfc-23ca66a374ce" providerId="ADAL" clId="{79F635BB-8230-465D-AA09-AB2D767DEF70}" dt="2024-08-19T03:18:56.265" v="217" actId="478"/>
+          <ac:cxnSpMkLst>
+            <pc:docMk/>
+            <pc:sldMk cId="2608373519" sldId="259"/>
+            <ac:cxnSpMk id="40" creationId="{6BB92790-C148-1DF4-260E-EFF338FF9441}"/>
+          </ac:cxnSpMkLst>
+        </pc:cxnChg>
+        <pc:cxnChg chg="add del mod">
+          <ac:chgData name="Jinyin Yan" userId="7d7b1cac-fbbc-4678-8cfc-23ca66a374ce" providerId="ADAL" clId="{79F635BB-8230-465D-AA09-AB2D767DEF70}" dt="2024-08-19T03:18:56.265" v="217" actId="478"/>
+          <ac:cxnSpMkLst>
+            <pc:docMk/>
+            <pc:sldMk cId="2608373519" sldId="259"/>
+            <ac:cxnSpMk id="42" creationId="{B5C5E10C-C4AB-171E-22C2-55DAD761E753}"/>
+          </ac:cxnSpMkLst>
+        </pc:cxnChg>
+        <pc:cxnChg chg="add del mod">
+          <ac:chgData name="Jinyin Yan" userId="7d7b1cac-fbbc-4678-8cfc-23ca66a374ce" providerId="ADAL" clId="{79F635BB-8230-465D-AA09-AB2D767DEF70}" dt="2024-08-19T03:18:56.265" v="217" actId="478"/>
+          <ac:cxnSpMkLst>
+            <pc:docMk/>
+            <pc:sldMk cId="2608373519" sldId="259"/>
+            <ac:cxnSpMk id="44" creationId="{A23D02AD-BC17-E151-B6AD-BBFCFF92FEB6}"/>
+          </ac:cxnSpMkLst>
+        </pc:cxnChg>
+        <pc:cxnChg chg="del">
+          <ac:chgData name="Jinyin Yan" userId="7d7b1cac-fbbc-4678-8cfc-23ca66a374ce" providerId="ADAL" clId="{79F635BB-8230-465D-AA09-AB2D767DEF70}" dt="2024-08-19T03:18:56.265" v="217" actId="478"/>
+          <ac:cxnSpMkLst>
+            <pc:docMk/>
+            <pc:sldMk cId="2608373519" sldId="259"/>
+            <ac:cxnSpMk id="68" creationId="{A948210D-DF15-2512-B1D7-F89350C45E80}"/>
+          </ac:cxnSpMkLst>
+        </pc:cxnChg>
+        <pc:cxnChg chg="del mod">
+          <ac:chgData name="Jinyin Yan" userId="7d7b1cac-fbbc-4678-8cfc-23ca66a374ce" providerId="ADAL" clId="{79F635BB-8230-465D-AA09-AB2D767DEF70}" dt="2024-08-19T03:18:56.265" v="217" actId="478"/>
+          <ac:cxnSpMkLst>
+            <pc:docMk/>
+            <pc:sldMk cId="2608373519" sldId="259"/>
+            <ac:cxnSpMk id="69" creationId="{DFEE4F25-CECB-14A3-F2FE-2A839A5CBA65}"/>
+          </ac:cxnSpMkLst>
+        </pc:cxnChg>
+        <pc:cxnChg chg="del mod">
+          <ac:chgData name="Jinyin Yan" userId="7d7b1cac-fbbc-4678-8cfc-23ca66a374ce" providerId="ADAL" clId="{79F635BB-8230-465D-AA09-AB2D767DEF70}" dt="2024-08-19T03:18:56.265" v="217" actId="478"/>
+          <ac:cxnSpMkLst>
+            <pc:docMk/>
+            <pc:sldMk cId="2608373519" sldId="259"/>
+            <ac:cxnSpMk id="70" creationId="{45584F4B-285F-7BA8-5539-841CA3E18840}"/>
+          </ac:cxnSpMkLst>
+        </pc:cxnChg>
+      </pc:sldChg>
+      <pc:sldChg chg="addSp delSp modSp del mod">
+        <pc:chgData name="Jinyin Yan" userId="7d7b1cac-fbbc-4678-8cfc-23ca66a374ce" providerId="ADAL" clId="{79F635BB-8230-465D-AA09-AB2D767DEF70}" dt="2024-08-19T03:18:53.986" v="216" actId="47"/>
+        <pc:sldMkLst>
+          <pc:docMk/>
+          <pc:sldMk cId="2844697874" sldId="260"/>
+        </pc:sldMkLst>
+        <pc:spChg chg="add del mod">
+          <ac:chgData name="Jinyin Yan" userId="7d7b1cac-fbbc-4678-8cfc-23ca66a374ce" providerId="ADAL" clId="{79F635BB-8230-465D-AA09-AB2D767DEF70}" dt="2024-08-19T03:18:51.380" v="215" actId="478"/>
+          <ac:spMkLst>
+            <pc:docMk/>
+            <pc:sldMk cId="2844697874" sldId="260"/>
+            <ac:spMk id="36" creationId="{A2035C6C-1677-B9AD-A7DE-9D9C66A8B7FE}"/>
+          </ac:spMkLst>
+        </pc:spChg>
+        <pc:spChg chg="add del mod">
+          <ac:chgData name="Jinyin Yan" userId="7d7b1cac-fbbc-4678-8cfc-23ca66a374ce" providerId="ADAL" clId="{79F635BB-8230-465D-AA09-AB2D767DEF70}" dt="2024-08-19T03:18:51.380" v="215" actId="478"/>
+          <ac:spMkLst>
+            <pc:docMk/>
+            <pc:sldMk cId="2844697874" sldId="260"/>
+            <ac:spMk id="39" creationId="{B072DA01-358A-49F1-B83F-FB6451EE7644}"/>
+          </ac:spMkLst>
+        </pc:spChg>
+        <pc:spChg chg="add del mod">
+          <ac:chgData name="Jinyin Yan" userId="7d7b1cac-fbbc-4678-8cfc-23ca66a374ce" providerId="ADAL" clId="{79F635BB-8230-465D-AA09-AB2D767DEF70}" dt="2024-08-19T03:18:51.380" v="215" actId="478"/>
+          <ac:spMkLst>
+            <pc:docMk/>
+            <pc:sldMk cId="2844697874" sldId="260"/>
+            <ac:spMk id="58" creationId="{02D61D17-B2B0-DA02-E165-B75A49CFE3FC}"/>
+          </ac:spMkLst>
+        </pc:spChg>
+        <pc:spChg chg="add del mod">
+          <ac:chgData name="Jinyin Yan" userId="7d7b1cac-fbbc-4678-8cfc-23ca66a374ce" providerId="ADAL" clId="{79F635BB-8230-465D-AA09-AB2D767DEF70}" dt="2024-08-19T03:18:51.380" v="215" actId="478"/>
+          <ac:spMkLst>
+            <pc:docMk/>
+            <pc:sldMk cId="2844697874" sldId="260"/>
+            <ac:spMk id="69" creationId="{27985715-1BF3-405E-8D43-D644CB289EB8}"/>
+          </ac:spMkLst>
+        </pc:spChg>
+        <pc:spChg chg="add del mod">
+          <ac:chgData name="Jinyin Yan" userId="7d7b1cac-fbbc-4678-8cfc-23ca66a374ce" providerId="ADAL" clId="{79F635BB-8230-465D-AA09-AB2D767DEF70}" dt="2024-08-19T03:01:09.181" v="122" actId="478"/>
+          <ac:spMkLst>
+            <pc:docMk/>
+            <pc:sldMk cId="2844697874" sldId="260"/>
+            <ac:spMk id="72" creationId="{2F959EE3-1D59-A451-6F2C-1AA460D45DA9}"/>
+          </ac:spMkLst>
+        </pc:spChg>
+        <pc:spChg chg="add del mod">
+          <ac:chgData name="Jinyin Yan" userId="7d7b1cac-fbbc-4678-8cfc-23ca66a374ce" providerId="ADAL" clId="{79F635BB-8230-465D-AA09-AB2D767DEF70}" dt="2024-08-19T03:01:09.181" v="122" actId="478"/>
+          <ac:spMkLst>
+            <pc:docMk/>
+            <pc:sldMk cId="2844697874" sldId="260"/>
+            <ac:spMk id="73" creationId="{ED8643B2-07A9-6E99-41FC-AA156AE02286}"/>
+          </ac:spMkLst>
+        </pc:spChg>
+        <pc:spChg chg="add del mod">
+          <ac:chgData name="Jinyin Yan" userId="7d7b1cac-fbbc-4678-8cfc-23ca66a374ce" providerId="ADAL" clId="{79F635BB-8230-465D-AA09-AB2D767DEF70}" dt="2024-08-19T03:01:09.181" v="122" actId="478"/>
+          <ac:spMkLst>
+            <pc:docMk/>
+            <pc:sldMk cId="2844697874" sldId="260"/>
+            <ac:spMk id="84" creationId="{A9056D84-6CA4-8DF2-54C8-23EE9B436BF2}"/>
+          </ac:spMkLst>
+        </pc:spChg>
+        <pc:cxnChg chg="add del mod">
+          <ac:chgData name="Jinyin Yan" userId="7d7b1cac-fbbc-4678-8cfc-23ca66a374ce" providerId="ADAL" clId="{79F635BB-8230-465D-AA09-AB2D767DEF70}" dt="2024-08-19T03:18:51.380" v="215" actId="478"/>
+          <ac:cxnSpMkLst>
+            <pc:docMk/>
+            <pc:sldMk cId="2844697874" sldId="260"/>
+            <ac:cxnSpMk id="2" creationId="{16D154A8-B7D1-59FE-EA34-647589729097}"/>
+          </ac:cxnSpMkLst>
+        </pc:cxnChg>
+        <pc:cxnChg chg="add del mod">
+          <ac:chgData name="Jinyin Yan" userId="7d7b1cac-fbbc-4678-8cfc-23ca66a374ce" providerId="ADAL" clId="{79F635BB-8230-465D-AA09-AB2D767DEF70}" dt="2024-08-19T03:18:51.380" v="215" actId="478"/>
+          <ac:cxnSpMkLst>
+            <pc:docMk/>
+            <pc:sldMk cId="2844697874" sldId="260"/>
+            <ac:cxnSpMk id="3" creationId="{A6CDBE15-AD79-BF4C-A95B-CA0C5BFFA8DC}"/>
+          </ac:cxnSpMkLst>
+        </pc:cxnChg>
+        <pc:cxnChg chg="del">
+          <ac:chgData name="Jinyin Yan" userId="7d7b1cac-fbbc-4678-8cfc-23ca66a374ce" providerId="ADAL" clId="{79F635BB-8230-465D-AA09-AB2D767DEF70}" dt="2024-08-19T03:01:05.120" v="121" actId="478"/>
+          <ac:cxnSpMkLst>
+            <pc:docMk/>
+            <pc:sldMk cId="2844697874" sldId="260"/>
+            <ac:cxnSpMk id="4" creationId="{87494E56-342C-7C0D-156D-E420E14427FE}"/>
+          </ac:cxnSpMkLst>
+        </pc:cxnChg>
+        <pc:cxnChg chg="del">
+          <ac:chgData name="Jinyin Yan" userId="7d7b1cac-fbbc-4678-8cfc-23ca66a374ce" providerId="ADAL" clId="{79F635BB-8230-465D-AA09-AB2D767DEF70}" dt="2024-08-19T03:01:05.120" v="121" actId="478"/>
+          <ac:cxnSpMkLst>
+            <pc:docMk/>
+            <pc:sldMk cId="2844697874" sldId="260"/>
+            <ac:cxnSpMk id="5" creationId="{3C5503A6-D33E-FB1D-BD95-CA8163E0078F}"/>
+          </ac:cxnSpMkLst>
+        </pc:cxnChg>
+        <pc:cxnChg chg="add del mod">
+          <ac:chgData name="Jinyin Yan" userId="7d7b1cac-fbbc-4678-8cfc-23ca66a374ce" providerId="ADAL" clId="{79F635BB-8230-465D-AA09-AB2D767DEF70}" dt="2024-08-19T03:01:05.120" v="121" actId="478"/>
+          <ac:cxnSpMkLst>
+            <pc:docMk/>
+            <pc:sldMk cId="2844697874" sldId="260"/>
+            <ac:cxnSpMk id="6" creationId="{0A9F7E5E-D894-D58D-67C6-23C59ED5333E}"/>
+          </ac:cxnSpMkLst>
+        </pc:cxnChg>
+        <pc:cxnChg chg="add del mod">
+          <ac:chgData name="Jinyin Yan" userId="7d7b1cac-fbbc-4678-8cfc-23ca66a374ce" providerId="ADAL" clId="{79F635BB-8230-465D-AA09-AB2D767DEF70}" dt="2024-08-19T03:01:05.120" v="121" actId="478"/>
+          <ac:cxnSpMkLst>
+            <pc:docMk/>
+            <pc:sldMk cId="2844697874" sldId="260"/>
+            <ac:cxnSpMk id="7" creationId="{48971B94-9AC8-4F9C-EF6D-A01673E2E0FD}"/>
+          </ac:cxnSpMkLst>
+        </pc:cxnChg>
+        <pc:cxnChg chg="add del mod">
+          <ac:chgData name="Jinyin Yan" userId="7d7b1cac-fbbc-4678-8cfc-23ca66a374ce" providerId="ADAL" clId="{79F635BB-8230-465D-AA09-AB2D767DEF70}" dt="2024-08-19T03:01:05.120" v="121" actId="478"/>
+          <ac:cxnSpMkLst>
+            <pc:docMk/>
+            <pc:sldMk cId="2844697874" sldId="260"/>
+            <ac:cxnSpMk id="8" creationId="{A68667CB-356E-5E52-00F5-89E7F38CDE95}"/>
+          </ac:cxnSpMkLst>
+        </pc:cxnChg>
+        <pc:cxnChg chg="add del mod">
+          <ac:chgData name="Jinyin Yan" userId="7d7b1cac-fbbc-4678-8cfc-23ca66a374ce" providerId="ADAL" clId="{79F635BB-8230-465D-AA09-AB2D767DEF70}" dt="2024-08-19T03:01:05.120" v="121" actId="478"/>
+          <ac:cxnSpMkLst>
+            <pc:docMk/>
+            <pc:sldMk cId="2844697874" sldId="260"/>
+            <ac:cxnSpMk id="9" creationId="{B5A932C0-045D-EC6F-7CC2-5F9843BD3442}"/>
+          </ac:cxnSpMkLst>
+        </pc:cxnChg>
+        <pc:cxnChg chg="del">
+          <ac:chgData name="Jinyin Yan" userId="7d7b1cac-fbbc-4678-8cfc-23ca66a374ce" providerId="ADAL" clId="{79F635BB-8230-465D-AA09-AB2D767DEF70}" dt="2024-08-19T03:01:05.120" v="121" actId="478"/>
+          <ac:cxnSpMkLst>
+            <pc:docMk/>
+            <pc:sldMk cId="2844697874" sldId="260"/>
+            <ac:cxnSpMk id="10" creationId="{68011CDE-D803-3855-AF5D-01144229C89A}"/>
+          </ac:cxnSpMkLst>
+        </pc:cxnChg>
+        <pc:cxnChg chg="del">
+          <ac:chgData name="Jinyin Yan" userId="7d7b1cac-fbbc-4678-8cfc-23ca66a374ce" providerId="ADAL" clId="{79F635BB-8230-465D-AA09-AB2D767DEF70}" dt="2024-08-19T03:01:05.120" v="121" actId="478"/>
+          <ac:cxnSpMkLst>
+            <pc:docMk/>
+            <pc:sldMk cId="2844697874" sldId="260"/>
+            <ac:cxnSpMk id="11" creationId="{FD4091EB-EC74-B762-A093-6411C4614509}"/>
+          </ac:cxnSpMkLst>
+        </pc:cxnChg>
+        <pc:cxnChg chg="del">
+          <ac:chgData name="Jinyin Yan" userId="7d7b1cac-fbbc-4678-8cfc-23ca66a374ce" providerId="ADAL" clId="{79F635BB-8230-465D-AA09-AB2D767DEF70}" dt="2024-08-19T03:01:05.120" v="121" actId="478"/>
+          <ac:cxnSpMkLst>
+            <pc:docMk/>
+            <pc:sldMk cId="2844697874" sldId="260"/>
+            <ac:cxnSpMk id="12" creationId="{011E0730-6EF6-1086-A597-D75386E4952C}"/>
+          </ac:cxnSpMkLst>
+        </pc:cxnChg>
+        <pc:cxnChg chg="del">
+          <ac:chgData name="Jinyin Yan" userId="7d7b1cac-fbbc-4678-8cfc-23ca66a374ce" providerId="ADAL" clId="{79F635BB-8230-465D-AA09-AB2D767DEF70}" dt="2024-08-19T03:01:05.120" v="121" actId="478"/>
+          <ac:cxnSpMkLst>
+            <pc:docMk/>
+            <pc:sldMk cId="2844697874" sldId="260"/>
+            <ac:cxnSpMk id="13" creationId="{7642E7E4-2AD9-98EB-51C5-5520CC21299D}"/>
+          </ac:cxnSpMkLst>
+        </pc:cxnChg>
+        <pc:cxnChg chg="add del mod">
+          <ac:chgData name="Jinyin Yan" userId="7d7b1cac-fbbc-4678-8cfc-23ca66a374ce" providerId="ADAL" clId="{79F635BB-8230-465D-AA09-AB2D767DEF70}" dt="2024-08-19T03:01:05.120" v="121" actId="478"/>
+          <ac:cxnSpMkLst>
+            <pc:docMk/>
+            <pc:sldMk cId="2844697874" sldId="260"/>
+            <ac:cxnSpMk id="14" creationId="{988C4892-BFA7-A998-C513-2133986F0758}"/>
+          </ac:cxnSpMkLst>
+        </pc:cxnChg>
+        <pc:cxnChg chg="del">
+          <ac:chgData name="Jinyin Yan" userId="7d7b1cac-fbbc-4678-8cfc-23ca66a374ce" providerId="ADAL" clId="{79F635BB-8230-465D-AA09-AB2D767DEF70}" dt="2024-08-19T02:21:44.133" v="1" actId="478"/>
+          <ac:cxnSpMkLst>
+            <pc:docMk/>
+            <pc:sldMk cId="2844697874" sldId="260"/>
+            <ac:cxnSpMk id="15" creationId="{819B224D-BA34-9255-8944-D82159AB3DC1}"/>
+          </ac:cxnSpMkLst>
+        </pc:cxnChg>
+        <pc:cxnChg chg="add del mod">
+          <ac:chgData name="Jinyin Yan" userId="7d7b1cac-fbbc-4678-8cfc-23ca66a374ce" providerId="ADAL" clId="{79F635BB-8230-465D-AA09-AB2D767DEF70}" dt="2024-08-19T03:18:51.380" v="215" actId="478"/>
+          <ac:cxnSpMkLst>
+            <pc:docMk/>
+            <pc:sldMk cId="2844697874" sldId="260"/>
+            <ac:cxnSpMk id="15" creationId="{84AB7507-31C8-CA59-52D9-F28262F20861}"/>
+          </ac:cxnSpMkLst>
+        </pc:cxnChg>
+        <pc:cxnChg chg="add del mod">
+          <ac:chgData name="Jinyin Yan" userId="7d7b1cac-fbbc-4678-8cfc-23ca66a374ce" providerId="ADAL" clId="{79F635BB-8230-465D-AA09-AB2D767DEF70}" dt="2024-08-19T03:01:05.120" v="121" actId="478"/>
+          <ac:cxnSpMkLst>
+            <pc:docMk/>
+            <pc:sldMk cId="2844697874" sldId="260"/>
+            <ac:cxnSpMk id="16" creationId="{7BE2FD6E-7D03-9127-C866-0C4AD67419FE}"/>
+          </ac:cxnSpMkLst>
+        </pc:cxnChg>
+        <pc:cxnChg chg="add del mod">
+          <ac:chgData name="Jinyin Yan" userId="7d7b1cac-fbbc-4678-8cfc-23ca66a374ce" providerId="ADAL" clId="{79F635BB-8230-465D-AA09-AB2D767DEF70}" dt="2024-08-19T03:01:05.120" v="121" actId="478"/>
+          <ac:cxnSpMkLst>
+            <pc:docMk/>
+            <pc:sldMk cId="2844697874" sldId="260"/>
+            <ac:cxnSpMk id="17" creationId="{79922989-F618-793B-3766-1021969DE5C0}"/>
+          </ac:cxnSpMkLst>
+        </pc:cxnChg>
+        <pc:cxnChg chg="add del mod">
+          <ac:chgData name="Jinyin Yan" userId="7d7b1cac-fbbc-4678-8cfc-23ca66a374ce" providerId="ADAL" clId="{79F635BB-8230-465D-AA09-AB2D767DEF70}" dt="2024-08-19T03:01:05.120" v="121" actId="478"/>
+          <ac:cxnSpMkLst>
+            <pc:docMk/>
+            <pc:sldMk cId="2844697874" sldId="260"/>
+            <ac:cxnSpMk id="18" creationId="{277AEDFB-6988-67D6-0F02-9ECB1949470A}"/>
+          </ac:cxnSpMkLst>
+        </pc:cxnChg>
+        <pc:cxnChg chg="del mod">
+          <ac:chgData name="Jinyin Yan" userId="7d7b1cac-fbbc-4678-8cfc-23ca66a374ce" providerId="ADAL" clId="{79F635BB-8230-465D-AA09-AB2D767DEF70}" dt="2024-08-19T03:01:05.120" v="121" actId="478"/>
+          <ac:cxnSpMkLst>
+            <pc:docMk/>
+            <pc:sldMk cId="2844697874" sldId="260"/>
+            <ac:cxnSpMk id="19" creationId="{5B2ADD7F-DCFD-0F3F-7D89-987487E205B3}"/>
+          </ac:cxnSpMkLst>
+        </pc:cxnChg>
+        <pc:cxnChg chg="add del mod">
+          <ac:chgData name="Jinyin Yan" userId="7d7b1cac-fbbc-4678-8cfc-23ca66a374ce" providerId="ADAL" clId="{79F635BB-8230-465D-AA09-AB2D767DEF70}" dt="2024-08-19T03:18:51.380" v="215" actId="478"/>
+          <ac:cxnSpMkLst>
+            <pc:docMk/>
+            <pc:sldMk cId="2844697874" sldId="260"/>
+            <ac:cxnSpMk id="20" creationId="{33A22696-D0CF-E783-562F-39E46A1269A4}"/>
+          </ac:cxnSpMkLst>
+        </pc:cxnChg>
+        <pc:cxnChg chg="del">
+          <ac:chgData name="Jinyin Yan" userId="7d7b1cac-fbbc-4678-8cfc-23ca66a374ce" providerId="ADAL" clId="{79F635BB-8230-465D-AA09-AB2D767DEF70}" dt="2024-08-19T02:21:41.877" v="0" actId="478"/>
+          <ac:cxnSpMkLst>
+            <pc:docMk/>
+            <pc:sldMk cId="2844697874" sldId="260"/>
+            <ac:cxnSpMk id="20" creationId="{9D822941-05E1-31D2-7CDC-D97B9960DC1B}"/>
+          </ac:cxnSpMkLst>
+        </pc:cxnChg>
+        <pc:cxnChg chg="add del mod">
+          <ac:chgData name="Jinyin Yan" userId="7d7b1cac-fbbc-4678-8cfc-23ca66a374ce" providerId="ADAL" clId="{79F635BB-8230-465D-AA09-AB2D767DEF70}" dt="2024-08-19T03:01:05.120" v="121" actId="478"/>
+          <ac:cxnSpMkLst>
+            <pc:docMk/>
+            <pc:sldMk cId="2844697874" sldId="260"/>
+            <ac:cxnSpMk id="21" creationId="{FAB8D673-CD61-19E7-8DC0-9853706947AC}"/>
+          </ac:cxnSpMkLst>
+        </pc:cxnChg>
+        <pc:cxnChg chg="add del mod">
+          <ac:chgData name="Jinyin Yan" userId="7d7b1cac-fbbc-4678-8cfc-23ca66a374ce" providerId="ADAL" clId="{79F635BB-8230-465D-AA09-AB2D767DEF70}" dt="2024-08-19T03:01:05.120" v="121" actId="478"/>
+          <ac:cxnSpMkLst>
+            <pc:docMk/>
+            <pc:sldMk cId="2844697874" sldId="260"/>
+            <ac:cxnSpMk id="22" creationId="{F317CFB6-7688-640F-2E04-759C231F96EE}"/>
+          </ac:cxnSpMkLst>
+        </pc:cxnChg>
+        <pc:cxnChg chg="add del mod">
+          <ac:chgData name="Jinyin Yan" userId="7d7b1cac-fbbc-4678-8cfc-23ca66a374ce" providerId="ADAL" clId="{79F635BB-8230-465D-AA09-AB2D767DEF70}" dt="2024-08-19T03:18:51.380" v="215" actId="478"/>
+          <ac:cxnSpMkLst>
+            <pc:docMk/>
+            <pc:sldMk cId="2844697874" sldId="260"/>
+            <ac:cxnSpMk id="23" creationId="{25BD81E0-381E-A82A-BB8C-0E14FD8C3A8F}"/>
+          </ac:cxnSpMkLst>
+        </pc:cxnChg>
+        <pc:cxnChg chg="add del mod">
+          <ac:chgData name="Jinyin Yan" userId="7d7b1cac-fbbc-4678-8cfc-23ca66a374ce" providerId="ADAL" clId="{79F635BB-8230-465D-AA09-AB2D767DEF70}" dt="2024-08-19T03:18:51.380" v="215" actId="478"/>
+          <ac:cxnSpMkLst>
+            <pc:docMk/>
+            <pc:sldMk cId="2844697874" sldId="260"/>
+            <ac:cxnSpMk id="24" creationId="{3C7C45C6-92D9-E80D-2B31-97E6C6577283}"/>
+          </ac:cxnSpMkLst>
+        </pc:cxnChg>
+        <pc:cxnChg chg="add del mod">
+          <ac:chgData name="Jinyin Yan" userId="7d7b1cac-fbbc-4678-8cfc-23ca66a374ce" providerId="ADAL" clId="{79F635BB-8230-465D-AA09-AB2D767DEF70}" dt="2024-08-19T03:18:51.380" v="215" actId="478"/>
+          <ac:cxnSpMkLst>
+            <pc:docMk/>
+            <pc:sldMk cId="2844697874" sldId="260"/>
+            <ac:cxnSpMk id="25" creationId="{A6864202-F24B-537F-8E27-71D09676F0A8}"/>
+          </ac:cxnSpMkLst>
+        </pc:cxnChg>
+        <pc:cxnChg chg="add del mod">
+          <ac:chgData name="Jinyin Yan" userId="7d7b1cac-fbbc-4678-8cfc-23ca66a374ce" providerId="ADAL" clId="{79F635BB-8230-465D-AA09-AB2D767DEF70}" dt="2024-08-19T03:18:51.380" v="215" actId="478"/>
+          <ac:cxnSpMkLst>
+            <pc:docMk/>
+            <pc:sldMk cId="2844697874" sldId="260"/>
+            <ac:cxnSpMk id="26" creationId="{615C1639-2ECF-F126-8461-BE54F2F8FD21}"/>
+          </ac:cxnSpMkLst>
+        </pc:cxnChg>
+        <pc:cxnChg chg="add del mod">
+          <ac:chgData name="Jinyin Yan" userId="7d7b1cac-fbbc-4678-8cfc-23ca66a374ce" providerId="ADAL" clId="{79F635BB-8230-465D-AA09-AB2D767DEF70}" dt="2024-08-19T03:18:51.380" v="215" actId="478"/>
+          <ac:cxnSpMkLst>
+            <pc:docMk/>
+            <pc:sldMk cId="2844697874" sldId="260"/>
+            <ac:cxnSpMk id="27" creationId="{0B779366-C9A4-B547-591F-F79BE631FFA3}"/>
+          </ac:cxnSpMkLst>
+        </pc:cxnChg>
+        <pc:cxnChg chg="add del mod ord">
+          <ac:chgData name="Jinyin Yan" userId="7d7b1cac-fbbc-4678-8cfc-23ca66a374ce" providerId="ADAL" clId="{79F635BB-8230-465D-AA09-AB2D767DEF70}" dt="2024-08-19T03:18:51.380" v="215" actId="478"/>
+          <ac:cxnSpMkLst>
+            <pc:docMk/>
+            <pc:sldMk cId="2844697874" sldId="260"/>
+            <ac:cxnSpMk id="28" creationId="{B28F474D-0F0B-E47A-B96E-746B0413004D}"/>
+          </ac:cxnSpMkLst>
+        </pc:cxnChg>
+        <pc:cxnChg chg="add del mod">
+          <ac:chgData name="Jinyin Yan" userId="7d7b1cac-fbbc-4678-8cfc-23ca66a374ce" providerId="ADAL" clId="{79F635BB-8230-465D-AA09-AB2D767DEF70}" dt="2024-08-19T03:04:49.368" v="170" actId="478"/>
+          <ac:cxnSpMkLst>
+            <pc:docMk/>
+            <pc:sldMk cId="2844697874" sldId="260"/>
+            <ac:cxnSpMk id="29" creationId="{A6AEA929-EC8A-5011-8B91-B15EAE856194}"/>
+          </ac:cxnSpMkLst>
+        </pc:cxnChg>
+        <pc:cxnChg chg="add del mod">
+          <ac:chgData name="Jinyin Yan" userId="7d7b1cac-fbbc-4678-8cfc-23ca66a374ce" providerId="ADAL" clId="{79F635BB-8230-465D-AA09-AB2D767DEF70}" dt="2024-08-19T03:04:48.153" v="169" actId="478"/>
+          <ac:cxnSpMkLst>
+            <pc:docMk/>
+            <pc:sldMk cId="2844697874" sldId="260"/>
+            <ac:cxnSpMk id="30" creationId="{A800C07D-BA68-FB17-ACFF-B791D643EB40}"/>
+          </ac:cxnSpMkLst>
+        </pc:cxnChg>
+        <pc:cxnChg chg="add del mod">
+          <ac:chgData name="Jinyin Yan" userId="7d7b1cac-fbbc-4678-8cfc-23ca66a374ce" providerId="ADAL" clId="{79F635BB-8230-465D-AA09-AB2D767DEF70}" dt="2024-08-19T03:04:47.501" v="168" actId="478"/>
+          <ac:cxnSpMkLst>
+            <pc:docMk/>
+            <pc:sldMk cId="2844697874" sldId="260"/>
+            <ac:cxnSpMk id="31" creationId="{E48D3E97-5F31-B0F8-4ED6-05BBADFECADC}"/>
+          </ac:cxnSpMkLst>
+        </pc:cxnChg>
+        <pc:cxnChg chg="add del mod">
+          <ac:chgData name="Jinyin Yan" userId="7d7b1cac-fbbc-4678-8cfc-23ca66a374ce" providerId="ADAL" clId="{79F635BB-8230-465D-AA09-AB2D767DEF70}" dt="2024-08-19T03:04:46.791" v="167" actId="478"/>
+          <ac:cxnSpMkLst>
+            <pc:docMk/>
+            <pc:sldMk cId="2844697874" sldId="260"/>
+            <ac:cxnSpMk id="32" creationId="{E9D2D3B2-30C5-E300-7CE1-075B91D2210D}"/>
+          </ac:cxnSpMkLst>
+        </pc:cxnChg>
+        <pc:cxnChg chg="add del mod">
+          <ac:chgData name="Jinyin Yan" userId="7d7b1cac-fbbc-4678-8cfc-23ca66a374ce" providerId="ADAL" clId="{79F635BB-8230-465D-AA09-AB2D767DEF70}" dt="2024-08-19T03:18:51.380" v="215" actId="478"/>
+          <ac:cxnSpMkLst>
+            <pc:docMk/>
+            <pc:sldMk cId="2844697874" sldId="260"/>
+            <ac:cxnSpMk id="33" creationId="{F59E147E-A8BB-2C7E-55FA-89E1E70849AE}"/>
+          </ac:cxnSpMkLst>
+        </pc:cxnChg>
+        <pc:cxnChg chg="add del mod">
+          <ac:chgData name="Jinyin Yan" userId="7d7b1cac-fbbc-4678-8cfc-23ca66a374ce" providerId="ADAL" clId="{79F635BB-8230-465D-AA09-AB2D767DEF70}" dt="2024-08-19T03:01:05.120" v="121" actId="478"/>
+          <ac:cxnSpMkLst>
+            <pc:docMk/>
+            <pc:sldMk cId="2844697874" sldId="260"/>
+            <ac:cxnSpMk id="34" creationId="{F130BC23-4CA0-BF58-7DB9-3BD477EEB37C}"/>
+          </ac:cxnSpMkLst>
+        </pc:cxnChg>
+        <pc:cxnChg chg="add del mod">
+          <ac:chgData name="Jinyin Yan" userId="7d7b1cac-fbbc-4678-8cfc-23ca66a374ce" providerId="ADAL" clId="{79F635BB-8230-465D-AA09-AB2D767DEF70}" dt="2024-08-19T03:18:51.380" v="215" actId="478"/>
+          <ac:cxnSpMkLst>
+            <pc:docMk/>
+            <pc:sldMk cId="2844697874" sldId="260"/>
+            <ac:cxnSpMk id="35" creationId="{A2729E54-F506-1189-72DF-485BD7F7E064}"/>
+          </ac:cxnSpMkLst>
+        </pc:cxnChg>
+        <pc:cxnChg chg="add del mod">
+          <ac:chgData name="Jinyin Yan" userId="7d7b1cac-fbbc-4678-8cfc-23ca66a374ce" providerId="ADAL" clId="{79F635BB-8230-465D-AA09-AB2D767DEF70}" dt="2024-08-19T03:01:05.120" v="121" actId="478"/>
+          <ac:cxnSpMkLst>
+            <pc:docMk/>
+            <pc:sldMk cId="2844697874" sldId="260"/>
+            <ac:cxnSpMk id="37" creationId="{0F5F289A-7BB6-456D-1106-95F86572B823}"/>
+          </ac:cxnSpMkLst>
+        </pc:cxnChg>
+        <pc:cxnChg chg="add del mod ord">
+          <ac:chgData name="Jinyin Yan" userId="7d7b1cac-fbbc-4678-8cfc-23ca66a374ce" providerId="ADAL" clId="{79F635BB-8230-465D-AA09-AB2D767DEF70}" dt="2024-08-19T03:18:51.380" v="215" actId="478"/>
+          <ac:cxnSpMkLst>
+            <pc:docMk/>
+            <pc:sldMk cId="2844697874" sldId="260"/>
+            <ac:cxnSpMk id="38" creationId="{F0FD7390-37BD-9D59-C927-39D85768B05A}"/>
+          </ac:cxnSpMkLst>
+        </pc:cxnChg>
+        <pc:cxnChg chg="add del mod">
+          <ac:chgData name="Jinyin Yan" userId="7d7b1cac-fbbc-4678-8cfc-23ca66a374ce" providerId="ADAL" clId="{79F635BB-8230-465D-AA09-AB2D767DEF70}" dt="2024-08-19T03:01:05.120" v="121" actId="478"/>
+          <ac:cxnSpMkLst>
+            <pc:docMk/>
+            <pc:sldMk cId="2844697874" sldId="260"/>
+            <ac:cxnSpMk id="40" creationId="{36BA2782-D0E5-F7F0-C2D6-D9412E33FA76}"/>
+          </ac:cxnSpMkLst>
+        </pc:cxnChg>
+        <pc:cxnChg chg="add del mod">
+          <ac:chgData name="Jinyin Yan" userId="7d7b1cac-fbbc-4678-8cfc-23ca66a374ce" providerId="ADAL" clId="{79F635BB-8230-465D-AA09-AB2D767DEF70}" dt="2024-08-19T03:01:05.120" v="121" actId="478"/>
+          <ac:cxnSpMkLst>
+            <pc:docMk/>
+            <pc:sldMk cId="2844697874" sldId="260"/>
+            <ac:cxnSpMk id="41" creationId="{91BFB076-71E8-4305-60F9-F66C8CFC04B7}"/>
+          </ac:cxnSpMkLst>
+        </pc:cxnChg>
+        <pc:cxnChg chg="add del mod">
+          <ac:chgData name="Jinyin Yan" userId="7d7b1cac-fbbc-4678-8cfc-23ca66a374ce" providerId="ADAL" clId="{79F635BB-8230-465D-AA09-AB2D767DEF70}" dt="2024-08-19T03:01:05.120" v="121" actId="478"/>
+          <ac:cxnSpMkLst>
+            <pc:docMk/>
+            <pc:sldMk cId="2844697874" sldId="260"/>
+            <ac:cxnSpMk id="42" creationId="{04ADBB7E-9599-E87E-F4F9-5AB2E7F53B56}"/>
+          </ac:cxnSpMkLst>
+        </pc:cxnChg>
+        <pc:cxnChg chg="add del mod">
+          <ac:chgData name="Jinyin Yan" userId="7d7b1cac-fbbc-4678-8cfc-23ca66a374ce" providerId="ADAL" clId="{79F635BB-8230-465D-AA09-AB2D767DEF70}" dt="2024-08-19T03:01:05.120" v="121" actId="478"/>
+          <ac:cxnSpMkLst>
+            <pc:docMk/>
+            <pc:sldMk cId="2844697874" sldId="260"/>
+            <ac:cxnSpMk id="43" creationId="{FA5134F2-E761-6BC6-53A1-EBAC7ECB0E6A}"/>
+          </ac:cxnSpMkLst>
+        </pc:cxnChg>
+        <pc:cxnChg chg="add del mod">
+          <ac:chgData name="Jinyin Yan" userId="7d7b1cac-fbbc-4678-8cfc-23ca66a374ce" providerId="ADAL" clId="{79F635BB-8230-465D-AA09-AB2D767DEF70}" dt="2024-08-19T03:01:05.120" v="121" actId="478"/>
+          <ac:cxnSpMkLst>
+            <pc:docMk/>
+            <pc:sldMk cId="2844697874" sldId="260"/>
+            <ac:cxnSpMk id="44" creationId="{B04954B3-864E-733A-ABC0-BD7732FB6884}"/>
+          </ac:cxnSpMkLst>
+        </pc:cxnChg>
+        <pc:cxnChg chg="add del mod">
+          <ac:chgData name="Jinyin Yan" userId="7d7b1cac-fbbc-4678-8cfc-23ca66a374ce" providerId="ADAL" clId="{79F635BB-8230-465D-AA09-AB2D767DEF70}" dt="2024-08-19T03:01:05.120" v="121" actId="478"/>
+          <ac:cxnSpMkLst>
+            <pc:docMk/>
+            <pc:sldMk cId="2844697874" sldId="260"/>
+            <ac:cxnSpMk id="45" creationId="{BBF0CA4D-7CB8-AA02-658B-E6135FBC141F}"/>
+          </ac:cxnSpMkLst>
+        </pc:cxnChg>
+        <pc:cxnChg chg="add del mod">
+          <ac:chgData name="Jinyin Yan" userId="7d7b1cac-fbbc-4678-8cfc-23ca66a374ce" providerId="ADAL" clId="{79F635BB-8230-465D-AA09-AB2D767DEF70}" dt="2024-08-19T03:01:05.120" v="121" actId="478"/>
+          <ac:cxnSpMkLst>
+            <pc:docMk/>
+            <pc:sldMk cId="2844697874" sldId="260"/>
+            <ac:cxnSpMk id="46" creationId="{356C4E20-0BCE-6786-C909-CA4D664F7881}"/>
+          </ac:cxnSpMkLst>
+        </pc:cxnChg>
+        <pc:cxnChg chg="add del mod">
+          <ac:chgData name="Jinyin Yan" userId="7d7b1cac-fbbc-4678-8cfc-23ca66a374ce" providerId="ADAL" clId="{79F635BB-8230-465D-AA09-AB2D767DEF70}" dt="2024-08-19T03:01:05.120" v="121" actId="478"/>
+          <ac:cxnSpMkLst>
+            <pc:docMk/>
+            <pc:sldMk cId="2844697874" sldId="260"/>
+            <ac:cxnSpMk id="47" creationId="{90E2B381-54E7-D869-F269-E39E444FD49F}"/>
+          </ac:cxnSpMkLst>
+        </pc:cxnChg>
+        <pc:cxnChg chg="add del mod">
+          <ac:chgData name="Jinyin Yan" userId="7d7b1cac-fbbc-4678-8cfc-23ca66a374ce" providerId="ADAL" clId="{79F635BB-8230-465D-AA09-AB2D767DEF70}" dt="2024-08-19T03:01:05.120" v="121" actId="478"/>
+          <ac:cxnSpMkLst>
+            <pc:docMk/>
+            <pc:sldMk cId="2844697874" sldId="260"/>
+            <ac:cxnSpMk id="48" creationId="{E0686A93-60D3-5BEF-DFF8-D92D1C2D2DC5}"/>
+          </ac:cxnSpMkLst>
+        </pc:cxnChg>
+        <pc:cxnChg chg="add del mod">
+          <ac:chgData name="Jinyin Yan" userId="7d7b1cac-fbbc-4678-8cfc-23ca66a374ce" providerId="ADAL" clId="{79F635BB-8230-465D-AA09-AB2D767DEF70}" dt="2024-08-19T03:01:05.120" v="121" actId="478"/>
+          <ac:cxnSpMkLst>
+            <pc:docMk/>
+            <pc:sldMk cId="2844697874" sldId="260"/>
+            <ac:cxnSpMk id="49" creationId="{CF987355-F942-3ED1-3DA8-B63BED4A8251}"/>
+          </ac:cxnSpMkLst>
+        </pc:cxnChg>
+        <pc:cxnChg chg="add del mod">
+          <ac:chgData name="Jinyin Yan" userId="7d7b1cac-fbbc-4678-8cfc-23ca66a374ce" providerId="ADAL" clId="{79F635BB-8230-465D-AA09-AB2D767DEF70}" dt="2024-08-19T03:01:05.120" v="121" actId="478"/>
+          <ac:cxnSpMkLst>
+            <pc:docMk/>
+            <pc:sldMk cId="2844697874" sldId="260"/>
+            <ac:cxnSpMk id="50" creationId="{70AB70BB-10AC-79C2-A71B-A3861A41E048}"/>
+          </ac:cxnSpMkLst>
+        </pc:cxnChg>
+        <pc:cxnChg chg="add del mod">
+          <ac:chgData name="Jinyin Yan" userId="7d7b1cac-fbbc-4678-8cfc-23ca66a374ce" providerId="ADAL" clId="{79F635BB-8230-465D-AA09-AB2D767DEF70}" dt="2024-08-19T03:01:05.120" v="121" actId="478"/>
+          <ac:cxnSpMkLst>
+            <pc:docMk/>
+            <pc:sldMk cId="2844697874" sldId="260"/>
+            <ac:cxnSpMk id="51" creationId="{D38E4495-EB93-6BB9-1DE9-338A7D76DD4F}"/>
+          </ac:cxnSpMkLst>
+        </pc:cxnChg>
+        <pc:cxnChg chg="add del mod">
+          <ac:chgData name="Jinyin Yan" userId="7d7b1cac-fbbc-4678-8cfc-23ca66a374ce" providerId="ADAL" clId="{79F635BB-8230-465D-AA09-AB2D767DEF70}" dt="2024-08-19T03:01:05.120" v="121" actId="478"/>
+          <ac:cxnSpMkLst>
+            <pc:docMk/>
+            <pc:sldMk cId="2844697874" sldId="260"/>
+            <ac:cxnSpMk id="52" creationId="{2B27D9B7-413F-1ED6-AF32-CCB99EBBC4D9}"/>
+          </ac:cxnSpMkLst>
+        </pc:cxnChg>
+        <pc:cxnChg chg="add del mod">
+          <ac:chgData name="Jinyin Yan" userId="7d7b1cac-fbbc-4678-8cfc-23ca66a374ce" providerId="ADAL" clId="{79F635BB-8230-465D-AA09-AB2D767DEF70}" dt="2024-08-19T03:01:05.120" v="121" actId="478"/>
+          <ac:cxnSpMkLst>
+            <pc:docMk/>
+            <pc:sldMk cId="2844697874" sldId="260"/>
+            <ac:cxnSpMk id="53" creationId="{0A88E925-0DB4-C7C8-AEA4-E1B149CBBA2F}"/>
+          </ac:cxnSpMkLst>
+        </pc:cxnChg>
+        <pc:cxnChg chg="add del mod">
+          <ac:chgData name="Jinyin Yan" userId="7d7b1cac-fbbc-4678-8cfc-23ca66a374ce" providerId="ADAL" clId="{79F635BB-8230-465D-AA09-AB2D767DEF70}" dt="2024-08-19T03:01:05.120" v="121" actId="478"/>
+          <ac:cxnSpMkLst>
+            <pc:docMk/>
+            <pc:sldMk cId="2844697874" sldId="260"/>
+            <ac:cxnSpMk id="54" creationId="{7CBDE494-669D-BF1E-7959-614FDA14D57E}"/>
+          </ac:cxnSpMkLst>
+        </pc:cxnChg>
+        <pc:cxnChg chg="add del mod">
+          <ac:chgData name="Jinyin Yan" userId="7d7b1cac-fbbc-4678-8cfc-23ca66a374ce" providerId="ADAL" clId="{79F635BB-8230-465D-AA09-AB2D767DEF70}" dt="2024-08-19T03:01:05.120" v="121" actId="478"/>
+          <ac:cxnSpMkLst>
+            <pc:docMk/>
+            <pc:sldMk cId="2844697874" sldId="260"/>
+            <ac:cxnSpMk id="55" creationId="{3D9D214D-DC4D-B0F9-AD89-59B16B75088A}"/>
+          </ac:cxnSpMkLst>
+        </pc:cxnChg>
+        <pc:cxnChg chg="add del mod">
+          <ac:chgData name="Jinyin Yan" userId="7d7b1cac-fbbc-4678-8cfc-23ca66a374ce" providerId="ADAL" clId="{79F635BB-8230-465D-AA09-AB2D767DEF70}" dt="2024-08-19T03:01:05.120" v="121" actId="478"/>
+          <ac:cxnSpMkLst>
+            <pc:docMk/>
+            <pc:sldMk cId="2844697874" sldId="260"/>
+            <ac:cxnSpMk id="56" creationId="{23419CB8-9F4A-429D-C86B-83365038400D}"/>
+          </ac:cxnSpMkLst>
+        </pc:cxnChg>
+        <pc:cxnChg chg="add del mod">
+          <ac:chgData name="Jinyin Yan" userId="7d7b1cac-fbbc-4678-8cfc-23ca66a374ce" providerId="ADAL" clId="{79F635BB-8230-465D-AA09-AB2D767DEF70}" dt="2024-08-19T03:01:05.120" v="121" actId="478"/>
+          <ac:cxnSpMkLst>
+            <pc:docMk/>
+            <pc:sldMk cId="2844697874" sldId="260"/>
+            <ac:cxnSpMk id="57" creationId="{0A79D596-6606-2850-4F7D-66C9825B31FD}"/>
+          </ac:cxnSpMkLst>
+        </pc:cxnChg>
+        <pc:cxnChg chg="add del mod">
+          <ac:chgData name="Jinyin Yan" userId="7d7b1cac-fbbc-4678-8cfc-23ca66a374ce" providerId="ADAL" clId="{79F635BB-8230-465D-AA09-AB2D767DEF70}" dt="2024-08-19T02:36:58.488" v="55" actId="478"/>
+          <ac:cxnSpMkLst>
+            <pc:docMk/>
+            <pc:sldMk cId="2844697874" sldId="260"/>
+            <ac:cxnSpMk id="58" creationId="{FC6FB474-FB87-1B0E-14D1-CCD3B81F697A}"/>
+          </ac:cxnSpMkLst>
+        </pc:cxnChg>
+        <pc:cxnChg chg="add del mod">
+          <ac:chgData name="Jinyin Yan" userId="7d7b1cac-fbbc-4678-8cfc-23ca66a374ce" providerId="ADAL" clId="{79F635BB-8230-465D-AA09-AB2D767DEF70}" dt="2024-08-19T03:01:05.120" v="121" actId="478"/>
+          <ac:cxnSpMkLst>
+            <pc:docMk/>
+            <pc:sldMk cId="2844697874" sldId="260"/>
+            <ac:cxnSpMk id="59" creationId="{7CBD0758-76DB-6E9C-DE69-DEB95183AD2B}"/>
+          </ac:cxnSpMkLst>
+        </pc:cxnChg>
+        <pc:cxnChg chg="add del mod">
+          <ac:chgData name="Jinyin Yan" userId="7d7b1cac-fbbc-4678-8cfc-23ca66a374ce" providerId="ADAL" clId="{79F635BB-8230-465D-AA09-AB2D767DEF70}" dt="2024-08-19T03:01:05.120" v="121" actId="478"/>
+          <ac:cxnSpMkLst>
+            <pc:docMk/>
+            <pc:sldMk cId="2844697874" sldId="260"/>
+            <ac:cxnSpMk id="60" creationId="{D620DC99-573E-65AA-8424-114C5DE3D571}"/>
+          </ac:cxnSpMkLst>
+        </pc:cxnChg>
+        <pc:cxnChg chg="add del mod">
+          <ac:chgData name="Jinyin Yan" userId="7d7b1cac-fbbc-4678-8cfc-23ca66a374ce" providerId="ADAL" clId="{79F635BB-8230-465D-AA09-AB2D767DEF70}" dt="2024-08-19T03:01:05.120" v="121" actId="478"/>
+          <ac:cxnSpMkLst>
+            <pc:docMk/>
+            <pc:sldMk cId="2844697874" sldId="260"/>
+            <ac:cxnSpMk id="61" creationId="{1B063E53-2204-DD22-0978-4527356FDA5A}"/>
+          </ac:cxnSpMkLst>
+        </pc:cxnChg>
+        <pc:cxnChg chg="add del mod">
+          <ac:chgData name="Jinyin Yan" userId="7d7b1cac-fbbc-4678-8cfc-23ca66a374ce" providerId="ADAL" clId="{79F635BB-8230-465D-AA09-AB2D767DEF70}" dt="2024-08-19T03:01:05.120" v="121" actId="478"/>
+          <ac:cxnSpMkLst>
+            <pc:docMk/>
+            <pc:sldMk cId="2844697874" sldId="260"/>
+            <ac:cxnSpMk id="62" creationId="{764CF21C-BB93-34CE-B8C3-A8ED18D85686}"/>
+          </ac:cxnSpMkLst>
+        </pc:cxnChg>
+        <pc:cxnChg chg="add del mod">
+          <ac:chgData name="Jinyin Yan" userId="7d7b1cac-fbbc-4678-8cfc-23ca66a374ce" providerId="ADAL" clId="{79F635BB-8230-465D-AA09-AB2D767DEF70}" dt="2024-08-19T03:01:05.120" v="121" actId="478"/>
+          <ac:cxnSpMkLst>
+            <pc:docMk/>
+            <pc:sldMk cId="2844697874" sldId="260"/>
+            <ac:cxnSpMk id="63" creationId="{A0CF45CC-6854-89A1-DE57-32717D21E073}"/>
+          </ac:cxnSpMkLst>
+        </pc:cxnChg>
+        <pc:cxnChg chg="add del mod">
+          <ac:chgData name="Jinyin Yan" userId="7d7b1cac-fbbc-4678-8cfc-23ca66a374ce" providerId="ADAL" clId="{79F635BB-8230-465D-AA09-AB2D767DEF70}" dt="2024-08-19T03:01:05.120" v="121" actId="478"/>
+          <ac:cxnSpMkLst>
+            <pc:docMk/>
+            <pc:sldMk cId="2844697874" sldId="260"/>
+            <ac:cxnSpMk id="64" creationId="{BEE2993C-311D-D097-675D-448BF0199739}"/>
+          </ac:cxnSpMkLst>
+        </pc:cxnChg>
+        <pc:cxnChg chg="add del mod">
+          <ac:chgData name="Jinyin Yan" userId="7d7b1cac-fbbc-4678-8cfc-23ca66a374ce" providerId="ADAL" clId="{79F635BB-8230-465D-AA09-AB2D767DEF70}" dt="2024-08-19T03:01:05.120" v="121" actId="478"/>
+          <ac:cxnSpMkLst>
+            <pc:docMk/>
+            <pc:sldMk cId="2844697874" sldId="260"/>
+            <ac:cxnSpMk id="65" creationId="{D8F11696-F39C-33B2-70D8-E4AE5FF901F8}"/>
+          </ac:cxnSpMkLst>
+        </pc:cxnChg>
+        <pc:cxnChg chg="add del mod">
+          <ac:chgData name="Jinyin Yan" userId="7d7b1cac-fbbc-4678-8cfc-23ca66a374ce" providerId="ADAL" clId="{79F635BB-8230-465D-AA09-AB2D767DEF70}" dt="2024-08-19T03:01:05.120" v="121" actId="478"/>
+          <ac:cxnSpMkLst>
+            <pc:docMk/>
+            <pc:sldMk cId="2844697874" sldId="260"/>
+            <ac:cxnSpMk id="66" creationId="{1F4992CC-E260-CC16-29B0-943728401FEB}"/>
+          </ac:cxnSpMkLst>
+        </pc:cxnChg>
+        <pc:cxnChg chg="add del mod">
+          <ac:chgData name="Jinyin Yan" userId="7d7b1cac-fbbc-4678-8cfc-23ca66a374ce" providerId="ADAL" clId="{79F635BB-8230-465D-AA09-AB2D767DEF70}" dt="2024-08-19T03:01:05.120" v="121" actId="478"/>
+          <ac:cxnSpMkLst>
+            <pc:docMk/>
+            <pc:sldMk cId="2844697874" sldId="260"/>
+            <ac:cxnSpMk id="67" creationId="{1A780DB1-6989-450A-88C9-DABAE5BFE898}"/>
+          </ac:cxnSpMkLst>
+        </pc:cxnChg>
+        <pc:cxnChg chg="add del mod">
+          <ac:chgData name="Jinyin Yan" userId="7d7b1cac-fbbc-4678-8cfc-23ca66a374ce" providerId="ADAL" clId="{79F635BB-8230-465D-AA09-AB2D767DEF70}" dt="2024-08-19T03:01:05.120" v="121" actId="478"/>
+          <ac:cxnSpMkLst>
+            <pc:docMk/>
+            <pc:sldMk cId="2844697874" sldId="260"/>
+            <ac:cxnSpMk id="68" creationId="{D2E5AFC2-42B0-4FC0-E59E-A2E58A7EBF40}"/>
+          </ac:cxnSpMkLst>
+        </pc:cxnChg>
+        <pc:cxnChg chg="add del mod">
+          <ac:chgData name="Jinyin Yan" userId="7d7b1cac-fbbc-4678-8cfc-23ca66a374ce" providerId="ADAL" clId="{79F635BB-8230-465D-AA09-AB2D767DEF70}" dt="2024-08-19T03:01:05.120" v="121" actId="478"/>
+          <ac:cxnSpMkLst>
+            <pc:docMk/>
+            <pc:sldMk cId="2844697874" sldId="260"/>
+            <ac:cxnSpMk id="70" creationId="{0B99D68A-356B-014E-8C98-BD879F871F3B}"/>
+          </ac:cxnSpMkLst>
+        </pc:cxnChg>
+        <pc:cxnChg chg="add del mod">
+          <ac:chgData name="Jinyin Yan" userId="7d7b1cac-fbbc-4678-8cfc-23ca66a374ce" providerId="ADAL" clId="{79F635BB-8230-465D-AA09-AB2D767DEF70}" dt="2024-08-19T02:48:35.432" v="98" actId="478"/>
+          <ac:cxnSpMkLst>
+            <pc:docMk/>
+            <pc:sldMk cId="2844697874" sldId="260"/>
+            <ac:cxnSpMk id="74" creationId="{528B0A2F-F385-556B-AC6D-CC9DDBF1179C}"/>
+          </ac:cxnSpMkLst>
+        </pc:cxnChg>
+        <pc:cxnChg chg="add mod">
+          <ac:chgData name="Jinyin Yan" userId="7d7b1cac-fbbc-4678-8cfc-23ca66a374ce" providerId="ADAL" clId="{79F635BB-8230-465D-AA09-AB2D767DEF70}" dt="2024-08-19T02:48:37.756" v="99"/>
+          <ac:cxnSpMkLst>
+            <pc:docMk/>
+            <pc:sldMk cId="2844697874" sldId="260"/>
+            <ac:cxnSpMk id="75" creationId="{3E21B4F7-4EF8-9304-B290-4D757150CA29}"/>
+          </ac:cxnSpMkLst>
+        </pc:cxnChg>
+        <pc:cxnChg chg="add del mod">
+          <ac:chgData name="Jinyin Yan" userId="7d7b1cac-fbbc-4678-8cfc-23ca66a374ce" providerId="ADAL" clId="{79F635BB-8230-465D-AA09-AB2D767DEF70}" dt="2024-08-19T03:01:05.120" v="121" actId="478"/>
+          <ac:cxnSpMkLst>
+            <pc:docMk/>
+            <pc:sldMk cId="2844697874" sldId="260"/>
+            <ac:cxnSpMk id="76" creationId="{047B284E-0458-FD56-99C7-665736720B7E}"/>
+          </ac:cxnSpMkLst>
+        </pc:cxnChg>
+        <pc:cxnChg chg="add del mod">
+          <ac:chgData name="Jinyin Yan" userId="7d7b1cac-fbbc-4678-8cfc-23ca66a374ce" providerId="ADAL" clId="{79F635BB-8230-465D-AA09-AB2D767DEF70}" dt="2024-08-19T03:01:05.120" v="121" actId="478"/>
+          <ac:cxnSpMkLst>
+            <pc:docMk/>
+            <pc:sldMk cId="2844697874" sldId="260"/>
+            <ac:cxnSpMk id="77" creationId="{C36487E1-4D0E-AD91-965A-E46B9904C3A4}"/>
+          </ac:cxnSpMkLst>
+        </pc:cxnChg>
+        <pc:cxnChg chg="add del mod">
+          <ac:chgData name="Jinyin Yan" userId="7d7b1cac-fbbc-4678-8cfc-23ca66a374ce" providerId="ADAL" clId="{79F635BB-8230-465D-AA09-AB2D767DEF70}" dt="2024-08-19T03:18:51.380" v="215" actId="478"/>
+          <ac:cxnSpMkLst>
+            <pc:docMk/>
+            <pc:sldMk cId="2844697874" sldId="260"/>
+            <ac:cxnSpMk id="79" creationId="{841F3048-BCD8-A061-46D1-F4062136DFA2}"/>
+          </ac:cxnSpMkLst>
+        </pc:cxnChg>
+        <pc:cxnChg chg="add del mod">
+          <ac:chgData name="Jinyin Yan" userId="7d7b1cac-fbbc-4678-8cfc-23ca66a374ce" providerId="ADAL" clId="{79F635BB-8230-465D-AA09-AB2D767DEF70}" dt="2024-08-19T03:18:51.380" v="215" actId="478"/>
+          <ac:cxnSpMkLst>
+            <pc:docMk/>
+            <pc:sldMk cId="2844697874" sldId="260"/>
+            <ac:cxnSpMk id="80" creationId="{197CEBA8-5CCE-D877-4A84-D8DFB9A39798}"/>
+          </ac:cxnSpMkLst>
+        </pc:cxnChg>
+        <pc:cxnChg chg="add del mod">
+          <ac:chgData name="Jinyin Yan" userId="7d7b1cac-fbbc-4678-8cfc-23ca66a374ce" providerId="ADAL" clId="{79F635BB-8230-465D-AA09-AB2D767DEF70}" dt="2024-08-19T03:18:51.380" v="215" actId="478"/>
+          <ac:cxnSpMkLst>
+            <pc:docMk/>
+            <pc:sldMk cId="2844697874" sldId="260"/>
+            <ac:cxnSpMk id="81" creationId="{637C403F-9F75-D13F-8655-4E525C782E56}"/>
+          </ac:cxnSpMkLst>
+        </pc:cxnChg>
+        <pc:cxnChg chg="add del mod">
+          <ac:chgData name="Jinyin Yan" userId="7d7b1cac-fbbc-4678-8cfc-23ca66a374ce" providerId="ADAL" clId="{79F635BB-8230-465D-AA09-AB2D767DEF70}" dt="2024-08-19T03:18:51.380" v="215" actId="478"/>
+          <ac:cxnSpMkLst>
+            <pc:docMk/>
+            <pc:sldMk cId="2844697874" sldId="260"/>
+            <ac:cxnSpMk id="82" creationId="{8997CBF1-EF1A-056D-5C85-CB46F7E1F95D}"/>
+          </ac:cxnSpMkLst>
+        </pc:cxnChg>
+        <pc:cxnChg chg="add del mod">
+          <ac:chgData name="Jinyin Yan" userId="7d7b1cac-fbbc-4678-8cfc-23ca66a374ce" providerId="ADAL" clId="{79F635BB-8230-465D-AA09-AB2D767DEF70}" dt="2024-08-19T03:18:51.380" v="215" actId="478"/>
+          <ac:cxnSpMkLst>
+            <pc:docMk/>
+            <pc:sldMk cId="2844697874" sldId="260"/>
+            <ac:cxnSpMk id="83" creationId="{9A6BE6B0-CA7F-275E-5DF1-9C33AB39545A}"/>
+          </ac:cxnSpMkLst>
+        </pc:cxnChg>
+        <pc:cxnChg chg="add del mod">
+          <ac:chgData name="Jinyin Yan" userId="7d7b1cac-fbbc-4678-8cfc-23ca66a374ce" providerId="ADAL" clId="{79F635BB-8230-465D-AA09-AB2D767DEF70}" dt="2024-08-19T03:18:51.380" v="215" actId="478"/>
+          <ac:cxnSpMkLst>
+            <pc:docMk/>
+            <pc:sldMk cId="2844697874" sldId="260"/>
+            <ac:cxnSpMk id="85" creationId="{CADFEF27-B309-1F10-DB01-BF3BCC8FF71F}"/>
+          </ac:cxnSpMkLst>
+        </pc:cxnChg>
+        <pc:cxnChg chg="add del mod">
+          <ac:chgData name="Jinyin Yan" userId="7d7b1cac-fbbc-4678-8cfc-23ca66a374ce" providerId="ADAL" clId="{79F635BB-8230-465D-AA09-AB2D767DEF70}" dt="2024-08-19T03:18:51.380" v="215" actId="478"/>
+          <ac:cxnSpMkLst>
+            <pc:docMk/>
+            <pc:sldMk cId="2844697874" sldId="260"/>
+            <ac:cxnSpMk id="86" creationId="{406B2073-8F74-9EEC-A839-AA379236781E}"/>
+          </ac:cxnSpMkLst>
+        </pc:cxnChg>
+        <pc:cxnChg chg="add del mod">
+          <ac:chgData name="Jinyin Yan" userId="7d7b1cac-fbbc-4678-8cfc-23ca66a374ce" providerId="ADAL" clId="{79F635BB-8230-465D-AA09-AB2D767DEF70}" dt="2024-08-19T03:18:51.380" v="215" actId="478"/>
+          <ac:cxnSpMkLst>
+            <pc:docMk/>
+            <pc:sldMk cId="2844697874" sldId="260"/>
+            <ac:cxnSpMk id="87" creationId="{4358E88F-82A3-C7D4-AE2C-8C1A2FED379F}"/>
+          </ac:cxnSpMkLst>
+        </pc:cxnChg>
+        <pc:cxnChg chg="add del mod">
+          <ac:chgData name="Jinyin Yan" userId="7d7b1cac-fbbc-4678-8cfc-23ca66a374ce" providerId="ADAL" clId="{79F635BB-8230-465D-AA09-AB2D767DEF70}" dt="2024-08-19T03:18:51.380" v="215" actId="478"/>
+          <ac:cxnSpMkLst>
+            <pc:docMk/>
+            <pc:sldMk cId="2844697874" sldId="260"/>
+            <ac:cxnSpMk id="88" creationId="{0CB7D69A-91E4-9707-B325-185F66415F19}"/>
+          </ac:cxnSpMkLst>
+        </pc:cxnChg>
+        <pc:cxnChg chg="add del mod">
+          <ac:chgData name="Jinyin Yan" userId="7d7b1cac-fbbc-4678-8cfc-23ca66a374ce" providerId="ADAL" clId="{79F635BB-8230-465D-AA09-AB2D767DEF70}" dt="2024-08-19T03:18:51.380" v="215" actId="478"/>
+          <ac:cxnSpMkLst>
+            <pc:docMk/>
+            <pc:sldMk cId="2844697874" sldId="260"/>
+            <ac:cxnSpMk id="89" creationId="{3080D9FD-04EB-0F20-1F80-D0F2FE51E5A1}"/>
+          </ac:cxnSpMkLst>
+        </pc:cxnChg>
+        <pc:cxnChg chg="add del mod">
+          <ac:chgData name="Jinyin Yan" userId="7d7b1cac-fbbc-4678-8cfc-23ca66a374ce" providerId="ADAL" clId="{79F635BB-8230-465D-AA09-AB2D767DEF70}" dt="2024-08-19T03:18:51.380" v="215" actId="478"/>
+          <ac:cxnSpMkLst>
+            <pc:docMk/>
+            <pc:sldMk cId="2844697874" sldId="260"/>
+            <ac:cxnSpMk id="90" creationId="{7D8FA21C-5BAE-435B-3F22-0D46351F0AD9}"/>
+          </ac:cxnSpMkLst>
+        </pc:cxnChg>
+        <pc:cxnChg chg="add del mod">
+          <ac:chgData name="Jinyin Yan" userId="7d7b1cac-fbbc-4678-8cfc-23ca66a374ce" providerId="ADAL" clId="{79F635BB-8230-465D-AA09-AB2D767DEF70}" dt="2024-08-19T03:18:51.380" v="215" actId="478"/>
+          <ac:cxnSpMkLst>
+            <pc:docMk/>
+            <pc:sldMk cId="2844697874" sldId="260"/>
+            <ac:cxnSpMk id="91" creationId="{E6D16B43-5498-3851-3C25-4E64058659C1}"/>
+          </ac:cxnSpMkLst>
+        </pc:cxnChg>
+        <pc:cxnChg chg="add del mod">
+          <ac:chgData name="Jinyin Yan" userId="7d7b1cac-fbbc-4678-8cfc-23ca66a374ce" providerId="ADAL" clId="{79F635BB-8230-465D-AA09-AB2D767DEF70}" dt="2024-08-19T03:07:04.258" v="191" actId="478"/>
+          <ac:cxnSpMkLst>
+            <pc:docMk/>
+            <pc:sldMk cId="2844697874" sldId="260"/>
+            <ac:cxnSpMk id="92" creationId="{336188EA-9246-DA76-C77C-2D0818372D98}"/>
+          </ac:cxnSpMkLst>
+        </pc:cxnChg>
+        <pc:cxnChg chg="add del mod">
+          <ac:chgData name="Jinyin Yan" userId="7d7b1cac-fbbc-4678-8cfc-23ca66a374ce" providerId="ADAL" clId="{79F635BB-8230-465D-AA09-AB2D767DEF70}" dt="2024-08-19T03:18:51.380" v="215" actId="478"/>
+          <ac:cxnSpMkLst>
+            <pc:docMk/>
+            <pc:sldMk cId="2844697874" sldId="260"/>
+            <ac:cxnSpMk id="93" creationId="{E20BE6BD-6F06-5B09-1223-52C7BB03C7B4}"/>
+          </ac:cxnSpMkLst>
+        </pc:cxnChg>
+        <pc:cxnChg chg="add del mod">
+          <ac:chgData name="Jinyin Yan" userId="7d7b1cac-fbbc-4678-8cfc-23ca66a374ce" providerId="ADAL" clId="{79F635BB-8230-465D-AA09-AB2D767DEF70}" dt="2024-08-19T03:18:51.380" v="215" actId="478"/>
+          <ac:cxnSpMkLst>
+            <pc:docMk/>
+            <pc:sldMk cId="2844697874" sldId="260"/>
+            <ac:cxnSpMk id="94" creationId="{B6528560-2A6B-F068-23DB-CE2BC06D1A19}"/>
+          </ac:cxnSpMkLst>
+        </pc:cxnChg>
+        <pc:cxnChg chg="add del mod">
+          <ac:chgData name="Jinyin Yan" userId="7d7b1cac-fbbc-4678-8cfc-23ca66a374ce" providerId="ADAL" clId="{79F635BB-8230-465D-AA09-AB2D767DEF70}" dt="2024-08-19T03:18:51.380" v="215" actId="478"/>
+          <ac:cxnSpMkLst>
+            <pc:docMk/>
+            <pc:sldMk cId="2844697874" sldId="260"/>
+            <ac:cxnSpMk id="95" creationId="{DFBA739E-5DAD-4EE0-3B24-C0E50AC4D7BD}"/>
+          </ac:cxnSpMkLst>
+        </pc:cxnChg>
+        <pc:cxnChg chg="add del mod">
+          <ac:chgData name="Jinyin Yan" userId="7d7b1cac-fbbc-4678-8cfc-23ca66a374ce" providerId="ADAL" clId="{79F635BB-8230-465D-AA09-AB2D767DEF70}" dt="2024-08-19T03:18:51.380" v="215" actId="478"/>
+          <ac:cxnSpMkLst>
+            <pc:docMk/>
+            <pc:sldMk cId="2844697874" sldId="260"/>
+            <ac:cxnSpMk id="96" creationId="{C4C04FDA-3B9A-6A06-0BAD-EE60656166D1}"/>
+          </ac:cxnSpMkLst>
+        </pc:cxnChg>
+        <pc:cxnChg chg="add del mod">
+          <ac:chgData name="Jinyin Yan" userId="7d7b1cac-fbbc-4678-8cfc-23ca66a374ce" providerId="ADAL" clId="{79F635BB-8230-465D-AA09-AB2D767DEF70}" dt="2024-08-19T03:06:26.491" v="182" actId="478"/>
+          <ac:cxnSpMkLst>
+            <pc:docMk/>
+            <pc:sldMk cId="2844697874" sldId="260"/>
+            <ac:cxnSpMk id="97" creationId="{B147CD99-680A-EB86-4B08-D4B4CB282CC5}"/>
+          </ac:cxnSpMkLst>
+        </pc:cxnChg>
+        <pc:cxnChg chg="add del mod">
+          <ac:chgData name="Jinyin Yan" userId="7d7b1cac-fbbc-4678-8cfc-23ca66a374ce" providerId="ADAL" clId="{79F635BB-8230-465D-AA09-AB2D767DEF70}" dt="2024-08-19T03:06:26.491" v="182" actId="478"/>
+          <ac:cxnSpMkLst>
+            <pc:docMk/>
+            <pc:sldMk cId="2844697874" sldId="260"/>
+            <ac:cxnSpMk id="98" creationId="{A0457009-6726-7405-B163-2CEC2611EBAC}"/>
+          </ac:cxnSpMkLst>
+        </pc:cxnChg>
+        <pc:cxnChg chg="add del mod">
+          <ac:chgData name="Jinyin Yan" userId="7d7b1cac-fbbc-4678-8cfc-23ca66a374ce" providerId="ADAL" clId="{79F635BB-8230-465D-AA09-AB2D767DEF70}" dt="2024-08-19T03:06:26.491" v="182" actId="478"/>
+          <ac:cxnSpMkLst>
+            <pc:docMk/>
+            <pc:sldMk cId="2844697874" sldId="260"/>
+            <ac:cxnSpMk id="99" creationId="{039CF04D-065D-F37A-9065-88CEDFEE1395}"/>
+          </ac:cxnSpMkLst>
+        </pc:cxnChg>
+        <pc:cxnChg chg="add del mod">
+          <ac:chgData name="Jinyin Yan" userId="7d7b1cac-fbbc-4678-8cfc-23ca66a374ce" providerId="ADAL" clId="{79F635BB-8230-465D-AA09-AB2D767DEF70}" dt="2024-08-19T03:06:26.491" v="182" actId="478"/>
+          <ac:cxnSpMkLst>
+            <pc:docMk/>
+            <pc:sldMk cId="2844697874" sldId="260"/>
+            <ac:cxnSpMk id="100" creationId="{80285044-9CC4-04ED-5E48-06F277A5C8C8}"/>
+          </ac:cxnSpMkLst>
+        </pc:cxnChg>
+        <pc:cxnChg chg="add del mod">
+          <ac:chgData name="Jinyin Yan" userId="7d7b1cac-fbbc-4678-8cfc-23ca66a374ce" providerId="ADAL" clId="{79F635BB-8230-465D-AA09-AB2D767DEF70}" dt="2024-08-19T03:06:26.491" v="182" actId="478"/>
+          <ac:cxnSpMkLst>
+            <pc:docMk/>
+            <pc:sldMk cId="2844697874" sldId="260"/>
+            <ac:cxnSpMk id="101" creationId="{3CCBC3E0-5662-68B8-8CE2-AF942AFB467D}"/>
+          </ac:cxnSpMkLst>
+        </pc:cxnChg>
+        <pc:cxnChg chg="add del mod">
+          <ac:chgData name="Jinyin Yan" userId="7d7b1cac-fbbc-4678-8cfc-23ca66a374ce" providerId="ADAL" clId="{79F635BB-8230-465D-AA09-AB2D767DEF70}" dt="2024-08-19T03:06:26.491" v="182" actId="478"/>
+          <ac:cxnSpMkLst>
+            <pc:docMk/>
+            <pc:sldMk cId="2844697874" sldId="260"/>
+            <ac:cxnSpMk id="102" creationId="{814FE8AD-48B1-F8FF-88F0-09D75AA88FF8}"/>
+          </ac:cxnSpMkLst>
+        </pc:cxnChg>
+        <pc:cxnChg chg="add del mod">
+          <ac:chgData name="Jinyin Yan" userId="7d7b1cac-fbbc-4678-8cfc-23ca66a374ce" providerId="ADAL" clId="{79F635BB-8230-465D-AA09-AB2D767DEF70}" dt="2024-08-19T03:06:26.491" v="182" actId="478"/>
+          <ac:cxnSpMkLst>
+            <pc:docMk/>
+            <pc:sldMk cId="2844697874" sldId="260"/>
+            <ac:cxnSpMk id="103" creationId="{27818F25-757F-11CD-8AE9-B7C26CFE12EA}"/>
+          </ac:cxnSpMkLst>
+        </pc:cxnChg>
+        <pc:cxnChg chg="add del mod">
+          <ac:chgData name="Jinyin Yan" userId="7d7b1cac-fbbc-4678-8cfc-23ca66a374ce" providerId="ADAL" clId="{79F635BB-8230-465D-AA09-AB2D767DEF70}" dt="2024-08-19T03:06:26.491" v="182" actId="478"/>
+          <ac:cxnSpMkLst>
+            <pc:docMk/>
+            <pc:sldMk cId="2844697874" sldId="260"/>
+            <ac:cxnSpMk id="104" creationId="{B61BB45D-22A6-8DB9-847C-EBF89E4FD239}"/>
+          </ac:cxnSpMkLst>
+        </pc:cxnChg>
+        <pc:cxnChg chg="add del mod">
+          <ac:chgData name="Jinyin Yan" userId="7d7b1cac-fbbc-4678-8cfc-23ca66a374ce" providerId="ADAL" clId="{79F635BB-8230-465D-AA09-AB2D767DEF70}" dt="2024-08-19T03:06:26.491" v="182" actId="478"/>
+          <ac:cxnSpMkLst>
+            <pc:docMk/>
+            <pc:sldMk cId="2844697874" sldId="260"/>
+            <ac:cxnSpMk id="105" creationId="{0CDA4E8D-8093-97DB-008F-AF2B56B9A8EA}"/>
+          </ac:cxnSpMkLst>
+        </pc:cxnChg>
+        <pc:cxnChg chg="add del mod">
+          <ac:chgData name="Jinyin Yan" userId="7d7b1cac-fbbc-4678-8cfc-23ca66a374ce" providerId="ADAL" clId="{79F635BB-8230-465D-AA09-AB2D767DEF70}" dt="2024-08-19T03:06:26.491" v="182" actId="478"/>
+          <ac:cxnSpMkLst>
+            <pc:docMk/>
+            <pc:sldMk cId="2844697874" sldId="260"/>
+            <ac:cxnSpMk id="106" creationId="{FEE98010-0BAC-548D-9B8F-075470FFC7D4}"/>
+          </ac:cxnSpMkLst>
+        </pc:cxnChg>
+        <pc:cxnChg chg="add del mod">
+          <ac:chgData name="Jinyin Yan" userId="7d7b1cac-fbbc-4678-8cfc-23ca66a374ce" providerId="ADAL" clId="{79F635BB-8230-465D-AA09-AB2D767DEF70}" dt="2024-08-19T03:06:26.491" v="182" actId="478"/>
+          <ac:cxnSpMkLst>
+            <pc:docMk/>
+            <pc:sldMk cId="2844697874" sldId="260"/>
+            <ac:cxnSpMk id="107" creationId="{601BC895-C506-F742-DF8C-335F734467B2}"/>
+          </ac:cxnSpMkLst>
+        </pc:cxnChg>
+        <pc:cxnChg chg="add del mod">
+          <ac:chgData name="Jinyin Yan" userId="7d7b1cac-fbbc-4678-8cfc-23ca66a374ce" providerId="ADAL" clId="{79F635BB-8230-465D-AA09-AB2D767DEF70}" dt="2024-08-19T03:06:26.491" v="182" actId="478"/>
+          <ac:cxnSpMkLst>
+            <pc:docMk/>
+            <pc:sldMk cId="2844697874" sldId="260"/>
+            <ac:cxnSpMk id="108" creationId="{B9DE6090-2375-C01A-8EFD-F7DBA4642F98}"/>
+          </ac:cxnSpMkLst>
+        </pc:cxnChg>
+        <pc:cxnChg chg="add del mod">
+          <ac:chgData name="Jinyin Yan" userId="7d7b1cac-fbbc-4678-8cfc-23ca66a374ce" providerId="ADAL" clId="{79F635BB-8230-465D-AA09-AB2D767DEF70}" dt="2024-08-19T03:06:26.491" v="182" actId="478"/>
+          <ac:cxnSpMkLst>
+            <pc:docMk/>
+            <pc:sldMk cId="2844697874" sldId="260"/>
+            <ac:cxnSpMk id="109" creationId="{60043D5B-C7CE-3380-42D0-457F09ED2234}"/>
+          </ac:cxnSpMkLst>
+        </pc:cxnChg>
+        <pc:cxnChg chg="add del mod">
+          <ac:chgData name="Jinyin Yan" userId="7d7b1cac-fbbc-4678-8cfc-23ca66a374ce" providerId="ADAL" clId="{79F635BB-8230-465D-AA09-AB2D767DEF70}" dt="2024-08-19T03:18:51.380" v="215" actId="478"/>
+          <ac:cxnSpMkLst>
+            <pc:docMk/>
+            <pc:sldMk cId="2844697874" sldId="260"/>
+            <ac:cxnSpMk id="110" creationId="{584B9E25-2371-1916-8A08-4722048EAFD2}"/>
+          </ac:cxnSpMkLst>
+        </pc:cxnChg>
+        <pc:cxnChg chg="add del mod">
+          <ac:chgData name="Jinyin Yan" userId="7d7b1cac-fbbc-4678-8cfc-23ca66a374ce" providerId="ADAL" clId="{79F635BB-8230-465D-AA09-AB2D767DEF70}" dt="2024-08-19T03:18:51.380" v="215" actId="478"/>
+          <ac:cxnSpMkLst>
+            <pc:docMk/>
+            <pc:sldMk cId="2844697874" sldId="260"/>
+            <ac:cxnSpMk id="111" creationId="{B1C3221D-C1B7-54D8-B78D-361483D6FBF9}"/>
+          </ac:cxnSpMkLst>
+        </pc:cxnChg>
+        <pc:cxnChg chg="add del mod">
+          <ac:chgData name="Jinyin Yan" userId="7d7b1cac-fbbc-4678-8cfc-23ca66a374ce" providerId="ADAL" clId="{79F635BB-8230-465D-AA09-AB2D767DEF70}" dt="2024-08-19T03:18:51.380" v="215" actId="478"/>
+          <ac:cxnSpMkLst>
+            <pc:docMk/>
+            <pc:sldMk cId="2844697874" sldId="260"/>
+            <ac:cxnSpMk id="116" creationId="{78407369-5DD1-D05E-2BAE-5DD1FECC2725}"/>
+          </ac:cxnSpMkLst>
+        </pc:cxnChg>
+        <pc:cxnChg chg="add del mod">
+          <ac:chgData name="Jinyin Yan" userId="7d7b1cac-fbbc-4678-8cfc-23ca66a374ce" providerId="ADAL" clId="{79F635BB-8230-465D-AA09-AB2D767DEF70}" dt="2024-08-19T03:18:51.380" v="215" actId="478"/>
+          <ac:cxnSpMkLst>
+            <pc:docMk/>
+            <pc:sldMk cId="2844697874" sldId="260"/>
+            <ac:cxnSpMk id="121" creationId="{45E1ED9A-ADEC-95E8-4C75-621B8ECF8665}"/>
+          </ac:cxnSpMkLst>
+        </pc:cxnChg>
+        <pc:cxnChg chg="add del mod">
+          <ac:chgData name="Jinyin Yan" userId="7d7b1cac-fbbc-4678-8cfc-23ca66a374ce" providerId="ADAL" clId="{79F635BB-8230-465D-AA09-AB2D767DEF70}" dt="2024-08-19T03:18:51.380" v="215" actId="478"/>
+          <ac:cxnSpMkLst>
+            <pc:docMk/>
+            <pc:sldMk cId="2844697874" sldId="260"/>
+            <ac:cxnSpMk id="124" creationId="{FEF8C9D4-5E8E-3FA4-53AF-A321D610532A}"/>
+          </ac:cxnSpMkLst>
+        </pc:cxnChg>
+        <pc:cxnChg chg="add del mod">
+          <ac:chgData name="Jinyin Yan" userId="7d7b1cac-fbbc-4678-8cfc-23ca66a374ce" providerId="ADAL" clId="{79F635BB-8230-465D-AA09-AB2D767DEF70}" dt="2024-08-19T03:18:51.380" v="215" actId="478"/>
+          <ac:cxnSpMkLst>
+            <pc:docMk/>
+            <pc:sldMk cId="2844697874" sldId="260"/>
+            <ac:cxnSpMk id="125" creationId="{E2F6F3DC-6C13-CC9F-1A5D-D293E2CD2A0D}"/>
+          </ac:cxnSpMkLst>
+        </pc:cxnChg>
+        <pc:cxnChg chg="add del mod">
+          <ac:chgData name="Jinyin Yan" userId="7d7b1cac-fbbc-4678-8cfc-23ca66a374ce" providerId="ADAL" clId="{79F635BB-8230-465D-AA09-AB2D767DEF70}" dt="2024-08-19T03:18:51.380" v="215" actId="478"/>
+          <ac:cxnSpMkLst>
+            <pc:docMk/>
+            <pc:sldMk cId="2844697874" sldId="260"/>
+            <ac:cxnSpMk id="126" creationId="{0C0448BB-6579-47DC-DCD9-B791ECBBA6AE}"/>
+          </ac:cxnSpMkLst>
+        </pc:cxnChg>
+        <pc:cxnChg chg="add del mod">
+          <ac:chgData name="Jinyin Yan" userId="7d7b1cac-fbbc-4678-8cfc-23ca66a374ce" providerId="ADAL" clId="{79F635BB-8230-465D-AA09-AB2D767DEF70}" dt="2024-08-19T03:18:51.380" v="215" actId="478"/>
+          <ac:cxnSpMkLst>
+            <pc:docMk/>
+            <pc:sldMk cId="2844697874" sldId="260"/>
+            <ac:cxnSpMk id="131" creationId="{DC59CEC1-8EDF-EF62-8091-3F73A2926856}"/>
+          </ac:cxnSpMkLst>
+        </pc:cxnChg>
+        <pc:cxnChg chg="add del mod">
+          <ac:chgData name="Jinyin Yan" userId="7d7b1cac-fbbc-4678-8cfc-23ca66a374ce" providerId="ADAL" clId="{79F635BB-8230-465D-AA09-AB2D767DEF70}" dt="2024-08-19T03:18:51.380" v="215" actId="478"/>
+          <ac:cxnSpMkLst>
+            <pc:docMk/>
+            <pc:sldMk cId="2844697874" sldId="260"/>
+            <ac:cxnSpMk id="132" creationId="{5EC13933-2279-C55F-F5E7-D64F817B76F2}"/>
+          </ac:cxnSpMkLst>
+        </pc:cxnChg>
+        <pc:cxnChg chg="add del mod">
+          <ac:chgData name="Jinyin Yan" userId="7d7b1cac-fbbc-4678-8cfc-23ca66a374ce" providerId="ADAL" clId="{79F635BB-8230-465D-AA09-AB2D767DEF70}" dt="2024-08-19T03:18:51.380" v="215" actId="478"/>
+          <ac:cxnSpMkLst>
+            <pc:docMk/>
+            <pc:sldMk cId="2844697874" sldId="260"/>
+            <ac:cxnSpMk id="135" creationId="{0965F6CC-2A5B-C17F-E5DA-3CFF26FE44FB}"/>
+          </ac:cxnSpMkLst>
+        </pc:cxnChg>
+        <pc:cxnChg chg="add del mod">
+          <ac:chgData name="Jinyin Yan" userId="7d7b1cac-fbbc-4678-8cfc-23ca66a374ce" providerId="ADAL" clId="{79F635BB-8230-465D-AA09-AB2D767DEF70}" dt="2024-08-19T03:18:51.380" v="215" actId="478"/>
+          <ac:cxnSpMkLst>
+            <pc:docMk/>
+            <pc:sldMk cId="2844697874" sldId="260"/>
+            <ac:cxnSpMk id="136" creationId="{2C0818EB-8B31-8D94-A731-399C61B86FFD}"/>
+          </ac:cxnSpMkLst>
+        </pc:cxnChg>
+        <pc:cxnChg chg="add del mod">
+          <ac:chgData name="Jinyin Yan" userId="7d7b1cac-fbbc-4678-8cfc-23ca66a374ce" providerId="ADAL" clId="{79F635BB-8230-465D-AA09-AB2D767DEF70}" dt="2024-08-19T03:18:51.380" v="215" actId="478"/>
+          <ac:cxnSpMkLst>
+            <pc:docMk/>
+            <pc:sldMk cId="2844697874" sldId="260"/>
+            <ac:cxnSpMk id="137" creationId="{5101C8AB-F22F-F54B-FE97-F3F9D97834AB}"/>
+          </ac:cxnSpMkLst>
+        </pc:cxnChg>
+        <pc:cxnChg chg="add del mod">
+          <ac:chgData name="Jinyin Yan" userId="7d7b1cac-fbbc-4678-8cfc-23ca66a374ce" providerId="ADAL" clId="{79F635BB-8230-465D-AA09-AB2D767DEF70}" dt="2024-08-19T03:18:51.380" v="215" actId="478"/>
+          <ac:cxnSpMkLst>
+            <pc:docMk/>
+            <pc:sldMk cId="2844697874" sldId="260"/>
+            <ac:cxnSpMk id="138" creationId="{B5A4A999-731E-51E5-2844-46819CD30905}"/>
+          </ac:cxnSpMkLst>
+        </pc:cxnChg>
+        <pc:cxnChg chg="add del mod">
+          <ac:chgData name="Jinyin Yan" userId="7d7b1cac-fbbc-4678-8cfc-23ca66a374ce" providerId="ADAL" clId="{79F635BB-8230-465D-AA09-AB2D767DEF70}" dt="2024-08-19T03:18:51.380" v="215" actId="478"/>
+          <ac:cxnSpMkLst>
+            <pc:docMk/>
+            <pc:sldMk cId="2844697874" sldId="260"/>
+            <ac:cxnSpMk id="139" creationId="{D897175B-277B-F96E-2847-E13DC7D9BE29}"/>
+          </ac:cxnSpMkLst>
+        </pc:cxnChg>
+        <pc:cxnChg chg="add del mod">
+          <ac:chgData name="Jinyin Yan" userId="7d7b1cac-fbbc-4678-8cfc-23ca66a374ce" providerId="ADAL" clId="{79F635BB-8230-465D-AA09-AB2D767DEF70}" dt="2024-08-19T03:18:51.380" v="215" actId="478"/>
+          <ac:cxnSpMkLst>
+            <pc:docMk/>
+            <pc:sldMk cId="2844697874" sldId="260"/>
+            <ac:cxnSpMk id="140" creationId="{1D0C357B-5A79-4E2A-906E-97E41DEE7237}"/>
+          </ac:cxnSpMkLst>
+        </pc:cxnChg>
+        <pc:cxnChg chg="add del mod">
+          <ac:chgData name="Jinyin Yan" userId="7d7b1cac-fbbc-4678-8cfc-23ca66a374ce" providerId="ADAL" clId="{79F635BB-8230-465D-AA09-AB2D767DEF70}" dt="2024-08-19T03:18:51.380" v="215" actId="478"/>
+          <ac:cxnSpMkLst>
+            <pc:docMk/>
+            <pc:sldMk cId="2844697874" sldId="260"/>
+            <ac:cxnSpMk id="141" creationId="{7FC07BF4-EBAB-CDF1-4C06-92867633FF47}"/>
+          </ac:cxnSpMkLst>
+        </pc:cxnChg>
+        <pc:cxnChg chg="add del mod">
+          <ac:chgData name="Jinyin Yan" userId="7d7b1cac-fbbc-4678-8cfc-23ca66a374ce" providerId="ADAL" clId="{79F635BB-8230-465D-AA09-AB2D767DEF70}" dt="2024-08-19T03:18:51.380" v="215" actId="478"/>
+          <ac:cxnSpMkLst>
+            <pc:docMk/>
+            <pc:sldMk cId="2844697874" sldId="260"/>
+            <ac:cxnSpMk id="142" creationId="{66ADAF73-09FE-5940-E5DD-73D347C78C68}"/>
+          </ac:cxnSpMkLst>
+        </pc:cxnChg>
+      </pc:sldChg>
+    </pc:docChg>
+  </pc:docChgLst>
+</pc:chgInfo>
+</file>
+
 <file path=ppt/slideLayouts/slideLayout1.xml><?xml version="1.0" encoding="utf-8"?>
 <p:sldLayout xmlns:a="http://schemas.openxmlformats.org/drawingml/2006/main" xmlns:r="http://schemas.openxmlformats.org/officeDocument/2006/relationships" xmlns:p="http://schemas.openxmlformats.org/presentationml/2006/main" type="title" preserve="1">
   <p:cSld name="标题幻灯片">
@@ -263,7 +1514,7 @@
           <a:p>
             <a:fld id="{A47B21C9-C2AA-4A77-8FFC-8BC399476B3C}" type="datetimeFigureOut">
               <a:rPr lang="zh-CN" altLang="en-US" smtClean="0"/>
-              <a:t>2024/8/18</a:t>
+              <a:t>2024/8/19</a:t>
             </a:fld>
             <a:endParaRPr lang="zh-CN" altLang="en-US"/>
           </a:p>
@@ -461,7 +1712,7 @@
           <a:p>
             <a:fld id="{A47B21C9-C2AA-4A77-8FFC-8BC399476B3C}" type="datetimeFigureOut">
               <a:rPr lang="zh-CN" altLang="en-US" smtClean="0"/>
-              <a:t>2024/8/18</a:t>
+              <a:t>2024/8/19</a:t>
             </a:fld>
             <a:endParaRPr lang="zh-CN" altLang="en-US"/>
           </a:p>
@@ -669,7 +1920,7 @@
           <a:p>
             <a:fld id="{A47B21C9-C2AA-4A77-8FFC-8BC399476B3C}" type="datetimeFigureOut">
               <a:rPr lang="zh-CN" altLang="en-US" smtClean="0"/>
-              <a:t>2024/8/18</a:t>
+              <a:t>2024/8/19</a:t>
             </a:fld>
             <a:endParaRPr lang="zh-CN" altLang="en-US"/>
           </a:p>
@@ -867,7 +2118,7 @@
           <a:p>
             <a:fld id="{A47B21C9-C2AA-4A77-8FFC-8BC399476B3C}" type="datetimeFigureOut">
               <a:rPr lang="zh-CN" altLang="en-US" smtClean="0"/>
-              <a:t>2024/8/18</a:t>
+              <a:t>2024/8/19</a:t>
             </a:fld>
             <a:endParaRPr lang="zh-CN" altLang="en-US"/>
           </a:p>
@@ -1142,7 +2393,7 @@
           <a:p>
             <a:fld id="{A47B21C9-C2AA-4A77-8FFC-8BC399476B3C}" type="datetimeFigureOut">
               <a:rPr lang="zh-CN" altLang="en-US" smtClean="0"/>
-              <a:t>2024/8/18</a:t>
+              <a:t>2024/8/19</a:t>
             </a:fld>
             <a:endParaRPr lang="zh-CN" altLang="en-US"/>
           </a:p>
@@ -1407,7 +2658,7 @@
           <a:p>
             <a:fld id="{A47B21C9-C2AA-4A77-8FFC-8BC399476B3C}" type="datetimeFigureOut">
               <a:rPr lang="zh-CN" altLang="en-US" smtClean="0"/>
-              <a:t>2024/8/18</a:t>
+              <a:t>2024/8/19</a:t>
             </a:fld>
             <a:endParaRPr lang="zh-CN" altLang="en-US"/>
           </a:p>
@@ -1819,7 +3070,7 @@
           <a:p>
             <a:fld id="{A47B21C9-C2AA-4A77-8FFC-8BC399476B3C}" type="datetimeFigureOut">
               <a:rPr lang="zh-CN" altLang="en-US" smtClean="0"/>
-              <a:t>2024/8/18</a:t>
+              <a:t>2024/8/19</a:t>
             </a:fld>
             <a:endParaRPr lang="zh-CN" altLang="en-US"/>
           </a:p>
@@ -1960,7 +3211,7 @@
           <a:p>
             <a:fld id="{A47B21C9-C2AA-4A77-8FFC-8BC399476B3C}" type="datetimeFigureOut">
               <a:rPr lang="zh-CN" altLang="en-US" smtClean="0"/>
-              <a:t>2024/8/18</a:t>
+              <a:t>2024/8/19</a:t>
             </a:fld>
             <a:endParaRPr lang="zh-CN" altLang="en-US"/>
           </a:p>
@@ -2073,7 +3324,7 @@
           <a:p>
             <a:fld id="{A47B21C9-C2AA-4A77-8FFC-8BC399476B3C}" type="datetimeFigureOut">
               <a:rPr lang="zh-CN" altLang="en-US" smtClean="0"/>
-              <a:t>2024/8/18</a:t>
+              <a:t>2024/8/19</a:t>
             </a:fld>
             <a:endParaRPr lang="zh-CN" altLang="en-US"/>
           </a:p>
@@ -2384,7 +3635,7 @@
           <a:p>
             <a:fld id="{A47B21C9-C2AA-4A77-8FFC-8BC399476B3C}" type="datetimeFigureOut">
               <a:rPr lang="zh-CN" altLang="en-US" smtClean="0"/>
-              <a:t>2024/8/18</a:t>
+              <a:t>2024/8/19</a:t>
             </a:fld>
             <a:endParaRPr lang="zh-CN" altLang="en-US"/>
           </a:p>
@@ -2672,7 +3923,7 @@
           <a:p>
             <a:fld id="{A47B21C9-C2AA-4A77-8FFC-8BC399476B3C}" type="datetimeFigureOut">
               <a:rPr lang="zh-CN" altLang="en-US" smtClean="0"/>
-              <a:t>2024/8/18</a:t>
+              <a:t>2024/8/19</a:t>
             </a:fld>
             <a:endParaRPr lang="zh-CN" altLang="en-US"/>
           </a:p>
@@ -2913,7 +4164,7 @@
           <a:p>
             <a:fld id="{A47B21C9-C2AA-4A77-8FFC-8BC399476B3C}" type="datetimeFigureOut">
               <a:rPr lang="zh-CN" altLang="en-US" smtClean="0"/>
-              <a:t>2024/8/18</a:t>
+              <a:t>2024/8/19</a:t>
             </a:fld>
             <a:endParaRPr lang="zh-CN" altLang="en-US"/>
           </a:p>
@@ -4097,8 +5348,8 @@
         </p:nvSpPr>
         <p:spPr>
           <a:xfrm>
-            <a:off x="4008292" y="713219"/>
-            <a:ext cx="692818" cy="307777"/>
+            <a:off x="3985209" y="713218"/>
+            <a:ext cx="732893" cy="307777"/>
           </a:xfrm>
           <a:prstGeom prst="rect">
             <a:avLst/>
@@ -4113,7 +5364,7 @@
           <a:p>
             <a:r>
               <a:rPr lang="en-US" altLang="zh-CN" sz="1400" dirty="0"/>
-              <a:t>D     Q</a:t>
+              <a:t>D0  Q0</a:t>
             </a:r>
             <a:endParaRPr lang="zh-CN" altLang="en-US" sz="1400" dirty="0"/>
           </a:p>
@@ -4134,7 +5385,7 @@
         <p:spPr>
           <a:xfrm>
             <a:off x="6421292" y="713219"/>
-            <a:ext cx="692818" cy="307777"/>
+            <a:ext cx="732893" cy="307777"/>
           </a:xfrm>
           <a:prstGeom prst="rect">
             <a:avLst/>
@@ -4149,7 +5400,7 @@
           <a:p>
             <a:r>
               <a:rPr lang="en-US" altLang="zh-CN" sz="1400" dirty="0"/>
-              <a:t>D     Q</a:t>
+              <a:t>D1  Q1</a:t>
             </a:r>
             <a:endParaRPr lang="zh-CN" altLang="en-US" sz="1400" dirty="0"/>
           </a:p>
@@ -4170,7 +5421,7 @@
         <p:spPr>
           <a:xfrm>
             <a:off x="4147342" y="1343906"/>
-            <a:ext cx="394660" cy="307777"/>
+            <a:ext cx="489236" cy="307777"/>
           </a:xfrm>
           <a:prstGeom prst="rect">
             <a:avLst/>
@@ -4185,7 +5436,7 @@
           <a:p>
             <a:r>
               <a:rPr lang="en-US" altLang="zh-CN" sz="1400" dirty="0"/>
-              <a:t>CK</a:t>
+              <a:t>CK0</a:t>
             </a:r>
             <a:endParaRPr lang="zh-CN" altLang="en-US" sz="1400" dirty="0"/>
           </a:p>
@@ -4206,7 +5457,7 @@
         <p:spPr>
           <a:xfrm>
             <a:off x="6562173" y="1333443"/>
-            <a:ext cx="394660" cy="307777"/>
+            <a:ext cx="489236" cy="307777"/>
           </a:xfrm>
           <a:prstGeom prst="rect">
             <a:avLst/>
@@ -4221,14 +5472,14 @@
           <a:p>
             <a:r>
               <a:rPr lang="en-US" altLang="zh-CN" sz="1400" dirty="0"/>
-              <a:t>CK</a:t>
+              <a:t>CK1</a:t>
             </a:r>
             <a:endParaRPr lang="zh-CN" altLang="en-US" sz="1400" dirty="0"/>
           </a:p>
         </p:txBody>
       </p:sp>
-      <mc:AlternateContent xmlns:mc="http://schemas.openxmlformats.org/markup-compatibility/2006">
-        <mc:Choice xmlns:a14="http://schemas.microsoft.com/office/drawing/2010/main" Requires="a14">
+      <mc:AlternateContent xmlns:mc="http://schemas.openxmlformats.org/markup-compatibility/2006" xmlns:a14="http://schemas.microsoft.com/office/drawing/2010/main">
+        <mc:Choice Requires="a14">
           <p:sp>
             <p:nvSpPr>
               <p:cNvPr id="35" name="文本框 34">
@@ -4257,6 +5508,7 @@
               </a:bodyPr>
               <a:lstStyle/>
               <a:p>
+                <a:pPr/>
                 <a14:m>
                   <m:oMathPara xmlns:m="http://schemas.openxmlformats.org/officeDocument/2006/math">
                     <m:oMathParaPr>
@@ -4296,7 +5548,7 @@
             </p:txBody>
           </p:sp>
         </mc:Choice>
-        <mc:Fallback>
+        <mc:Fallback xmlns="">
           <p:sp>
             <p:nvSpPr>
               <p:cNvPr id="35" name="文本框 34">
@@ -4341,8 +5593,8 @@
           </p:sp>
         </mc:Fallback>
       </mc:AlternateContent>
-      <mc:AlternateContent xmlns:mc="http://schemas.openxmlformats.org/markup-compatibility/2006">
-        <mc:Choice xmlns:a14="http://schemas.microsoft.com/office/drawing/2010/main" Requires="a14">
+      <mc:AlternateContent xmlns:mc="http://schemas.openxmlformats.org/markup-compatibility/2006" xmlns:a14="http://schemas.microsoft.com/office/drawing/2010/main">
+        <mc:Choice Requires="a14">
           <p:sp>
             <p:nvSpPr>
               <p:cNvPr id="36" name="文本框 35">
@@ -4371,6 +5623,7 @@
               </a:bodyPr>
               <a:lstStyle/>
               <a:p>
+                <a:pPr/>
                 <a14:m>
                   <m:oMathPara xmlns:m="http://schemas.openxmlformats.org/officeDocument/2006/math">
                     <m:oMathParaPr>
@@ -4410,7 +5663,7 @@
             </p:txBody>
           </p:sp>
         </mc:Choice>
-        <mc:Fallback>
+        <mc:Fallback xmlns="">
           <p:sp>
             <p:nvSpPr>
               <p:cNvPr id="36" name="文本框 35">
@@ -4455,8 +5708,8 @@
           </p:sp>
         </mc:Fallback>
       </mc:AlternateContent>
-      <mc:AlternateContent xmlns:mc="http://schemas.openxmlformats.org/markup-compatibility/2006">
-        <mc:Choice xmlns:a14="http://schemas.microsoft.com/office/drawing/2010/main" Requires="a14">
+      <mc:AlternateContent xmlns:mc="http://schemas.openxmlformats.org/markup-compatibility/2006" xmlns:a14="http://schemas.microsoft.com/office/drawing/2010/main">
+        <mc:Choice Requires="a14">
           <p:sp>
             <p:nvSpPr>
               <p:cNvPr id="37" name="文本框 36">
@@ -4485,6 +5738,7 @@
               </a:bodyPr>
               <a:lstStyle/>
               <a:p>
+                <a:pPr/>
                 <a14:m>
                   <m:oMathPara xmlns:m="http://schemas.openxmlformats.org/officeDocument/2006/math">
                     <m:oMathParaPr>
@@ -4524,7 +5778,7 @@
             </p:txBody>
           </p:sp>
         </mc:Choice>
-        <mc:Fallback>
+        <mc:Fallback xmlns="">
           <p:sp>
             <p:nvSpPr>
               <p:cNvPr id="37" name="文本框 36">
@@ -4611,8 +5865,8 @@
           </a:fontRef>
         </p:style>
       </p:cxnSp>
-      <mc:AlternateContent xmlns:mc="http://schemas.openxmlformats.org/markup-compatibility/2006">
-        <mc:Choice xmlns:a14="http://schemas.microsoft.com/office/drawing/2010/main" Requires="a14">
+      <mc:AlternateContent xmlns:mc="http://schemas.openxmlformats.org/markup-compatibility/2006" xmlns:a14="http://schemas.microsoft.com/office/drawing/2010/main">
+        <mc:Choice Requires="a14">
           <p:sp>
             <p:nvSpPr>
               <p:cNvPr id="41" name="文本框 40">
@@ -4641,6 +5895,7 @@
               </a:bodyPr>
               <a:lstStyle/>
               <a:p>
+                <a:pPr/>
                 <a14:m>
                   <m:oMathPara xmlns:m="http://schemas.openxmlformats.org/officeDocument/2006/math">
                     <m:oMathParaPr>
@@ -4680,7 +5935,7 @@
             </p:txBody>
           </p:sp>
         </mc:Choice>
-        <mc:Fallback>
+        <mc:Fallback xmlns="">
           <p:sp>
             <p:nvSpPr>
               <p:cNvPr id="41" name="文本框 40">
@@ -4947,8 +6202,8 @@
           </a:p>
         </p:txBody>
       </p:sp>
-      <mc:AlternateContent xmlns:mc="http://schemas.openxmlformats.org/markup-compatibility/2006">
-        <mc:Choice xmlns:a14="http://schemas.microsoft.com/office/drawing/2010/main" Requires="a14">
+      <mc:AlternateContent xmlns:mc="http://schemas.openxmlformats.org/markup-compatibility/2006" xmlns:a14="http://schemas.microsoft.com/office/drawing/2010/main">
+        <mc:Choice Requires="a14">
           <p:sp>
             <p:nvSpPr>
               <p:cNvPr id="60" name="文本框 59">
@@ -4977,6 +6232,7 @@
               </a:bodyPr>
               <a:lstStyle/>
               <a:p>
+                <a:pPr/>
                 <a14:m>
                   <m:oMathPara xmlns:m="http://schemas.openxmlformats.org/officeDocument/2006/math">
                     <m:oMathParaPr>
@@ -5029,7 +6285,7 @@
             </p:txBody>
           </p:sp>
         </mc:Choice>
-        <mc:Fallback>
+        <mc:Fallback xmlns="">
           <p:sp>
             <p:nvSpPr>
               <p:cNvPr id="60" name="文本框 59">
@@ -5064,7 +6320,7 @@
               <a:lstStyle/>
               <a:p>
                 <a:r>
-                  <a:rPr lang="zh-CN" altLang="en-US">
+                  <a:rPr lang="en-US">
                     <a:noFill/>
                   </a:rPr>
                   <a:t> </a:t>
@@ -5074,8 +6330,8 @@
           </p:sp>
         </mc:Fallback>
       </mc:AlternateContent>
-      <mc:AlternateContent xmlns:mc="http://schemas.openxmlformats.org/markup-compatibility/2006">
-        <mc:Choice xmlns:a14="http://schemas.microsoft.com/office/drawing/2010/main" Requires="a14">
+      <mc:AlternateContent xmlns:mc="http://schemas.openxmlformats.org/markup-compatibility/2006" xmlns:a14="http://schemas.microsoft.com/office/drawing/2010/main">
+        <mc:Choice Requires="a14">
           <p:sp>
             <p:nvSpPr>
               <p:cNvPr id="61" name="文本框 60">
@@ -5104,6 +6360,7 @@
               </a:bodyPr>
               <a:lstStyle/>
               <a:p>
+                <a:pPr/>
                 <a14:m>
                   <m:oMathPara xmlns:m="http://schemas.openxmlformats.org/officeDocument/2006/math">
                     <m:oMathParaPr>
@@ -5156,7 +6413,7 @@
             </p:txBody>
           </p:sp>
         </mc:Choice>
-        <mc:Fallback>
+        <mc:Fallback xmlns="">
           <p:sp>
             <p:nvSpPr>
               <p:cNvPr id="61" name="文本框 60">
@@ -5201,144 +6458,78 @@
           </p:sp>
         </mc:Fallback>
       </mc:AlternateContent>
-      <p:cxnSp>
-        <p:nvCxnSpPr>
-          <p:cNvPr id="68" name="直接连接符 67">
-            <a:extLst>
-              <a:ext uri="{FF2B5EF4-FFF2-40B4-BE49-F238E27FC236}">
-                <a16:creationId xmlns:a16="http://schemas.microsoft.com/office/drawing/2014/main" id="{A948210D-DF15-2512-B1D7-F89350C45E80}"/>
-              </a:ext>
-            </a:extLst>
-          </p:cNvPr>
-          <p:cNvCxnSpPr>
-            <a:cxnSpLocks/>
-          </p:cNvCxnSpPr>
-          <p:nvPr/>
-        </p:nvCxnSpPr>
-        <p:spPr>
-          <a:xfrm>
-            <a:off x="2656490" y="3704897"/>
-            <a:ext cx="0" cy="2479127"/>
-          </a:xfrm>
-          <a:prstGeom prst="line">
-            <a:avLst/>
-          </a:prstGeom>
-          <a:ln>
-            <a:solidFill>
-              <a:schemeClr val="bg2">
-                <a:lumMod val="50000"/>
-              </a:schemeClr>
-            </a:solidFill>
-            <a:prstDash val="lgDash"/>
-          </a:ln>
-        </p:spPr>
-        <p:style>
-          <a:lnRef idx="1">
-            <a:schemeClr val="accent1"/>
-          </a:lnRef>
-          <a:fillRef idx="0">
-            <a:schemeClr val="accent1"/>
-          </a:fillRef>
-          <a:effectRef idx="0">
-            <a:schemeClr val="accent1"/>
-          </a:effectRef>
-          <a:fontRef idx="minor">
-            <a:schemeClr val="tx1"/>
-          </a:fontRef>
-        </p:style>
-      </p:cxnSp>
-      <p:cxnSp>
-        <p:nvCxnSpPr>
-          <p:cNvPr id="69" name="直接连接符 68">
-            <a:extLst>
-              <a:ext uri="{FF2B5EF4-FFF2-40B4-BE49-F238E27FC236}">
-                <a16:creationId xmlns:a16="http://schemas.microsoft.com/office/drawing/2014/main" id="{DFEE4F25-CECB-14A3-F2FE-2A839A5CBA65}"/>
-              </a:ext>
-            </a:extLst>
-          </p:cNvPr>
-          <p:cNvCxnSpPr>
-            <a:cxnSpLocks/>
-          </p:cNvCxnSpPr>
-          <p:nvPr/>
-        </p:nvCxnSpPr>
-        <p:spPr>
-          <a:xfrm>
-            <a:off x="3682433" y="3704897"/>
-            <a:ext cx="0" cy="2479127"/>
-          </a:xfrm>
-          <a:prstGeom prst="line">
-            <a:avLst/>
-          </a:prstGeom>
-          <a:ln>
-            <a:solidFill>
-              <a:schemeClr val="bg2">
-                <a:lumMod val="50000"/>
-              </a:schemeClr>
-            </a:solidFill>
-            <a:prstDash val="lgDash"/>
-          </a:ln>
-        </p:spPr>
-        <p:style>
-          <a:lnRef idx="1">
-            <a:schemeClr val="accent1"/>
-          </a:lnRef>
-          <a:fillRef idx="0">
-            <a:schemeClr val="accent1"/>
-          </a:fillRef>
-          <a:effectRef idx="0">
-            <a:schemeClr val="accent1"/>
-          </a:effectRef>
-          <a:fontRef idx="minor">
-            <a:schemeClr val="tx1"/>
-          </a:fontRef>
-        </p:style>
-      </p:cxnSp>
-      <p:cxnSp>
-        <p:nvCxnSpPr>
-          <p:cNvPr id="70" name="直接连接符 69">
-            <a:extLst>
-              <a:ext uri="{FF2B5EF4-FFF2-40B4-BE49-F238E27FC236}">
-                <a16:creationId xmlns:a16="http://schemas.microsoft.com/office/drawing/2014/main" id="{45584F4B-285F-7BA8-5539-841CA3E18840}"/>
-              </a:ext>
-            </a:extLst>
-          </p:cNvPr>
-          <p:cNvCxnSpPr>
-            <a:cxnSpLocks/>
-          </p:cNvCxnSpPr>
-          <p:nvPr/>
-        </p:nvCxnSpPr>
-        <p:spPr>
-          <a:xfrm>
-            <a:off x="4715562" y="3704897"/>
-            <a:ext cx="0" cy="2479127"/>
-          </a:xfrm>
-          <a:prstGeom prst="line">
-            <a:avLst/>
-          </a:prstGeom>
-          <a:ln>
-            <a:solidFill>
-              <a:schemeClr val="bg2">
-                <a:lumMod val="50000"/>
-              </a:schemeClr>
-            </a:solidFill>
-            <a:prstDash val="lgDash"/>
-          </a:ln>
-        </p:spPr>
-        <p:style>
-          <a:lnRef idx="1">
-            <a:schemeClr val="accent1"/>
-          </a:lnRef>
-          <a:fillRef idx="0">
-            <a:schemeClr val="accent1"/>
-          </a:fillRef>
-          <a:effectRef idx="0">
-            <a:schemeClr val="accent1"/>
-          </a:effectRef>
-          <a:fontRef idx="minor">
-            <a:schemeClr val="tx1"/>
-          </a:fontRef>
-        </p:style>
-      </p:cxnSp>
+      <p:sp>
+        <p:nvSpPr>
+          <p:cNvPr id="2" name="文本框 32">
+            <a:extLst>
+              <a:ext uri="{FF2B5EF4-FFF2-40B4-BE49-F238E27FC236}">
+                <a16:creationId xmlns:a16="http://schemas.microsoft.com/office/drawing/2014/main" id="{6655F00A-188D-A5D4-C689-47820039817B}"/>
+              </a:ext>
+            </a:extLst>
+          </p:cNvPr>
+          <p:cNvSpPr txBox="1"/>
+          <p:nvPr/>
+        </p:nvSpPr>
+        <p:spPr>
+          <a:xfrm>
+            <a:off x="4139464" y="477106"/>
+            <a:ext cx="449162" cy="307777"/>
+          </a:xfrm>
+          <a:prstGeom prst="rect">
+            <a:avLst/>
+          </a:prstGeom>
+          <a:noFill/>
+        </p:spPr>
+        <p:txBody>
+          <a:bodyPr wrap="none" rtlCol="0">
+            <a:spAutoFit/>
+          </a:bodyPr>
+          <a:lstStyle/>
+          <a:p>
+            <a:r>
+              <a:rPr lang="en-US" altLang="zh-CN" sz="1400" dirty="0"/>
+              <a:t>FF0</a:t>
+            </a:r>
+            <a:endParaRPr lang="zh-CN" altLang="en-US" sz="1400" dirty="0"/>
+          </a:p>
+        </p:txBody>
+      </p:sp>
+      <p:sp>
+        <p:nvSpPr>
+          <p:cNvPr id="3" name="文本框 32">
+            <a:extLst>
+              <a:ext uri="{FF2B5EF4-FFF2-40B4-BE49-F238E27FC236}">
+                <a16:creationId xmlns:a16="http://schemas.microsoft.com/office/drawing/2014/main" id="{62191D4F-59A1-5AC6-865A-C46C79546F73}"/>
+              </a:ext>
+            </a:extLst>
+          </p:cNvPr>
+          <p:cNvSpPr txBox="1"/>
+          <p:nvPr/>
+        </p:nvSpPr>
+        <p:spPr>
+          <a:xfrm>
+            <a:off x="6570371" y="466904"/>
+            <a:ext cx="449162" cy="307777"/>
+          </a:xfrm>
+          <a:prstGeom prst="rect">
+            <a:avLst/>
+          </a:prstGeom>
+          <a:noFill/>
+        </p:spPr>
+        <p:txBody>
+          <a:bodyPr wrap="none" rtlCol="0">
+            <a:spAutoFit/>
+          </a:bodyPr>
+          <a:lstStyle/>
+          <a:p>
+            <a:r>
+              <a:rPr lang="en-US" altLang="zh-CN" sz="1400" dirty="0"/>
+              <a:t>FF1</a:t>
+            </a:r>
+            <a:endParaRPr lang="zh-CN" altLang="en-US" sz="1400" dirty="0"/>
+          </a:p>
+        </p:txBody>
+      </p:sp>
     </p:spTree>
     <p:extLst>
       <p:ext uri="{BB962C8B-B14F-4D97-AF65-F5344CB8AC3E}">
@@ -5369,12 +6560,342 @@
           <a:chExt cx="0" cy="0"/>
         </a:xfrm>
       </p:grpSpPr>
+      <p:sp>
+        <p:nvSpPr>
+          <p:cNvPr id="4" name="矩形 3">
+            <a:extLst>
+              <a:ext uri="{FF2B5EF4-FFF2-40B4-BE49-F238E27FC236}">
+                <a16:creationId xmlns:a16="http://schemas.microsoft.com/office/drawing/2014/main" id="{653318BC-E6F5-4C87-B462-EBB8EDA6AB6E}"/>
+              </a:ext>
+            </a:extLst>
+          </p:cNvPr>
+          <p:cNvSpPr/>
+          <p:nvPr/>
+        </p:nvSpPr>
+        <p:spPr>
+          <a:xfrm>
+            <a:off x="4167744" y="1370554"/>
+            <a:ext cx="575953" cy="1033153"/>
+          </a:xfrm>
+          <a:prstGeom prst="rect">
+            <a:avLst/>
+          </a:prstGeom>
+          <a:noFill/>
+        </p:spPr>
+        <p:style>
+          <a:lnRef idx="2">
+            <a:schemeClr val="accent1">
+              <a:shade val="50000"/>
+            </a:schemeClr>
+          </a:lnRef>
+          <a:fillRef idx="1">
+            <a:schemeClr val="accent1"/>
+          </a:fillRef>
+          <a:effectRef idx="0">
+            <a:schemeClr val="accent1"/>
+          </a:effectRef>
+          <a:fontRef idx="minor">
+            <a:schemeClr val="lt1"/>
+          </a:fontRef>
+        </p:style>
+        <p:txBody>
+          <a:bodyPr rtlCol="0" anchor="ctr"/>
+          <a:lstStyle/>
+          <a:p>
+            <a:pPr algn="ctr"/>
+            <a:r>
+              <a:rPr lang="en-US" altLang="zh-CN" dirty="0">
+                <a:solidFill>
+                  <a:schemeClr val="tx1"/>
+                </a:solidFill>
+              </a:rPr>
+              <a:t>F1</a:t>
+            </a:r>
+            <a:endParaRPr lang="zh-CN" altLang="en-US" dirty="0">
+              <a:solidFill>
+                <a:schemeClr val="tx1"/>
+              </a:solidFill>
+            </a:endParaRPr>
+          </a:p>
+        </p:txBody>
+      </p:sp>
+      <p:sp>
+        <p:nvSpPr>
+          <p:cNvPr id="5" name="直角三角形 4">
+            <a:extLst>
+              <a:ext uri="{FF2B5EF4-FFF2-40B4-BE49-F238E27FC236}">
+                <a16:creationId xmlns:a16="http://schemas.microsoft.com/office/drawing/2014/main" id="{5DA1B992-6E12-48BD-A07C-1FD33C4C5E24}"/>
+              </a:ext>
+            </a:extLst>
+          </p:cNvPr>
+          <p:cNvSpPr/>
+          <p:nvPr/>
+        </p:nvSpPr>
+        <p:spPr>
+          <a:xfrm rot="13320000">
+            <a:off x="4064253" y="2028230"/>
+            <a:ext cx="206982" cy="226517"/>
+          </a:xfrm>
+          <a:prstGeom prst="rtTriangle">
+            <a:avLst/>
+          </a:prstGeom>
+          <a:noFill/>
+        </p:spPr>
+        <p:style>
+          <a:lnRef idx="2">
+            <a:schemeClr val="accent1">
+              <a:shade val="50000"/>
+            </a:schemeClr>
+          </a:lnRef>
+          <a:fillRef idx="1">
+            <a:schemeClr val="accent1"/>
+          </a:fillRef>
+          <a:effectRef idx="0">
+            <a:schemeClr val="accent1"/>
+          </a:effectRef>
+          <a:fontRef idx="minor">
+            <a:schemeClr val="lt1"/>
+          </a:fontRef>
+        </p:style>
+        <p:txBody>
+          <a:bodyPr rtlCol="0" anchor="ctr"/>
+          <a:lstStyle/>
+          <a:p>
+            <a:pPr algn="ctr"/>
+            <a:endParaRPr lang="zh-CN" altLang="en-US"/>
+          </a:p>
+        </p:txBody>
+      </p:sp>
+      <p:sp>
+        <p:nvSpPr>
+          <p:cNvPr id="6" name="云形 5">
+            <a:extLst>
+              <a:ext uri="{FF2B5EF4-FFF2-40B4-BE49-F238E27FC236}">
+                <a16:creationId xmlns:a16="http://schemas.microsoft.com/office/drawing/2014/main" id="{8449070D-B573-4CF5-AF79-0D3C8FD18E98}"/>
+              </a:ext>
+            </a:extLst>
+          </p:cNvPr>
+          <p:cNvSpPr/>
+          <p:nvPr/>
+        </p:nvSpPr>
+        <p:spPr>
+          <a:xfrm>
+            <a:off x="3091295" y="1370554"/>
+            <a:ext cx="750455" cy="457200"/>
+          </a:xfrm>
+          <a:prstGeom prst="cloud">
+            <a:avLst/>
+          </a:prstGeom>
+          <a:noFill/>
+        </p:spPr>
+        <p:style>
+          <a:lnRef idx="2">
+            <a:schemeClr val="accent1">
+              <a:shade val="50000"/>
+            </a:schemeClr>
+          </a:lnRef>
+          <a:fillRef idx="1">
+            <a:schemeClr val="accent1"/>
+          </a:fillRef>
+          <a:effectRef idx="0">
+            <a:schemeClr val="accent1"/>
+          </a:effectRef>
+          <a:fontRef idx="minor">
+            <a:schemeClr val="lt1"/>
+          </a:fontRef>
+        </p:style>
+        <p:txBody>
+          <a:bodyPr rtlCol="0" anchor="ctr"/>
+          <a:lstStyle/>
+          <a:p>
+            <a:pPr algn="ctr"/>
+            <a:r>
+              <a:rPr lang="en-US" altLang="zh-CN" dirty="0">
+                <a:solidFill>
+                  <a:schemeClr val="tx1"/>
+                </a:solidFill>
+              </a:rPr>
+              <a:t>C1</a:t>
+            </a:r>
+            <a:endParaRPr lang="zh-CN" altLang="en-US" dirty="0">
+              <a:solidFill>
+                <a:schemeClr val="tx1"/>
+              </a:solidFill>
+            </a:endParaRPr>
+          </a:p>
+        </p:txBody>
+      </p:sp>
+      <p:sp>
+        <p:nvSpPr>
+          <p:cNvPr id="7" name="矩形 6">
+            <a:extLst>
+              <a:ext uri="{FF2B5EF4-FFF2-40B4-BE49-F238E27FC236}">
+                <a16:creationId xmlns:a16="http://schemas.microsoft.com/office/drawing/2014/main" id="{3DB56E6E-F480-455C-8A12-F1982524524C}"/>
+              </a:ext>
+            </a:extLst>
+          </p:cNvPr>
+          <p:cNvSpPr/>
+          <p:nvPr/>
+        </p:nvSpPr>
+        <p:spPr>
+          <a:xfrm>
+            <a:off x="6580744" y="1370554"/>
+            <a:ext cx="575953" cy="1033153"/>
+          </a:xfrm>
+          <a:prstGeom prst="rect">
+            <a:avLst/>
+          </a:prstGeom>
+          <a:noFill/>
+        </p:spPr>
+        <p:style>
+          <a:lnRef idx="2">
+            <a:schemeClr val="accent1">
+              <a:shade val="50000"/>
+            </a:schemeClr>
+          </a:lnRef>
+          <a:fillRef idx="1">
+            <a:schemeClr val="accent1"/>
+          </a:fillRef>
+          <a:effectRef idx="0">
+            <a:schemeClr val="accent1"/>
+          </a:effectRef>
+          <a:fontRef idx="minor">
+            <a:schemeClr val="lt1"/>
+          </a:fontRef>
+        </p:style>
+        <p:txBody>
+          <a:bodyPr rtlCol="0" anchor="ctr"/>
+          <a:lstStyle/>
+          <a:p>
+            <a:pPr algn="ctr"/>
+            <a:r>
+              <a:rPr lang="en-US" altLang="zh-CN" dirty="0">
+                <a:solidFill>
+                  <a:schemeClr val="tx1"/>
+                </a:solidFill>
+              </a:rPr>
+              <a:t>F2</a:t>
+            </a:r>
+            <a:endParaRPr lang="zh-CN" altLang="en-US" dirty="0">
+              <a:solidFill>
+                <a:schemeClr val="tx1"/>
+              </a:solidFill>
+            </a:endParaRPr>
+          </a:p>
+        </p:txBody>
+      </p:sp>
+      <p:sp>
+        <p:nvSpPr>
+          <p:cNvPr id="8" name="直角三角形 7">
+            <a:extLst>
+              <a:ext uri="{FF2B5EF4-FFF2-40B4-BE49-F238E27FC236}">
+                <a16:creationId xmlns:a16="http://schemas.microsoft.com/office/drawing/2014/main" id="{FE96A536-67BB-4FE2-A902-D8580166E869}"/>
+              </a:ext>
+            </a:extLst>
+          </p:cNvPr>
+          <p:cNvSpPr/>
+          <p:nvPr/>
+        </p:nvSpPr>
+        <p:spPr>
+          <a:xfrm rot="13320000">
+            <a:off x="6477253" y="2028230"/>
+            <a:ext cx="206982" cy="226517"/>
+          </a:xfrm>
+          <a:prstGeom prst="rtTriangle">
+            <a:avLst/>
+          </a:prstGeom>
+          <a:noFill/>
+        </p:spPr>
+        <p:style>
+          <a:lnRef idx="2">
+            <a:schemeClr val="accent1">
+              <a:shade val="50000"/>
+            </a:schemeClr>
+          </a:lnRef>
+          <a:fillRef idx="1">
+            <a:schemeClr val="accent1"/>
+          </a:fillRef>
+          <a:effectRef idx="0">
+            <a:schemeClr val="accent1"/>
+          </a:effectRef>
+          <a:fontRef idx="minor">
+            <a:schemeClr val="lt1"/>
+          </a:fontRef>
+        </p:style>
+        <p:txBody>
+          <a:bodyPr rtlCol="0" anchor="ctr"/>
+          <a:lstStyle/>
+          <a:p>
+            <a:pPr algn="ctr"/>
+            <a:endParaRPr lang="zh-CN" altLang="en-US"/>
+          </a:p>
+        </p:txBody>
+      </p:sp>
+      <p:sp>
+        <p:nvSpPr>
+          <p:cNvPr id="9" name="云形 8">
+            <a:extLst>
+              <a:ext uri="{FF2B5EF4-FFF2-40B4-BE49-F238E27FC236}">
+                <a16:creationId xmlns:a16="http://schemas.microsoft.com/office/drawing/2014/main" id="{FEDCFCBE-87D9-46F8-B76C-237ED20D3E1F}"/>
+              </a:ext>
+            </a:extLst>
+          </p:cNvPr>
+          <p:cNvSpPr/>
+          <p:nvPr/>
+        </p:nvSpPr>
+        <p:spPr>
+          <a:xfrm>
+            <a:off x="5504295" y="1370554"/>
+            <a:ext cx="750455" cy="457200"/>
+          </a:xfrm>
+          <a:prstGeom prst="cloud">
+            <a:avLst/>
+          </a:prstGeom>
+          <a:noFill/>
+        </p:spPr>
+        <p:style>
+          <a:lnRef idx="2">
+            <a:schemeClr val="accent1">
+              <a:shade val="50000"/>
+            </a:schemeClr>
+          </a:lnRef>
+          <a:fillRef idx="1">
+            <a:schemeClr val="accent1"/>
+          </a:fillRef>
+          <a:effectRef idx="0">
+            <a:schemeClr val="accent1"/>
+          </a:effectRef>
+          <a:fontRef idx="minor">
+            <a:schemeClr val="lt1"/>
+          </a:fontRef>
+        </p:style>
+        <p:txBody>
+          <a:bodyPr rtlCol="0" anchor="ctr"/>
+          <a:lstStyle/>
+          <a:p>
+            <a:pPr algn="ctr"/>
+            <a:r>
+              <a:rPr lang="en-US" altLang="zh-CN" dirty="0">
+                <a:solidFill>
+                  <a:schemeClr val="tx1"/>
+                </a:solidFill>
+              </a:rPr>
+              <a:t>C2</a:t>
+            </a:r>
+            <a:endParaRPr lang="zh-CN" altLang="en-US" dirty="0">
+              <a:solidFill>
+                <a:schemeClr val="tx1"/>
+              </a:solidFill>
+            </a:endParaRPr>
+          </a:p>
+        </p:txBody>
+      </p:sp>
       <p:cxnSp>
         <p:nvCxnSpPr>
-          <p:cNvPr id="4" name="直接连接符 3">
-            <a:extLst>
-              <a:ext uri="{FF2B5EF4-FFF2-40B4-BE49-F238E27FC236}">
-                <a16:creationId xmlns:a16="http://schemas.microsoft.com/office/drawing/2014/main" id="{87494E56-342C-7C0D-156D-E420E14427FE}"/>
+          <p:cNvPr id="14" name="直接连接符 13">
+            <a:extLst>
+              <a:ext uri="{FF2B5EF4-FFF2-40B4-BE49-F238E27FC236}">
+                <a16:creationId xmlns:a16="http://schemas.microsoft.com/office/drawing/2014/main" id="{5C5DEDE8-90FF-429C-B79A-C5D6153AAE45}"/>
               </a:ext>
             </a:extLst>
           </p:cNvPr>
@@ -5385,20 +6906,12 @@
         </p:nvCxnSpPr>
         <p:spPr>
           <a:xfrm>
-            <a:off x="3203194" y="1697088"/>
-            <a:ext cx="0" cy="2479127"/>
+            <a:off x="2501900" y="1465310"/>
+            <a:ext cx="675651" cy="0"/>
           </a:xfrm>
           <a:prstGeom prst="line">
             <a:avLst/>
           </a:prstGeom>
-          <a:ln>
-            <a:solidFill>
-              <a:schemeClr val="bg2">
-                <a:lumMod val="50000"/>
-              </a:schemeClr>
-            </a:solidFill>
-            <a:prstDash val="lgDash"/>
-          </a:ln>
         </p:spPr>
         <p:style>
           <a:lnRef idx="1">
@@ -5417,10 +6930,10 @@
       </p:cxnSp>
       <p:cxnSp>
         <p:nvCxnSpPr>
-          <p:cNvPr id="5" name="直接连接符 4">
-            <a:extLst>
-              <a:ext uri="{FF2B5EF4-FFF2-40B4-BE49-F238E27FC236}">
-                <a16:creationId xmlns:a16="http://schemas.microsoft.com/office/drawing/2014/main" id="{3C5503A6-D33E-FB1D-BD95-CA8163E0078F}"/>
+          <p:cNvPr id="16" name="直接连接符 15">
+            <a:extLst>
+              <a:ext uri="{FF2B5EF4-FFF2-40B4-BE49-F238E27FC236}">
+                <a16:creationId xmlns:a16="http://schemas.microsoft.com/office/drawing/2014/main" id="{03616EF5-8200-482E-92D4-E2234BD7E74E}"/>
               </a:ext>
             </a:extLst>
           </p:cNvPr>
@@ -5431,20 +6944,12 @@
         </p:nvCxnSpPr>
         <p:spPr>
           <a:xfrm>
-            <a:off x="4087922" y="1697088"/>
-            <a:ext cx="0" cy="2479127"/>
+            <a:off x="3806825" y="1465310"/>
+            <a:ext cx="360919" cy="0"/>
           </a:xfrm>
           <a:prstGeom prst="line">
             <a:avLst/>
           </a:prstGeom>
-          <a:ln>
-            <a:solidFill>
-              <a:schemeClr val="bg2">
-                <a:lumMod val="50000"/>
-              </a:schemeClr>
-            </a:solidFill>
-            <a:prstDash val="lgDash"/>
-          </a:ln>
         </p:spPr>
         <p:style>
           <a:lnRef idx="1">
@@ -5463,10 +6968,10 @@
       </p:cxnSp>
       <p:cxnSp>
         <p:nvCxnSpPr>
-          <p:cNvPr id="10" name="直接连接符 9">
-            <a:extLst>
-              <a:ext uri="{FF2B5EF4-FFF2-40B4-BE49-F238E27FC236}">
-                <a16:creationId xmlns:a16="http://schemas.microsoft.com/office/drawing/2014/main" id="{68011CDE-D803-3855-AF5D-01144229C89A}"/>
+          <p:cNvPr id="18" name="直接连接符 17">
+            <a:extLst>
+              <a:ext uri="{FF2B5EF4-FFF2-40B4-BE49-F238E27FC236}">
+                <a16:creationId xmlns:a16="http://schemas.microsoft.com/office/drawing/2014/main" id="{588A76C3-49C0-4AA0-AAB2-CCC94D1824D2}"/>
               </a:ext>
             </a:extLst>
           </p:cNvPr>
@@ -5477,230 +6982,8 @@
         </p:nvCxnSpPr>
         <p:spPr>
           <a:xfrm>
-            <a:off x="4972650" y="1697088"/>
-            <a:ext cx="0" cy="2479127"/>
-          </a:xfrm>
-          <a:prstGeom prst="line">
-            <a:avLst/>
-          </a:prstGeom>
-          <a:ln>
-            <a:solidFill>
-              <a:schemeClr val="bg2">
-                <a:lumMod val="50000"/>
-              </a:schemeClr>
-            </a:solidFill>
-            <a:prstDash val="lgDash"/>
-          </a:ln>
-        </p:spPr>
-        <p:style>
-          <a:lnRef idx="1">
-            <a:schemeClr val="accent1"/>
-          </a:lnRef>
-          <a:fillRef idx="0">
-            <a:schemeClr val="accent1"/>
-          </a:fillRef>
-          <a:effectRef idx="0">
-            <a:schemeClr val="accent1"/>
-          </a:effectRef>
-          <a:fontRef idx="minor">
-            <a:schemeClr val="tx1"/>
-          </a:fontRef>
-        </p:style>
-      </p:cxnSp>
-      <p:cxnSp>
-        <p:nvCxnSpPr>
-          <p:cNvPr id="11" name="直接连接符 10">
-            <a:extLst>
-              <a:ext uri="{FF2B5EF4-FFF2-40B4-BE49-F238E27FC236}">
-                <a16:creationId xmlns:a16="http://schemas.microsoft.com/office/drawing/2014/main" id="{FD4091EB-EC74-B762-A093-6411C4614509}"/>
-              </a:ext>
-            </a:extLst>
-          </p:cNvPr>
-          <p:cNvCxnSpPr>
-            <a:cxnSpLocks/>
-          </p:cNvCxnSpPr>
-          <p:nvPr/>
-        </p:nvCxnSpPr>
-        <p:spPr>
-          <a:xfrm>
-            <a:off x="5857378" y="1697088"/>
-            <a:ext cx="0" cy="2479127"/>
-          </a:xfrm>
-          <a:prstGeom prst="line">
-            <a:avLst/>
-          </a:prstGeom>
-          <a:ln>
-            <a:solidFill>
-              <a:schemeClr val="bg2">
-                <a:lumMod val="50000"/>
-              </a:schemeClr>
-            </a:solidFill>
-            <a:prstDash val="lgDash"/>
-          </a:ln>
-        </p:spPr>
-        <p:style>
-          <a:lnRef idx="1">
-            <a:schemeClr val="accent1"/>
-          </a:lnRef>
-          <a:fillRef idx="0">
-            <a:schemeClr val="accent1"/>
-          </a:fillRef>
-          <a:effectRef idx="0">
-            <a:schemeClr val="accent1"/>
-          </a:effectRef>
-          <a:fontRef idx="minor">
-            <a:schemeClr val="tx1"/>
-          </a:fontRef>
-        </p:style>
-      </p:cxnSp>
-      <p:cxnSp>
-        <p:nvCxnSpPr>
-          <p:cNvPr id="12" name="直接连接符 11">
-            <a:extLst>
-              <a:ext uri="{FF2B5EF4-FFF2-40B4-BE49-F238E27FC236}">
-                <a16:creationId xmlns:a16="http://schemas.microsoft.com/office/drawing/2014/main" id="{011E0730-6EF6-1086-A597-D75386E4952C}"/>
-              </a:ext>
-            </a:extLst>
-          </p:cNvPr>
-          <p:cNvCxnSpPr>
-            <a:cxnSpLocks/>
-          </p:cNvCxnSpPr>
-          <p:nvPr/>
-        </p:nvCxnSpPr>
-        <p:spPr>
-          <a:xfrm>
-            <a:off x="6742106" y="1697088"/>
-            <a:ext cx="0" cy="2479127"/>
-          </a:xfrm>
-          <a:prstGeom prst="line">
-            <a:avLst/>
-          </a:prstGeom>
-          <a:ln>
-            <a:solidFill>
-              <a:schemeClr val="bg2">
-                <a:lumMod val="50000"/>
-              </a:schemeClr>
-            </a:solidFill>
-            <a:prstDash val="lgDash"/>
-          </a:ln>
-        </p:spPr>
-        <p:style>
-          <a:lnRef idx="1">
-            <a:schemeClr val="accent1"/>
-          </a:lnRef>
-          <a:fillRef idx="0">
-            <a:schemeClr val="accent1"/>
-          </a:fillRef>
-          <a:effectRef idx="0">
-            <a:schemeClr val="accent1"/>
-          </a:effectRef>
-          <a:fontRef idx="minor">
-            <a:schemeClr val="tx1"/>
-          </a:fontRef>
-        </p:style>
-      </p:cxnSp>
-      <p:cxnSp>
-        <p:nvCxnSpPr>
-          <p:cNvPr id="13" name="直接连接符 12">
-            <a:extLst>
-              <a:ext uri="{FF2B5EF4-FFF2-40B4-BE49-F238E27FC236}">
-                <a16:creationId xmlns:a16="http://schemas.microsoft.com/office/drawing/2014/main" id="{7642E7E4-2AD9-98EB-51C5-5520CC21299D}"/>
-              </a:ext>
-            </a:extLst>
-          </p:cNvPr>
-          <p:cNvCxnSpPr>
-            <a:cxnSpLocks/>
-          </p:cNvCxnSpPr>
-          <p:nvPr/>
-        </p:nvCxnSpPr>
-        <p:spPr>
-          <a:xfrm>
-            <a:off x="7626835" y="1697088"/>
-            <a:ext cx="0" cy="2479127"/>
-          </a:xfrm>
-          <a:prstGeom prst="line">
-            <a:avLst/>
-          </a:prstGeom>
-          <a:ln>
-            <a:solidFill>
-              <a:schemeClr val="bg2">
-                <a:lumMod val="50000"/>
-              </a:schemeClr>
-            </a:solidFill>
-            <a:prstDash val="lgDash"/>
-          </a:ln>
-        </p:spPr>
-        <p:style>
-          <a:lnRef idx="1">
-            <a:schemeClr val="accent1"/>
-          </a:lnRef>
-          <a:fillRef idx="0">
-            <a:schemeClr val="accent1"/>
-          </a:fillRef>
-          <a:effectRef idx="0">
-            <a:schemeClr val="accent1"/>
-          </a:effectRef>
-          <a:fontRef idx="minor">
-            <a:schemeClr val="tx1"/>
-          </a:fontRef>
-        </p:style>
-      </p:cxnSp>
-      <p:cxnSp>
-        <p:nvCxnSpPr>
-          <p:cNvPr id="15" name="直接连接符 14">
-            <a:extLst>
-              <a:ext uri="{FF2B5EF4-FFF2-40B4-BE49-F238E27FC236}">
-                <a16:creationId xmlns:a16="http://schemas.microsoft.com/office/drawing/2014/main" id="{819B224D-BA34-9255-8944-D82159AB3DC1}"/>
-              </a:ext>
-            </a:extLst>
-          </p:cNvPr>
-          <p:cNvCxnSpPr>
-            <a:cxnSpLocks/>
-          </p:cNvCxnSpPr>
-          <p:nvPr/>
-        </p:nvCxnSpPr>
-        <p:spPr>
-          <a:xfrm>
-            <a:off x="3203194" y="2249424"/>
-            <a:ext cx="430022" cy="0"/>
-          </a:xfrm>
-          <a:prstGeom prst="line">
-            <a:avLst/>
-          </a:prstGeom>
-        </p:spPr>
-        <p:style>
-          <a:lnRef idx="1">
-            <a:schemeClr val="accent1"/>
-          </a:lnRef>
-          <a:fillRef idx="0">
-            <a:schemeClr val="accent1"/>
-          </a:fillRef>
-          <a:effectRef idx="0">
-            <a:schemeClr val="accent1"/>
-          </a:effectRef>
-          <a:fontRef idx="minor">
-            <a:schemeClr val="tx1"/>
-          </a:fontRef>
-        </p:style>
-      </p:cxnSp>
-      <p:cxnSp>
-        <p:nvCxnSpPr>
-          <p:cNvPr id="19" name="直接连接符 18">
-            <a:extLst>
-              <a:ext uri="{FF2B5EF4-FFF2-40B4-BE49-F238E27FC236}">
-                <a16:creationId xmlns:a16="http://schemas.microsoft.com/office/drawing/2014/main" id="{5B2ADD7F-DCFD-0F3F-7D89-987487E205B3}"/>
-              </a:ext>
-            </a:extLst>
-          </p:cNvPr>
-          <p:cNvCxnSpPr>
-            <a:cxnSpLocks/>
-          </p:cNvCxnSpPr>
-          <p:nvPr/>
-        </p:nvCxnSpPr>
-        <p:spPr>
-          <a:xfrm>
-            <a:off x="4315125" y="2254377"/>
-            <a:ext cx="430022" cy="0"/>
+            <a:off x="4743697" y="1465310"/>
+            <a:ext cx="841128" cy="0"/>
           </a:xfrm>
           <a:prstGeom prst="line">
             <a:avLst/>
@@ -5726,7 +7009,7 @@
           <p:cNvPr id="20" name="直接连接符 19">
             <a:extLst>
               <a:ext uri="{FF2B5EF4-FFF2-40B4-BE49-F238E27FC236}">
-                <a16:creationId xmlns:a16="http://schemas.microsoft.com/office/drawing/2014/main" id="{9D822941-05E1-31D2-7CDC-D97B9960DC1B}"/>
+                <a16:creationId xmlns:a16="http://schemas.microsoft.com/office/drawing/2014/main" id="{57B2C22C-CBB6-4AA4-B13F-2FFC690C23EA}"/>
               </a:ext>
             </a:extLst>
           </p:cNvPr>
@@ -5736,9 +7019,9 @@
           <p:nvPr/>
         </p:nvCxnSpPr>
         <p:spPr>
-          <a:xfrm flipV="1">
-            <a:off x="3633216" y="1856232"/>
-            <a:ext cx="24684" cy="393192"/>
+          <a:xfrm>
+            <a:off x="7156697" y="1465310"/>
+            <a:ext cx="675651" cy="0"/>
           </a:xfrm>
           <a:prstGeom prst="line">
             <a:avLst/>
@@ -5759,10 +7042,1443 @@
           </a:fontRef>
         </p:style>
       </p:cxnSp>
+      <p:cxnSp>
+        <p:nvCxnSpPr>
+          <p:cNvPr id="21" name="直接连接符 20">
+            <a:extLst>
+              <a:ext uri="{FF2B5EF4-FFF2-40B4-BE49-F238E27FC236}">
+                <a16:creationId xmlns:a16="http://schemas.microsoft.com/office/drawing/2014/main" id="{3B25FD3C-B7BB-473B-B5A3-6CD38FD6DD49}"/>
+              </a:ext>
+            </a:extLst>
+          </p:cNvPr>
+          <p:cNvCxnSpPr>
+            <a:cxnSpLocks/>
+          </p:cNvCxnSpPr>
+          <p:nvPr/>
+        </p:nvCxnSpPr>
+        <p:spPr>
+          <a:xfrm>
+            <a:off x="6219825" y="1465310"/>
+            <a:ext cx="360919" cy="0"/>
+          </a:xfrm>
+          <a:prstGeom prst="line">
+            <a:avLst/>
+          </a:prstGeom>
+        </p:spPr>
+        <p:style>
+          <a:lnRef idx="1">
+            <a:schemeClr val="accent1"/>
+          </a:lnRef>
+          <a:fillRef idx="0">
+            <a:schemeClr val="accent1"/>
+          </a:fillRef>
+          <a:effectRef idx="0">
+            <a:schemeClr val="accent1"/>
+          </a:effectRef>
+          <a:fontRef idx="minor">
+            <a:schemeClr val="tx1"/>
+          </a:fontRef>
+        </p:style>
+      </p:cxnSp>
+      <p:sp>
+        <p:nvSpPr>
+          <p:cNvPr id="22" name="矩形 21">
+            <a:extLst>
+              <a:ext uri="{FF2B5EF4-FFF2-40B4-BE49-F238E27FC236}">
+                <a16:creationId xmlns:a16="http://schemas.microsoft.com/office/drawing/2014/main" id="{E75A41EA-BE9A-4467-8821-FA400747BA1C}"/>
+              </a:ext>
+            </a:extLst>
+          </p:cNvPr>
+          <p:cNvSpPr/>
+          <p:nvPr/>
+        </p:nvSpPr>
+        <p:spPr>
+          <a:xfrm>
+            <a:off x="4743697" y="2912423"/>
+            <a:ext cx="575953" cy="1033153"/>
+          </a:xfrm>
+          <a:prstGeom prst="rect">
+            <a:avLst/>
+          </a:prstGeom>
+          <a:noFill/>
+        </p:spPr>
+        <p:style>
+          <a:lnRef idx="2">
+            <a:schemeClr val="accent1">
+              <a:shade val="50000"/>
+            </a:schemeClr>
+          </a:lnRef>
+          <a:fillRef idx="1">
+            <a:schemeClr val="accent1"/>
+          </a:fillRef>
+          <a:effectRef idx="0">
+            <a:schemeClr val="accent1"/>
+          </a:effectRef>
+          <a:fontRef idx="minor">
+            <a:schemeClr val="lt1"/>
+          </a:fontRef>
+        </p:style>
+        <p:txBody>
+          <a:bodyPr rtlCol="0" anchor="ctr"/>
+          <a:lstStyle/>
+          <a:p>
+            <a:pPr algn="ctr"/>
+            <a:r>
+              <a:rPr lang="en-US" altLang="zh-CN" dirty="0">
+                <a:solidFill>
+                  <a:schemeClr val="tx1"/>
+                </a:solidFill>
+              </a:rPr>
+              <a:t>F3</a:t>
+            </a:r>
+            <a:endParaRPr lang="zh-CN" altLang="en-US" dirty="0">
+              <a:solidFill>
+                <a:schemeClr val="tx1"/>
+              </a:solidFill>
+            </a:endParaRPr>
+          </a:p>
+        </p:txBody>
+      </p:sp>
+      <p:sp>
+        <p:nvSpPr>
+          <p:cNvPr id="23" name="直角三角形 22">
+            <a:extLst>
+              <a:ext uri="{FF2B5EF4-FFF2-40B4-BE49-F238E27FC236}">
+                <a16:creationId xmlns:a16="http://schemas.microsoft.com/office/drawing/2014/main" id="{28F8B212-755E-4162-9431-EE5283841EC9}"/>
+              </a:ext>
+            </a:extLst>
+          </p:cNvPr>
+          <p:cNvSpPr/>
+          <p:nvPr/>
+        </p:nvSpPr>
+        <p:spPr>
+          <a:xfrm rot="13320000">
+            <a:off x="4640206" y="3570099"/>
+            <a:ext cx="206982" cy="226517"/>
+          </a:xfrm>
+          <a:prstGeom prst="rtTriangle">
+            <a:avLst/>
+          </a:prstGeom>
+          <a:noFill/>
+        </p:spPr>
+        <p:style>
+          <a:lnRef idx="2">
+            <a:schemeClr val="accent1">
+              <a:shade val="50000"/>
+            </a:schemeClr>
+          </a:lnRef>
+          <a:fillRef idx="1">
+            <a:schemeClr val="accent1"/>
+          </a:fillRef>
+          <a:effectRef idx="0">
+            <a:schemeClr val="accent1"/>
+          </a:effectRef>
+          <a:fontRef idx="minor">
+            <a:schemeClr val="lt1"/>
+          </a:fontRef>
+        </p:style>
+        <p:txBody>
+          <a:bodyPr rtlCol="0" anchor="ctr"/>
+          <a:lstStyle/>
+          <a:p>
+            <a:pPr algn="ctr"/>
+            <a:endParaRPr lang="zh-CN" altLang="en-US"/>
+          </a:p>
+        </p:txBody>
+      </p:sp>
+      <p:sp>
+        <p:nvSpPr>
+          <p:cNvPr id="24" name="矩形 23">
+            <a:extLst>
+              <a:ext uri="{FF2B5EF4-FFF2-40B4-BE49-F238E27FC236}">
+                <a16:creationId xmlns:a16="http://schemas.microsoft.com/office/drawing/2014/main" id="{3937D0EC-4343-419A-9C9C-EFC0C064EA2F}"/>
+              </a:ext>
+            </a:extLst>
+          </p:cNvPr>
+          <p:cNvSpPr/>
+          <p:nvPr/>
+        </p:nvSpPr>
+        <p:spPr>
+          <a:xfrm>
+            <a:off x="7156697" y="2912423"/>
+            <a:ext cx="575953" cy="1033153"/>
+          </a:xfrm>
+          <a:prstGeom prst="rect">
+            <a:avLst/>
+          </a:prstGeom>
+          <a:noFill/>
+        </p:spPr>
+        <p:style>
+          <a:lnRef idx="2">
+            <a:schemeClr val="accent1">
+              <a:shade val="50000"/>
+            </a:schemeClr>
+          </a:lnRef>
+          <a:fillRef idx="1">
+            <a:schemeClr val="accent1"/>
+          </a:fillRef>
+          <a:effectRef idx="0">
+            <a:schemeClr val="accent1"/>
+          </a:effectRef>
+          <a:fontRef idx="minor">
+            <a:schemeClr val="lt1"/>
+          </a:fontRef>
+        </p:style>
+        <p:txBody>
+          <a:bodyPr rtlCol="0" anchor="ctr"/>
+          <a:lstStyle/>
+          <a:p>
+            <a:pPr algn="ctr"/>
+            <a:r>
+              <a:rPr lang="en-US" altLang="zh-CN" dirty="0">
+                <a:solidFill>
+                  <a:schemeClr val="tx1"/>
+                </a:solidFill>
+              </a:rPr>
+              <a:t>F4</a:t>
+            </a:r>
+            <a:endParaRPr lang="zh-CN" altLang="en-US" dirty="0">
+              <a:solidFill>
+                <a:schemeClr val="tx1"/>
+              </a:solidFill>
+            </a:endParaRPr>
+          </a:p>
+        </p:txBody>
+      </p:sp>
+      <p:sp>
+        <p:nvSpPr>
+          <p:cNvPr id="25" name="直角三角形 24">
+            <a:extLst>
+              <a:ext uri="{FF2B5EF4-FFF2-40B4-BE49-F238E27FC236}">
+                <a16:creationId xmlns:a16="http://schemas.microsoft.com/office/drawing/2014/main" id="{7FA5E160-133D-4EC0-8EEC-159A2C69DDE2}"/>
+              </a:ext>
+            </a:extLst>
+          </p:cNvPr>
+          <p:cNvSpPr/>
+          <p:nvPr/>
+        </p:nvSpPr>
+        <p:spPr>
+          <a:xfrm rot="13320000">
+            <a:off x="7053206" y="3570099"/>
+            <a:ext cx="206982" cy="226517"/>
+          </a:xfrm>
+          <a:prstGeom prst="rtTriangle">
+            <a:avLst/>
+          </a:prstGeom>
+          <a:noFill/>
+        </p:spPr>
+        <p:style>
+          <a:lnRef idx="2">
+            <a:schemeClr val="accent1">
+              <a:shade val="50000"/>
+            </a:schemeClr>
+          </a:lnRef>
+          <a:fillRef idx="1">
+            <a:schemeClr val="accent1"/>
+          </a:fillRef>
+          <a:effectRef idx="0">
+            <a:schemeClr val="accent1"/>
+          </a:effectRef>
+          <a:fontRef idx="minor">
+            <a:schemeClr val="lt1"/>
+          </a:fontRef>
+        </p:style>
+        <p:txBody>
+          <a:bodyPr rtlCol="0" anchor="ctr"/>
+          <a:lstStyle/>
+          <a:p>
+            <a:pPr algn="ctr"/>
+            <a:endParaRPr lang="zh-CN" altLang="en-US"/>
+          </a:p>
+        </p:txBody>
+      </p:sp>
+      <p:sp>
+        <p:nvSpPr>
+          <p:cNvPr id="26" name="云形 25">
+            <a:extLst>
+              <a:ext uri="{FF2B5EF4-FFF2-40B4-BE49-F238E27FC236}">
+                <a16:creationId xmlns:a16="http://schemas.microsoft.com/office/drawing/2014/main" id="{557A43A2-5FF8-4695-984E-0BC2086C0542}"/>
+              </a:ext>
+            </a:extLst>
+          </p:cNvPr>
+          <p:cNvSpPr/>
+          <p:nvPr/>
+        </p:nvSpPr>
+        <p:spPr>
+          <a:xfrm>
+            <a:off x="6080248" y="2912423"/>
+            <a:ext cx="750455" cy="457200"/>
+          </a:xfrm>
+          <a:prstGeom prst="cloud">
+            <a:avLst/>
+          </a:prstGeom>
+          <a:noFill/>
+        </p:spPr>
+        <p:style>
+          <a:lnRef idx="2">
+            <a:schemeClr val="accent1">
+              <a:shade val="50000"/>
+            </a:schemeClr>
+          </a:lnRef>
+          <a:fillRef idx="1">
+            <a:schemeClr val="accent1"/>
+          </a:fillRef>
+          <a:effectRef idx="0">
+            <a:schemeClr val="accent1"/>
+          </a:effectRef>
+          <a:fontRef idx="minor">
+            <a:schemeClr val="lt1"/>
+          </a:fontRef>
+        </p:style>
+        <p:txBody>
+          <a:bodyPr rtlCol="0" anchor="ctr"/>
+          <a:lstStyle/>
+          <a:p>
+            <a:pPr algn="ctr"/>
+            <a:r>
+              <a:rPr lang="en-US" altLang="zh-CN" dirty="0">
+                <a:solidFill>
+                  <a:schemeClr val="tx1"/>
+                </a:solidFill>
+              </a:rPr>
+              <a:t>C3</a:t>
+            </a:r>
+            <a:endParaRPr lang="zh-CN" altLang="en-US" dirty="0">
+              <a:solidFill>
+                <a:schemeClr val="tx1"/>
+              </a:solidFill>
+            </a:endParaRPr>
+          </a:p>
+        </p:txBody>
+      </p:sp>
+      <p:cxnSp>
+        <p:nvCxnSpPr>
+          <p:cNvPr id="27" name="直接连接符 26">
+            <a:extLst>
+              <a:ext uri="{FF2B5EF4-FFF2-40B4-BE49-F238E27FC236}">
+                <a16:creationId xmlns:a16="http://schemas.microsoft.com/office/drawing/2014/main" id="{61748783-00BF-4BC2-942E-908C66C602EC}"/>
+              </a:ext>
+            </a:extLst>
+          </p:cNvPr>
+          <p:cNvCxnSpPr>
+            <a:cxnSpLocks/>
+          </p:cNvCxnSpPr>
+          <p:nvPr/>
+        </p:nvCxnSpPr>
+        <p:spPr>
+          <a:xfrm>
+            <a:off x="5319650" y="3007179"/>
+            <a:ext cx="841128" cy="0"/>
+          </a:xfrm>
+          <a:prstGeom prst="line">
+            <a:avLst/>
+          </a:prstGeom>
+        </p:spPr>
+        <p:style>
+          <a:lnRef idx="1">
+            <a:schemeClr val="accent1"/>
+          </a:lnRef>
+          <a:fillRef idx="0">
+            <a:schemeClr val="accent1"/>
+          </a:fillRef>
+          <a:effectRef idx="0">
+            <a:schemeClr val="accent1"/>
+          </a:effectRef>
+          <a:fontRef idx="minor">
+            <a:schemeClr val="tx1"/>
+          </a:fontRef>
+        </p:style>
+      </p:cxnSp>
+      <p:cxnSp>
+        <p:nvCxnSpPr>
+          <p:cNvPr id="28" name="直接连接符 27">
+            <a:extLst>
+              <a:ext uri="{FF2B5EF4-FFF2-40B4-BE49-F238E27FC236}">
+                <a16:creationId xmlns:a16="http://schemas.microsoft.com/office/drawing/2014/main" id="{18CCEDF4-454E-4E8E-8237-988AEFA2AA4C}"/>
+              </a:ext>
+            </a:extLst>
+          </p:cNvPr>
+          <p:cNvCxnSpPr>
+            <a:cxnSpLocks/>
+          </p:cNvCxnSpPr>
+          <p:nvPr/>
+        </p:nvCxnSpPr>
+        <p:spPr>
+          <a:xfrm>
+            <a:off x="7732650" y="3007179"/>
+            <a:ext cx="675651" cy="0"/>
+          </a:xfrm>
+          <a:prstGeom prst="line">
+            <a:avLst/>
+          </a:prstGeom>
+        </p:spPr>
+        <p:style>
+          <a:lnRef idx="1">
+            <a:schemeClr val="accent1"/>
+          </a:lnRef>
+          <a:fillRef idx="0">
+            <a:schemeClr val="accent1"/>
+          </a:fillRef>
+          <a:effectRef idx="0">
+            <a:schemeClr val="accent1"/>
+          </a:effectRef>
+          <a:fontRef idx="minor">
+            <a:schemeClr val="tx1"/>
+          </a:fontRef>
+        </p:style>
+      </p:cxnSp>
+      <p:cxnSp>
+        <p:nvCxnSpPr>
+          <p:cNvPr id="29" name="直接连接符 28">
+            <a:extLst>
+              <a:ext uri="{FF2B5EF4-FFF2-40B4-BE49-F238E27FC236}">
+                <a16:creationId xmlns:a16="http://schemas.microsoft.com/office/drawing/2014/main" id="{C6C40962-3D7D-4CBC-A518-17223EE4D978}"/>
+              </a:ext>
+            </a:extLst>
+          </p:cNvPr>
+          <p:cNvCxnSpPr>
+            <a:cxnSpLocks/>
+          </p:cNvCxnSpPr>
+          <p:nvPr/>
+        </p:nvCxnSpPr>
+        <p:spPr>
+          <a:xfrm>
+            <a:off x="6795778" y="3007179"/>
+            <a:ext cx="360919" cy="0"/>
+          </a:xfrm>
+          <a:prstGeom prst="line">
+            <a:avLst/>
+          </a:prstGeom>
+        </p:spPr>
+        <p:style>
+          <a:lnRef idx="1">
+            <a:schemeClr val="accent1"/>
+          </a:lnRef>
+          <a:fillRef idx="0">
+            <a:schemeClr val="accent1"/>
+          </a:fillRef>
+          <a:effectRef idx="0">
+            <a:schemeClr val="accent1"/>
+          </a:effectRef>
+          <a:fontRef idx="minor">
+            <a:schemeClr val="tx1"/>
+          </a:fontRef>
+        </p:style>
+      </p:cxnSp>
+      <p:cxnSp>
+        <p:nvCxnSpPr>
+          <p:cNvPr id="31" name="连接符: 肘形 30">
+            <a:extLst>
+              <a:ext uri="{FF2B5EF4-FFF2-40B4-BE49-F238E27FC236}">
+                <a16:creationId xmlns:a16="http://schemas.microsoft.com/office/drawing/2014/main" id="{DFB1A5CF-908D-4F9B-B0B2-069F159A311F}"/>
+              </a:ext>
+            </a:extLst>
+          </p:cNvPr>
+          <p:cNvCxnSpPr>
+            <a:cxnSpLocks/>
+            <a:endCxn id="8" idx="5"/>
+          </p:cNvCxnSpPr>
+          <p:nvPr/>
+        </p:nvCxnSpPr>
+        <p:spPr>
+          <a:xfrm flipV="1">
+            <a:off x="2565400" y="2141488"/>
+            <a:ext cx="4015344" cy="439836"/>
+          </a:xfrm>
+          <a:prstGeom prst="bentConnector3">
+            <a:avLst>
+              <a:gd name="adj1" fmla="val 90089"/>
+            </a:avLst>
+          </a:prstGeom>
+        </p:spPr>
+        <p:style>
+          <a:lnRef idx="1">
+            <a:schemeClr val="accent1"/>
+          </a:lnRef>
+          <a:fillRef idx="0">
+            <a:schemeClr val="accent1"/>
+          </a:fillRef>
+          <a:effectRef idx="0">
+            <a:schemeClr val="accent1"/>
+          </a:effectRef>
+          <a:fontRef idx="minor">
+            <a:schemeClr val="tx1"/>
+          </a:fontRef>
+        </p:style>
+      </p:cxnSp>
+      <p:cxnSp>
+        <p:nvCxnSpPr>
+          <p:cNvPr id="36" name="直接连接符 35">
+            <a:extLst>
+              <a:ext uri="{FF2B5EF4-FFF2-40B4-BE49-F238E27FC236}">
+                <a16:creationId xmlns:a16="http://schemas.microsoft.com/office/drawing/2014/main" id="{E0AE8B97-7DD5-4207-AC17-6D8B6A1597A9}"/>
+              </a:ext>
+            </a:extLst>
+          </p:cNvPr>
+          <p:cNvCxnSpPr>
+            <a:cxnSpLocks/>
+            <a:stCxn id="25" idx="5"/>
+          </p:cNvCxnSpPr>
+          <p:nvPr/>
+        </p:nvCxnSpPr>
+        <p:spPr>
+          <a:xfrm flipH="1">
+            <a:off x="6904038" y="3683357"/>
+            <a:ext cx="252659" cy="0"/>
+          </a:xfrm>
+          <a:prstGeom prst="line">
+            <a:avLst/>
+          </a:prstGeom>
+        </p:spPr>
+        <p:style>
+          <a:lnRef idx="1">
+            <a:schemeClr val="accent1"/>
+          </a:lnRef>
+          <a:fillRef idx="0">
+            <a:schemeClr val="accent1"/>
+          </a:fillRef>
+          <a:effectRef idx="0">
+            <a:schemeClr val="accent1"/>
+          </a:effectRef>
+          <a:fontRef idx="minor">
+            <a:schemeClr val="tx1"/>
+          </a:fontRef>
+        </p:style>
+      </p:cxnSp>
+      <p:cxnSp>
+        <p:nvCxnSpPr>
+          <p:cNvPr id="39" name="直接连接符 38">
+            <a:extLst>
+              <a:ext uri="{FF2B5EF4-FFF2-40B4-BE49-F238E27FC236}">
+                <a16:creationId xmlns:a16="http://schemas.microsoft.com/office/drawing/2014/main" id="{15A4DF58-403E-4883-8840-163C4D719294}"/>
+              </a:ext>
+            </a:extLst>
+          </p:cNvPr>
+          <p:cNvCxnSpPr>
+            <a:cxnSpLocks/>
+          </p:cNvCxnSpPr>
+          <p:nvPr/>
+        </p:nvCxnSpPr>
+        <p:spPr>
+          <a:xfrm flipH="1">
+            <a:off x="3915085" y="2143385"/>
+            <a:ext cx="252659" cy="0"/>
+          </a:xfrm>
+          <a:prstGeom prst="line">
+            <a:avLst/>
+          </a:prstGeom>
+        </p:spPr>
+        <p:style>
+          <a:lnRef idx="1">
+            <a:schemeClr val="accent1"/>
+          </a:lnRef>
+          <a:fillRef idx="0">
+            <a:schemeClr val="accent1"/>
+          </a:fillRef>
+          <a:effectRef idx="0">
+            <a:schemeClr val="accent1"/>
+          </a:effectRef>
+          <a:fontRef idx="minor">
+            <a:schemeClr val="tx1"/>
+          </a:fontRef>
+        </p:style>
+      </p:cxnSp>
+      <p:cxnSp>
+        <p:nvCxnSpPr>
+          <p:cNvPr id="40" name="直接连接符 39">
+            <a:extLst>
+              <a:ext uri="{FF2B5EF4-FFF2-40B4-BE49-F238E27FC236}">
+                <a16:creationId xmlns:a16="http://schemas.microsoft.com/office/drawing/2014/main" id="{A1C4D349-890B-4D21-A1FE-6362C2BC46D9}"/>
+              </a:ext>
+            </a:extLst>
+          </p:cNvPr>
+          <p:cNvCxnSpPr>
+            <a:cxnSpLocks/>
+          </p:cNvCxnSpPr>
+          <p:nvPr/>
+        </p:nvCxnSpPr>
+        <p:spPr>
+          <a:xfrm flipH="1">
+            <a:off x="3915085" y="3680491"/>
+            <a:ext cx="828613" cy="0"/>
+          </a:xfrm>
+          <a:prstGeom prst="line">
+            <a:avLst/>
+          </a:prstGeom>
+        </p:spPr>
+        <p:style>
+          <a:lnRef idx="1">
+            <a:schemeClr val="accent1"/>
+          </a:lnRef>
+          <a:fillRef idx="0">
+            <a:schemeClr val="accent1"/>
+          </a:fillRef>
+          <a:effectRef idx="0">
+            <a:schemeClr val="accent1"/>
+          </a:effectRef>
+          <a:fontRef idx="minor">
+            <a:schemeClr val="tx1"/>
+          </a:fontRef>
+        </p:style>
+      </p:cxnSp>
+      <p:cxnSp>
+        <p:nvCxnSpPr>
+          <p:cNvPr id="42" name="直接连接符 41">
+            <a:extLst>
+              <a:ext uri="{FF2B5EF4-FFF2-40B4-BE49-F238E27FC236}">
+                <a16:creationId xmlns:a16="http://schemas.microsoft.com/office/drawing/2014/main" id="{F62F4BDE-7E49-41A8-96FF-E76BDE773B13}"/>
+              </a:ext>
+            </a:extLst>
+          </p:cNvPr>
+          <p:cNvCxnSpPr>
+            <a:cxnSpLocks/>
+          </p:cNvCxnSpPr>
+          <p:nvPr/>
+        </p:nvCxnSpPr>
+        <p:spPr>
+          <a:xfrm>
+            <a:off x="3915085" y="2141488"/>
+            <a:ext cx="0" cy="1539003"/>
+          </a:xfrm>
+          <a:prstGeom prst="line">
+            <a:avLst/>
+          </a:prstGeom>
+        </p:spPr>
+        <p:style>
+          <a:lnRef idx="1">
+            <a:schemeClr val="accent1"/>
+          </a:lnRef>
+          <a:fillRef idx="0">
+            <a:schemeClr val="accent1"/>
+          </a:fillRef>
+          <a:effectRef idx="0">
+            <a:schemeClr val="accent1"/>
+          </a:effectRef>
+          <a:fontRef idx="minor">
+            <a:schemeClr val="tx1"/>
+          </a:fontRef>
+        </p:style>
+      </p:cxnSp>
+      <p:sp>
+        <p:nvSpPr>
+          <p:cNvPr id="45" name="椭圆 44">
+            <a:extLst>
+              <a:ext uri="{FF2B5EF4-FFF2-40B4-BE49-F238E27FC236}">
+                <a16:creationId xmlns:a16="http://schemas.microsoft.com/office/drawing/2014/main" id="{411DFA2B-B4FA-4A9E-972A-AAC556DA282F}"/>
+              </a:ext>
+            </a:extLst>
+          </p:cNvPr>
+          <p:cNvSpPr/>
+          <p:nvPr/>
+        </p:nvSpPr>
+        <p:spPr>
+          <a:xfrm>
+            <a:off x="3892225" y="2558464"/>
+            <a:ext cx="45719" cy="45719"/>
+          </a:xfrm>
+          <a:prstGeom prst="ellipse">
+            <a:avLst/>
+          </a:prstGeom>
+        </p:spPr>
+        <p:style>
+          <a:lnRef idx="2">
+            <a:schemeClr val="accent1">
+              <a:shade val="50000"/>
+            </a:schemeClr>
+          </a:lnRef>
+          <a:fillRef idx="1">
+            <a:schemeClr val="accent1"/>
+          </a:fillRef>
+          <a:effectRef idx="0">
+            <a:schemeClr val="accent1"/>
+          </a:effectRef>
+          <a:fontRef idx="minor">
+            <a:schemeClr val="lt1"/>
+          </a:fontRef>
+        </p:style>
+        <p:txBody>
+          <a:bodyPr rtlCol="0" anchor="ctr"/>
+          <a:lstStyle/>
+          <a:p>
+            <a:pPr algn="ctr"/>
+            <a:endParaRPr lang="zh-CN" altLang="en-US"/>
+          </a:p>
+        </p:txBody>
+      </p:sp>
+      <p:cxnSp>
+        <p:nvCxnSpPr>
+          <p:cNvPr id="46" name="直接连接符 45">
+            <a:extLst>
+              <a:ext uri="{FF2B5EF4-FFF2-40B4-BE49-F238E27FC236}">
+                <a16:creationId xmlns:a16="http://schemas.microsoft.com/office/drawing/2014/main" id="{450EC899-AA55-4628-A4C7-C77C0802E1A2}"/>
+              </a:ext>
+            </a:extLst>
+          </p:cNvPr>
+          <p:cNvCxnSpPr>
+            <a:cxnSpLocks/>
+          </p:cNvCxnSpPr>
+          <p:nvPr/>
+        </p:nvCxnSpPr>
+        <p:spPr>
+          <a:xfrm flipH="1">
+            <a:off x="4491038" y="3007179"/>
+            <a:ext cx="252659" cy="0"/>
+          </a:xfrm>
+          <a:prstGeom prst="line">
+            <a:avLst/>
+          </a:prstGeom>
+        </p:spPr>
+        <p:style>
+          <a:lnRef idx="1">
+            <a:schemeClr val="accent1"/>
+          </a:lnRef>
+          <a:fillRef idx="0">
+            <a:schemeClr val="accent1"/>
+          </a:fillRef>
+          <a:effectRef idx="0">
+            <a:schemeClr val="accent1"/>
+          </a:effectRef>
+          <a:fontRef idx="minor">
+            <a:schemeClr val="tx1"/>
+          </a:fontRef>
+        </p:style>
+      </p:cxnSp>
+      <p:cxnSp>
+        <p:nvCxnSpPr>
+          <p:cNvPr id="48" name="直接连接符 47">
+            <a:extLst>
+              <a:ext uri="{FF2B5EF4-FFF2-40B4-BE49-F238E27FC236}">
+                <a16:creationId xmlns:a16="http://schemas.microsoft.com/office/drawing/2014/main" id="{6B70EA94-DFF3-47F4-A0E0-0E8B1B166CF3}"/>
+              </a:ext>
+            </a:extLst>
+          </p:cNvPr>
+          <p:cNvCxnSpPr>
+            <a:cxnSpLocks/>
+          </p:cNvCxnSpPr>
+          <p:nvPr/>
+        </p:nvCxnSpPr>
+        <p:spPr>
+          <a:xfrm>
+            <a:off x="2641600" y="4281535"/>
+            <a:ext cx="2390073" cy="0"/>
+          </a:xfrm>
+          <a:prstGeom prst="line">
+            <a:avLst/>
+          </a:prstGeom>
+        </p:spPr>
+        <p:style>
+          <a:lnRef idx="1">
+            <a:schemeClr val="accent1"/>
+          </a:lnRef>
+          <a:fillRef idx="0">
+            <a:schemeClr val="accent1"/>
+          </a:fillRef>
+          <a:effectRef idx="0">
+            <a:schemeClr val="accent1"/>
+          </a:effectRef>
+          <a:fontRef idx="minor">
+            <a:schemeClr val="tx1"/>
+          </a:fontRef>
+        </p:style>
+      </p:cxnSp>
+      <p:cxnSp>
+        <p:nvCxnSpPr>
+          <p:cNvPr id="51" name="直接连接符 50">
+            <a:extLst>
+              <a:ext uri="{FF2B5EF4-FFF2-40B4-BE49-F238E27FC236}">
+                <a16:creationId xmlns:a16="http://schemas.microsoft.com/office/drawing/2014/main" id="{B92CEB8C-E114-4F1B-99EC-25381B116205}"/>
+              </a:ext>
+            </a:extLst>
+          </p:cNvPr>
+          <p:cNvCxnSpPr>
+            <a:cxnSpLocks/>
+            <a:stCxn id="22" idx="2"/>
+          </p:cNvCxnSpPr>
+          <p:nvPr/>
+        </p:nvCxnSpPr>
+        <p:spPr>
+          <a:xfrm>
+            <a:off x="5031674" y="3945576"/>
+            <a:ext cx="0" cy="335959"/>
+          </a:xfrm>
+          <a:prstGeom prst="line">
+            <a:avLst/>
+          </a:prstGeom>
+        </p:spPr>
+        <p:style>
+          <a:lnRef idx="1">
+            <a:schemeClr val="accent1"/>
+          </a:lnRef>
+          <a:fillRef idx="0">
+            <a:schemeClr val="accent1"/>
+          </a:fillRef>
+          <a:effectRef idx="0">
+            <a:schemeClr val="accent1"/>
+          </a:effectRef>
+          <a:fontRef idx="minor">
+            <a:schemeClr val="tx1"/>
+          </a:fontRef>
+        </p:style>
+      </p:cxnSp>
+      <p:sp>
+        <p:nvSpPr>
+          <p:cNvPr id="55" name="云形 54">
+            <a:extLst>
+              <a:ext uri="{FF2B5EF4-FFF2-40B4-BE49-F238E27FC236}">
+                <a16:creationId xmlns:a16="http://schemas.microsoft.com/office/drawing/2014/main" id="{B481B74D-7590-4318-AE55-9E20A3E81AC1}"/>
+              </a:ext>
+            </a:extLst>
+          </p:cNvPr>
+          <p:cNvSpPr/>
+          <p:nvPr/>
+        </p:nvSpPr>
+        <p:spPr>
+          <a:xfrm>
+            <a:off x="3417289" y="4720978"/>
+            <a:ext cx="750455" cy="457200"/>
+          </a:xfrm>
+          <a:prstGeom prst="cloud">
+            <a:avLst/>
+          </a:prstGeom>
+          <a:noFill/>
+        </p:spPr>
+        <p:style>
+          <a:lnRef idx="2">
+            <a:schemeClr val="accent1">
+              <a:shade val="50000"/>
+            </a:schemeClr>
+          </a:lnRef>
+          <a:fillRef idx="1">
+            <a:schemeClr val="accent1"/>
+          </a:fillRef>
+          <a:effectRef idx="0">
+            <a:schemeClr val="accent1"/>
+          </a:effectRef>
+          <a:fontRef idx="minor">
+            <a:schemeClr val="lt1"/>
+          </a:fontRef>
+        </p:style>
+        <p:txBody>
+          <a:bodyPr rtlCol="0" anchor="ctr"/>
+          <a:lstStyle/>
+          <a:p>
+            <a:pPr algn="ctr"/>
+            <a:r>
+              <a:rPr lang="en-US" altLang="zh-CN" dirty="0">
+                <a:solidFill>
+                  <a:schemeClr val="tx1"/>
+                </a:solidFill>
+              </a:rPr>
+              <a:t>C4</a:t>
+            </a:r>
+            <a:endParaRPr lang="zh-CN" altLang="en-US" dirty="0">
+              <a:solidFill>
+                <a:schemeClr val="tx1"/>
+              </a:solidFill>
+            </a:endParaRPr>
+          </a:p>
+        </p:txBody>
+      </p:sp>
+      <p:sp>
+        <p:nvSpPr>
+          <p:cNvPr id="56" name="云形 55">
+            <a:extLst>
+              <a:ext uri="{FF2B5EF4-FFF2-40B4-BE49-F238E27FC236}">
+                <a16:creationId xmlns:a16="http://schemas.microsoft.com/office/drawing/2014/main" id="{71F7B4A9-0028-47CC-B31A-FC49971AFF8A}"/>
+              </a:ext>
+            </a:extLst>
+          </p:cNvPr>
+          <p:cNvSpPr/>
+          <p:nvPr/>
+        </p:nvSpPr>
+        <p:spPr>
+          <a:xfrm>
+            <a:off x="5031673" y="4720978"/>
+            <a:ext cx="750455" cy="457200"/>
+          </a:xfrm>
+          <a:prstGeom prst="cloud">
+            <a:avLst/>
+          </a:prstGeom>
+          <a:noFill/>
+        </p:spPr>
+        <p:style>
+          <a:lnRef idx="2">
+            <a:schemeClr val="accent1">
+              <a:shade val="50000"/>
+            </a:schemeClr>
+          </a:lnRef>
+          <a:fillRef idx="1">
+            <a:schemeClr val="accent1"/>
+          </a:fillRef>
+          <a:effectRef idx="0">
+            <a:schemeClr val="accent1"/>
+          </a:effectRef>
+          <a:fontRef idx="minor">
+            <a:schemeClr val="lt1"/>
+          </a:fontRef>
+        </p:style>
+        <p:txBody>
+          <a:bodyPr rtlCol="0" anchor="ctr"/>
+          <a:lstStyle/>
+          <a:p>
+            <a:pPr algn="ctr"/>
+            <a:r>
+              <a:rPr lang="en-US" altLang="zh-CN" dirty="0">
+                <a:solidFill>
+                  <a:schemeClr val="tx1"/>
+                </a:solidFill>
+              </a:rPr>
+              <a:t>C5</a:t>
+            </a:r>
+            <a:endParaRPr lang="zh-CN" altLang="en-US" dirty="0">
+              <a:solidFill>
+                <a:schemeClr val="tx1"/>
+              </a:solidFill>
+            </a:endParaRPr>
+          </a:p>
+        </p:txBody>
+      </p:sp>
+      <p:sp>
+        <p:nvSpPr>
+          <p:cNvPr id="57" name="云形 56">
+            <a:extLst>
+              <a:ext uri="{FF2B5EF4-FFF2-40B4-BE49-F238E27FC236}">
+                <a16:creationId xmlns:a16="http://schemas.microsoft.com/office/drawing/2014/main" id="{0558C8D1-83EF-4E6D-AF26-768E51C73DB2}"/>
+              </a:ext>
+            </a:extLst>
+          </p:cNvPr>
+          <p:cNvSpPr/>
+          <p:nvPr/>
+        </p:nvSpPr>
+        <p:spPr>
+          <a:xfrm>
+            <a:off x="6646057" y="4720978"/>
+            <a:ext cx="750455" cy="457200"/>
+          </a:xfrm>
+          <a:prstGeom prst="cloud">
+            <a:avLst/>
+          </a:prstGeom>
+          <a:noFill/>
+        </p:spPr>
+        <p:style>
+          <a:lnRef idx="2">
+            <a:schemeClr val="accent1">
+              <a:shade val="50000"/>
+            </a:schemeClr>
+          </a:lnRef>
+          <a:fillRef idx="1">
+            <a:schemeClr val="accent1"/>
+          </a:fillRef>
+          <a:effectRef idx="0">
+            <a:schemeClr val="accent1"/>
+          </a:effectRef>
+          <a:fontRef idx="minor">
+            <a:schemeClr val="lt1"/>
+          </a:fontRef>
+        </p:style>
+        <p:txBody>
+          <a:bodyPr rtlCol="0" anchor="ctr"/>
+          <a:lstStyle/>
+          <a:p>
+            <a:pPr algn="ctr"/>
+            <a:r>
+              <a:rPr lang="en-US" altLang="zh-CN" dirty="0">
+                <a:solidFill>
+                  <a:schemeClr val="tx1"/>
+                </a:solidFill>
+              </a:rPr>
+              <a:t>C6</a:t>
+            </a:r>
+            <a:endParaRPr lang="zh-CN" altLang="en-US" dirty="0">
+              <a:solidFill>
+                <a:schemeClr val="tx1"/>
+              </a:solidFill>
+            </a:endParaRPr>
+          </a:p>
+        </p:txBody>
+      </p:sp>
+      <p:cxnSp>
+        <p:nvCxnSpPr>
+          <p:cNvPr id="59" name="直接连接符 58">
+            <a:extLst>
+              <a:ext uri="{FF2B5EF4-FFF2-40B4-BE49-F238E27FC236}">
+                <a16:creationId xmlns:a16="http://schemas.microsoft.com/office/drawing/2014/main" id="{E810ECD0-D222-48DE-9AE7-CEB341A1E1FB}"/>
+              </a:ext>
+            </a:extLst>
+          </p:cNvPr>
+          <p:cNvCxnSpPr>
+            <a:cxnSpLocks/>
+            <a:endCxn id="55" idx="2"/>
+          </p:cNvCxnSpPr>
+          <p:nvPr/>
+        </p:nvCxnSpPr>
+        <p:spPr>
+          <a:xfrm>
+            <a:off x="2641600" y="4949578"/>
+            <a:ext cx="778017" cy="0"/>
+          </a:xfrm>
+          <a:prstGeom prst="line">
+            <a:avLst/>
+          </a:prstGeom>
+        </p:spPr>
+        <p:style>
+          <a:lnRef idx="1">
+            <a:schemeClr val="accent1"/>
+          </a:lnRef>
+          <a:fillRef idx="0">
+            <a:schemeClr val="accent1"/>
+          </a:fillRef>
+          <a:effectRef idx="0">
+            <a:schemeClr val="accent1"/>
+          </a:effectRef>
+          <a:fontRef idx="minor">
+            <a:schemeClr val="tx1"/>
+          </a:fontRef>
+        </p:style>
+      </p:cxnSp>
+      <p:cxnSp>
+        <p:nvCxnSpPr>
+          <p:cNvPr id="61" name="直接连接符 60">
+            <a:extLst>
+              <a:ext uri="{FF2B5EF4-FFF2-40B4-BE49-F238E27FC236}">
+                <a16:creationId xmlns:a16="http://schemas.microsoft.com/office/drawing/2014/main" id="{C6CAD21E-8B44-4C5C-A836-F5DE4810F3C0}"/>
+              </a:ext>
+            </a:extLst>
+          </p:cNvPr>
+          <p:cNvCxnSpPr>
+            <a:cxnSpLocks/>
+            <a:endCxn id="56" idx="2"/>
+          </p:cNvCxnSpPr>
+          <p:nvPr/>
+        </p:nvCxnSpPr>
+        <p:spPr>
+          <a:xfrm>
+            <a:off x="4167744" y="4947696"/>
+            <a:ext cx="866257" cy="1882"/>
+          </a:xfrm>
+          <a:prstGeom prst="line">
+            <a:avLst/>
+          </a:prstGeom>
+        </p:spPr>
+        <p:style>
+          <a:lnRef idx="1">
+            <a:schemeClr val="accent1"/>
+          </a:lnRef>
+          <a:fillRef idx="0">
+            <a:schemeClr val="accent1"/>
+          </a:fillRef>
+          <a:effectRef idx="0">
+            <a:schemeClr val="accent1"/>
+          </a:effectRef>
+          <a:fontRef idx="minor">
+            <a:schemeClr val="tx1"/>
+          </a:fontRef>
+        </p:style>
+      </p:cxnSp>
+      <p:cxnSp>
+        <p:nvCxnSpPr>
+          <p:cNvPr id="64" name="直接连接符 63">
+            <a:extLst>
+              <a:ext uri="{FF2B5EF4-FFF2-40B4-BE49-F238E27FC236}">
+                <a16:creationId xmlns:a16="http://schemas.microsoft.com/office/drawing/2014/main" id="{A2F6DF21-1AD8-425C-806F-D95537880E5E}"/>
+              </a:ext>
+            </a:extLst>
+          </p:cNvPr>
+          <p:cNvCxnSpPr>
+            <a:cxnSpLocks/>
+          </p:cNvCxnSpPr>
+          <p:nvPr/>
+        </p:nvCxnSpPr>
+        <p:spPr>
+          <a:xfrm>
+            <a:off x="5786696" y="4945814"/>
+            <a:ext cx="866257" cy="1882"/>
+          </a:xfrm>
+          <a:prstGeom prst="line">
+            <a:avLst/>
+          </a:prstGeom>
+        </p:spPr>
+        <p:style>
+          <a:lnRef idx="1">
+            <a:schemeClr val="accent1"/>
+          </a:lnRef>
+          <a:fillRef idx="0">
+            <a:schemeClr val="accent1"/>
+          </a:fillRef>
+          <a:effectRef idx="0">
+            <a:schemeClr val="accent1"/>
+          </a:effectRef>
+          <a:fontRef idx="minor">
+            <a:schemeClr val="tx1"/>
+          </a:fontRef>
+        </p:style>
+      </p:cxnSp>
+      <p:cxnSp>
+        <p:nvCxnSpPr>
+          <p:cNvPr id="65" name="直接连接符 64">
+            <a:extLst>
+              <a:ext uri="{FF2B5EF4-FFF2-40B4-BE49-F238E27FC236}">
+                <a16:creationId xmlns:a16="http://schemas.microsoft.com/office/drawing/2014/main" id="{C25CC966-BA98-4187-B80A-7FDC7C11FC1D}"/>
+              </a:ext>
+            </a:extLst>
+          </p:cNvPr>
+          <p:cNvCxnSpPr>
+            <a:cxnSpLocks/>
+          </p:cNvCxnSpPr>
+          <p:nvPr/>
+        </p:nvCxnSpPr>
+        <p:spPr>
+          <a:xfrm>
+            <a:off x="7396512" y="4945814"/>
+            <a:ext cx="778017" cy="0"/>
+          </a:xfrm>
+          <a:prstGeom prst="line">
+            <a:avLst/>
+          </a:prstGeom>
+        </p:spPr>
+        <p:style>
+          <a:lnRef idx="1">
+            <a:schemeClr val="accent1"/>
+          </a:lnRef>
+          <a:fillRef idx="0">
+            <a:schemeClr val="accent1"/>
+          </a:fillRef>
+          <a:effectRef idx="0">
+            <a:schemeClr val="accent1"/>
+          </a:effectRef>
+          <a:fontRef idx="minor">
+            <a:schemeClr val="tx1"/>
+          </a:fontRef>
+        </p:style>
+      </p:cxnSp>
+      <p:sp>
+        <p:nvSpPr>
+          <p:cNvPr id="66" name="文本框 65">
+            <a:extLst>
+              <a:ext uri="{FF2B5EF4-FFF2-40B4-BE49-F238E27FC236}">
+                <a16:creationId xmlns:a16="http://schemas.microsoft.com/office/drawing/2014/main" id="{1BFF396B-0EAC-45AF-8B99-BB49D03D934A}"/>
+              </a:ext>
+            </a:extLst>
+          </p:cNvPr>
+          <p:cNvSpPr txBox="1"/>
+          <p:nvPr/>
+        </p:nvSpPr>
+        <p:spPr>
+          <a:xfrm>
+            <a:off x="2011910" y="1280644"/>
+            <a:ext cx="484428" cy="369332"/>
+          </a:xfrm>
+          <a:prstGeom prst="rect">
+            <a:avLst/>
+          </a:prstGeom>
+          <a:noFill/>
+        </p:spPr>
+        <p:txBody>
+          <a:bodyPr wrap="none" rtlCol="0">
+            <a:spAutoFit/>
+          </a:bodyPr>
+          <a:lstStyle/>
+          <a:p>
+            <a:r>
+              <a:rPr lang="en-US" altLang="zh-CN" dirty="0"/>
+              <a:t>in1</a:t>
+            </a:r>
+            <a:endParaRPr lang="zh-CN" altLang="en-US" dirty="0"/>
+          </a:p>
+        </p:txBody>
+      </p:sp>
+      <p:sp>
+        <p:nvSpPr>
+          <p:cNvPr id="67" name="文本框 66">
+            <a:extLst>
+              <a:ext uri="{FF2B5EF4-FFF2-40B4-BE49-F238E27FC236}">
+                <a16:creationId xmlns:a16="http://schemas.microsoft.com/office/drawing/2014/main" id="{70BD64DD-67AE-4993-BC6F-1C416A976ED7}"/>
+              </a:ext>
+            </a:extLst>
+          </p:cNvPr>
+          <p:cNvSpPr txBox="1"/>
+          <p:nvPr/>
+        </p:nvSpPr>
+        <p:spPr>
+          <a:xfrm>
+            <a:off x="2011910" y="2396657"/>
+            <a:ext cx="449162" cy="369332"/>
+          </a:xfrm>
+          <a:prstGeom prst="rect">
+            <a:avLst/>
+          </a:prstGeom>
+          <a:noFill/>
+        </p:spPr>
+        <p:txBody>
+          <a:bodyPr wrap="none" rtlCol="0">
+            <a:spAutoFit/>
+          </a:bodyPr>
+          <a:lstStyle/>
+          <a:p>
+            <a:r>
+              <a:rPr lang="en-US" altLang="zh-CN" dirty="0" err="1"/>
+              <a:t>clk</a:t>
+            </a:r>
+            <a:endParaRPr lang="zh-CN" altLang="en-US" dirty="0"/>
+          </a:p>
+        </p:txBody>
+      </p:sp>
+      <p:sp>
+        <p:nvSpPr>
+          <p:cNvPr id="68" name="文本框 67">
+            <a:extLst>
+              <a:ext uri="{FF2B5EF4-FFF2-40B4-BE49-F238E27FC236}">
+                <a16:creationId xmlns:a16="http://schemas.microsoft.com/office/drawing/2014/main" id="{598B60B0-4FEE-41BF-A311-2B58A2AFE27E}"/>
+              </a:ext>
+            </a:extLst>
+          </p:cNvPr>
+          <p:cNvSpPr txBox="1"/>
+          <p:nvPr/>
+        </p:nvSpPr>
+        <p:spPr>
+          <a:xfrm>
+            <a:off x="2011910" y="4092012"/>
+            <a:ext cx="418704" cy="369332"/>
+          </a:xfrm>
+          <a:prstGeom prst="rect">
+            <a:avLst/>
+          </a:prstGeom>
+          <a:noFill/>
+        </p:spPr>
+        <p:txBody>
+          <a:bodyPr wrap="none" rtlCol="0">
+            <a:spAutoFit/>
+          </a:bodyPr>
+          <a:lstStyle/>
+          <a:p>
+            <a:r>
+              <a:rPr lang="en-US" altLang="zh-CN" dirty="0" err="1"/>
+              <a:t>clr</a:t>
+            </a:r>
+            <a:endParaRPr lang="zh-CN" altLang="en-US" dirty="0"/>
+          </a:p>
+        </p:txBody>
+      </p:sp>
+      <p:sp>
+        <p:nvSpPr>
+          <p:cNvPr id="69" name="文本框 68">
+            <a:extLst>
+              <a:ext uri="{FF2B5EF4-FFF2-40B4-BE49-F238E27FC236}">
+                <a16:creationId xmlns:a16="http://schemas.microsoft.com/office/drawing/2014/main" id="{813A2B50-9E05-4C74-B1DA-13DAE41BA8C7}"/>
+              </a:ext>
+            </a:extLst>
+          </p:cNvPr>
+          <p:cNvSpPr txBox="1"/>
+          <p:nvPr/>
+        </p:nvSpPr>
+        <p:spPr>
+          <a:xfrm>
+            <a:off x="2024159" y="4761148"/>
+            <a:ext cx="484428" cy="369332"/>
+          </a:xfrm>
+          <a:prstGeom prst="rect">
+            <a:avLst/>
+          </a:prstGeom>
+          <a:noFill/>
+        </p:spPr>
+        <p:txBody>
+          <a:bodyPr wrap="none" rtlCol="0">
+            <a:spAutoFit/>
+          </a:bodyPr>
+          <a:lstStyle/>
+          <a:p>
+            <a:r>
+              <a:rPr lang="en-US" altLang="zh-CN" dirty="0"/>
+              <a:t>in2</a:t>
+            </a:r>
+            <a:endParaRPr lang="zh-CN" altLang="en-US" dirty="0"/>
+          </a:p>
+        </p:txBody>
+      </p:sp>
+      <p:sp>
+        <p:nvSpPr>
+          <p:cNvPr id="70" name="文本框 69">
+            <a:extLst>
+              <a:ext uri="{FF2B5EF4-FFF2-40B4-BE49-F238E27FC236}">
+                <a16:creationId xmlns:a16="http://schemas.microsoft.com/office/drawing/2014/main" id="{E32F9FDE-B8AE-4C77-9E14-C447D191C627}"/>
+              </a:ext>
+            </a:extLst>
+          </p:cNvPr>
+          <p:cNvSpPr txBox="1"/>
+          <p:nvPr/>
+        </p:nvSpPr>
+        <p:spPr>
+          <a:xfrm>
+            <a:off x="8346002" y="1280644"/>
+            <a:ext cx="639919" cy="369332"/>
+          </a:xfrm>
+          <a:prstGeom prst="rect">
+            <a:avLst/>
+          </a:prstGeom>
+          <a:noFill/>
+        </p:spPr>
+        <p:txBody>
+          <a:bodyPr wrap="none" rtlCol="0">
+            <a:spAutoFit/>
+          </a:bodyPr>
+          <a:lstStyle/>
+          <a:p>
+            <a:r>
+              <a:rPr lang="en-US" altLang="zh-CN" dirty="0"/>
+              <a:t>out1</a:t>
+            </a:r>
+            <a:endParaRPr lang="zh-CN" altLang="en-US" dirty="0"/>
+          </a:p>
+        </p:txBody>
+      </p:sp>
+      <p:sp>
+        <p:nvSpPr>
+          <p:cNvPr id="71" name="文本框 70">
+            <a:extLst>
+              <a:ext uri="{FF2B5EF4-FFF2-40B4-BE49-F238E27FC236}">
+                <a16:creationId xmlns:a16="http://schemas.microsoft.com/office/drawing/2014/main" id="{4176B223-629A-464E-90DA-0F0819BF5BC8}"/>
+              </a:ext>
+            </a:extLst>
+          </p:cNvPr>
+          <p:cNvSpPr txBox="1"/>
+          <p:nvPr/>
+        </p:nvSpPr>
+        <p:spPr>
+          <a:xfrm>
+            <a:off x="8346002" y="2808899"/>
+            <a:ext cx="639919" cy="369332"/>
+          </a:xfrm>
+          <a:prstGeom prst="rect">
+            <a:avLst/>
+          </a:prstGeom>
+          <a:noFill/>
+        </p:spPr>
+        <p:txBody>
+          <a:bodyPr wrap="none" rtlCol="0">
+            <a:spAutoFit/>
+          </a:bodyPr>
+          <a:lstStyle/>
+          <a:p>
+            <a:r>
+              <a:rPr lang="en-US" altLang="zh-CN" dirty="0"/>
+              <a:t>out2</a:t>
+            </a:r>
+            <a:endParaRPr lang="zh-CN" altLang="en-US" dirty="0"/>
+          </a:p>
+        </p:txBody>
+      </p:sp>
+      <p:sp>
+        <p:nvSpPr>
+          <p:cNvPr id="72" name="文本框 71">
+            <a:extLst>
+              <a:ext uri="{FF2B5EF4-FFF2-40B4-BE49-F238E27FC236}">
+                <a16:creationId xmlns:a16="http://schemas.microsoft.com/office/drawing/2014/main" id="{BA3D0D6A-E2C8-42C1-857C-A7F8E1B763C9}"/>
+              </a:ext>
+            </a:extLst>
+          </p:cNvPr>
+          <p:cNvSpPr txBox="1"/>
+          <p:nvPr/>
+        </p:nvSpPr>
+        <p:spPr>
+          <a:xfrm>
+            <a:off x="8346790" y="4722002"/>
+            <a:ext cx="750455" cy="369332"/>
+          </a:xfrm>
+          <a:prstGeom prst="rect">
+            <a:avLst/>
+          </a:prstGeom>
+          <a:noFill/>
+        </p:spPr>
+        <p:txBody>
+          <a:bodyPr wrap="square" rtlCol="0">
+            <a:spAutoFit/>
+          </a:bodyPr>
+          <a:lstStyle/>
+          <a:p>
+            <a:r>
+              <a:rPr lang="en-US" altLang="zh-CN" dirty="0"/>
+              <a:t>out3</a:t>
+            </a:r>
+            <a:endParaRPr lang="zh-CN" altLang="en-US" dirty="0"/>
+          </a:p>
+        </p:txBody>
+      </p:sp>
+      <p:sp>
+        <p:nvSpPr>
+          <p:cNvPr id="73" name="文本框 72">
+            <a:extLst>
+              <a:ext uri="{FF2B5EF4-FFF2-40B4-BE49-F238E27FC236}">
+                <a16:creationId xmlns:a16="http://schemas.microsoft.com/office/drawing/2014/main" id="{80046935-61EE-4DA2-9195-F5149F581C31}"/>
+              </a:ext>
+            </a:extLst>
+          </p:cNvPr>
+          <p:cNvSpPr txBox="1"/>
+          <p:nvPr/>
+        </p:nvSpPr>
+        <p:spPr>
+          <a:xfrm>
+            <a:off x="4340793" y="4586438"/>
+            <a:ext cx="474810" cy="369332"/>
+          </a:xfrm>
+          <a:prstGeom prst="rect">
+            <a:avLst/>
+          </a:prstGeom>
+          <a:noFill/>
+        </p:spPr>
+        <p:txBody>
+          <a:bodyPr wrap="none" rtlCol="0">
+            <a:spAutoFit/>
+          </a:bodyPr>
+          <a:lstStyle/>
+          <a:p>
+            <a:r>
+              <a:rPr lang="en-US" altLang="zh-CN" dirty="0"/>
+              <a:t>N1</a:t>
+            </a:r>
+            <a:endParaRPr lang="zh-CN" altLang="en-US" dirty="0"/>
+          </a:p>
+        </p:txBody>
+      </p:sp>
+      <p:sp>
+        <p:nvSpPr>
+          <p:cNvPr id="74" name="文本框 73">
+            <a:extLst>
+              <a:ext uri="{FF2B5EF4-FFF2-40B4-BE49-F238E27FC236}">
+                <a16:creationId xmlns:a16="http://schemas.microsoft.com/office/drawing/2014/main" id="{0270B49B-966E-4F22-B6D3-E222DEAD0228}"/>
+              </a:ext>
+            </a:extLst>
+          </p:cNvPr>
+          <p:cNvSpPr txBox="1"/>
+          <p:nvPr/>
+        </p:nvSpPr>
+        <p:spPr>
+          <a:xfrm>
+            <a:off x="5930759" y="4586438"/>
+            <a:ext cx="474810" cy="369332"/>
+          </a:xfrm>
+          <a:prstGeom prst="rect">
+            <a:avLst/>
+          </a:prstGeom>
+          <a:noFill/>
+        </p:spPr>
+        <p:txBody>
+          <a:bodyPr wrap="none" rtlCol="0">
+            <a:spAutoFit/>
+          </a:bodyPr>
+          <a:lstStyle/>
+          <a:p>
+            <a:r>
+              <a:rPr lang="en-US" altLang="zh-CN" dirty="0"/>
+              <a:t>N2</a:t>
+            </a:r>
+            <a:endParaRPr lang="zh-CN" altLang="en-US" dirty="0"/>
+          </a:p>
+        </p:txBody>
+      </p:sp>
     </p:spTree>
     <p:extLst>
       <p:ext uri="{BB962C8B-B14F-4D97-AF65-F5344CB8AC3E}">
-        <p14:creationId xmlns:p14="http://schemas.microsoft.com/office/powerpoint/2010/main" val="2844697874"/>
+        <p14:creationId xmlns:p14="http://schemas.microsoft.com/office/powerpoint/2010/main" val="2188019084"/>
       </p:ext>
     </p:extLst>
   </p:cSld>
@@ -5791,10 +8507,10 @@
       </p:grpSpPr>
       <p:sp>
         <p:nvSpPr>
-          <p:cNvPr id="4" name="矩形 3">
-            <a:extLst>
-              <a:ext uri="{FF2B5EF4-FFF2-40B4-BE49-F238E27FC236}">
-                <a16:creationId xmlns:a16="http://schemas.microsoft.com/office/drawing/2014/main" id="{653318BC-E6F5-4C87-B462-EBB8EDA6AB6E}"/>
+          <p:cNvPr id="5" name="矩形 4">
+            <a:extLst>
+              <a:ext uri="{FF2B5EF4-FFF2-40B4-BE49-F238E27FC236}">
+                <a16:creationId xmlns:a16="http://schemas.microsoft.com/office/drawing/2014/main" id="{8EEBC475-8F5D-4C5D-8F27-BB95DBAD1643}"/>
               </a:ext>
             </a:extLst>
           </p:cNvPr>
@@ -5803,7 +8519,7 @@
         </p:nvSpPr>
         <p:spPr>
           <a:xfrm>
-            <a:off x="4167744" y="1370554"/>
+            <a:off x="3697844" y="1554704"/>
             <a:ext cx="575953" cy="1033153"/>
           </a:xfrm>
           <a:prstGeom prst="rect">
@@ -5850,10 +8566,10 @@
       </p:sp>
       <p:sp>
         <p:nvSpPr>
-          <p:cNvPr id="5" name="直角三角形 4">
-            <a:extLst>
-              <a:ext uri="{FF2B5EF4-FFF2-40B4-BE49-F238E27FC236}">
-                <a16:creationId xmlns:a16="http://schemas.microsoft.com/office/drawing/2014/main" id="{5DA1B992-6E12-48BD-A07C-1FD33C4C5E24}"/>
+          <p:cNvPr id="6" name="直角三角形 5">
+            <a:extLst>
+              <a:ext uri="{FF2B5EF4-FFF2-40B4-BE49-F238E27FC236}">
+                <a16:creationId xmlns:a16="http://schemas.microsoft.com/office/drawing/2014/main" id="{ABF916C5-2748-4ED1-A5ED-83E1C1FDC48F}"/>
               </a:ext>
             </a:extLst>
           </p:cNvPr>
@@ -5862,7 +8578,7 @@
         </p:nvSpPr>
         <p:spPr>
           <a:xfrm rot="13320000">
-            <a:off x="4064253" y="2028230"/>
+            <a:off x="3594353" y="2212380"/>
             <a:ext cx="206982" cy="226517"/>
           </a:xfrm>
           <a:prstGeom prst="rtTriangle">
@@ -5897,10 +8613,10 @@
       </p:sp>
       <p:sp>
         <p:nvSpPr>
-          <p:cNvPr id="6" name="云形 5">
-            <a:extLst>
-              <a:ext uri="{FF2B5EF4-FFF2-40B4-BE49-F238E27FC236}">
-                <a16:creationId xmlns:a16="http://schemas.microsoft.com/office/drawing/2014/main" id="{8449070D-B573-4CF5-AF79-0D3C8FD18E98}"/>
+          <p:cNvPr id="7" name="云形 6">
+            <a:extLst>
+              <a:ext uri="{FF2B5EF4-FFF2-40B4-BE49-F238E27FC236}">
+                <a16:creationId xmlns:a16="http://schemas.microsoft.com/office/drawing/2014/main" id="{1F5617F1-A410-4964-A41E-257B65D83B3B}"/>
               </a:ext>
             </a:extLst>
           </p:cNvPr>
@@ -5909,7 +8625,7 @@
         </p:nvSpPr>
         <p:spPr>
           <a:xfrm>
-            <a:off x="3091295" y="1370554"/>
+            <a:off x="4634345" y="1614080"/>
             <a:ext cx="750455" cy="457200"/>
           </a:xfrm>
           <a:prstGeom prst="cloud">
@@ -5956,1951 +8672,6 @@
       </p:sp>
       <p:sp>
         <p:nvSpPr>
-          <p:cNvPr id="7" name="矩形 6">
-            <a:extLst>
-              <a:ext uri="{FF2B5EF4-FFF2-40B4-BE49-F238E27FC236}">
-                <a16:creationId xmlns:a16="http://schemas.microsoft.com/office/drawing/2014/main" id="{3DB56E6E-F480-455C-8A12-F1982524524C}"/>
-              </a:ext>
-            </a:extLst>
-          </p:cNvPr>
-          <p:cNvSpPr/>
-          <p:nvPr/>
-        </p:nvSpPr>
-        <p:spPr>
-          <a:xfrm>
-            <a:off x="6580744" y="1370554"/>
-            <a:ext cx="575953" cy="1033153"/>
-          </a:xfrm>
-          <a:prstGeom prst="rect">
-            <a:avLst/>
-          </a:prstGeom>
-          <a:noFill/>
-        </p:spPr>
-        <p:style>
-          <a:lnRef idx="2">
-            <a:schemeClr val="accent1">
-              <a:shade val="50000"/>
-            </a:schemeClr>
-          </a:lnRef>
-          <a:fillRef idx="1">
-            <a:schemeClr val="accent1"/>
-          </a:fillRef>
-          <a:effectRef idx="0">
-            <a:schemeClr val="accent1"/>
-          </a:effectRef>
-          <a:fontRef idx="minor">
-            <a:schemeClr val="lt1"/>
-          </a:fontRef>
-        </p:style>
-        <p:txBody>
-          <a:bodyPr rtlCol="0" anchor="ctr"/>
-          <a:lstStyle/>
-          <a:p>
-            <a:pPr algn="ctr"/>
-            <a:r>
-              <a:rPr lang="en-US" altLang="zh-CN" dirty="0">
-                <a:solidFill>
-                  <a:schemeClr val="tx1"/>
-                </a:solidFill>
-              </a:rPr>
-              <a:t>F2</a:t>
-            </a:r>
-            <a:endParaRPr lang="zh-CN" altLang="en-US" dirty="0">
-              <a:solidFill>
-                <a:schemeClr val="tx1"/>
-              </a:solidFill>
-            </a:endParaRPr>
-          </a:p>
-        </p:txBody>
-      </p:sp>
-      <p:sp>
-        <p:nvSpPr>
-          <p:cNvPr id="8" name="直角三角形 7">
-            <a:extLst>
-              <a:ext uri="{FF2B5EF4-FFF2-40B4-BE49-F238E27FC236}">
-                <a16:creationId xmlns:a16="http://schemas.microsoft.com/office/drawing/2014/main" id="{FE96A536-67BB-4FE2-A902-D8580166E869}"/>
-              </a:ext>
-            </a:extLst>
-          </p:cNvPr>
-          <p:cNvSpPr/>
-          <p:nvPr/>
-        </p:nvSpPr>
-        <p:spPr>
-          <a:xfrm rot="13320000">
-            <a:off x="6477253" y="2028230"/>
-            <a:ext cx="206982" cy="226517"/>
-          </a:xfrm>
-          <a:prstGeom prst="rtTriangle">
-            <a:avLst/>
-          </a:prstGeom>
-          <a:noFill/>
-        </p:spPr>
-        <p:style>
-          <a:lnRef idx="2">
-            <a:schemeClr val="accent1">
-              <a:shade val="50000"/>
-            </a:schemeClr>
-          </a:lnRef>
-          <a:fillRef idx="1">
-            <a:schemeClr val="accent1"/>
-          </a:fillRef>
-          <a:effectRef idx="0">
-            <a:schemeClr val="accent1"/>
-          </a:effectRef>
-          <a:fontRef idx="minor">
-            <a:schemeClr val="lt1"/>
-          </a:fontRef>
-        </p:style>
-        <p:txBody>
-          <a:bodyPr rtlCol="0" anchor="ctr"/>
-          <a:lstStyle/>
-          <a:p>
-            <a:pPr algn="ctr"/>
-            <a:endParaRPr lang="zh-CN" altLang="en-US"/>
-          </a:p>
-        </p:txBody>
-      </p:sp>
-      <p:sp>
-        <p:nvSpPr>
-          <p:cNvPr id="9" name="云形 8">
-            <a:extLst>
-              <a:ext uri="{FF2B5EF4-FFF2-40B4-BE49-F238E27FC236}">
-                <a16:creationId xmlns:a16="http://schemas.microsoft.com/office/drawing/2014/main" id="{FEDCFCBE-87D9-46F8-B76C-237ED20D3E1F}"/>
-              </a:ext>
-            </a:extLst>
-          </p:cNvPr>
-          <p:cNvSpPr/>
-          <p:nvPr/>
-        </p:nvSpPr>
-        <p:spPr>
-          <a:xfrm>
-            <a:off x="5504295" y="1370554"/>
-            <a:ext cx="750455" cy="457200"/>
-          </a:xfrm>
-          <a:prstGeom prst="cloud">
-            <a:avLst/>
-          </a:prstGeom>
-          <a:noFill/>
-        </p:spPr>
-        <p:style>
-          <a:lnRef idx="2">
-            <a:schemeClr val="accent1">
-              <a:shade val="50000"/>
-            </a:schemeClr>
-          </a:lnRef>
-          <a:fillRef idx="1">
-            <a:schemeClr val="accent1"/>
-          </a:fillRef>
-          <a:effectRef idx="0">
-            <a:schemeClr val="accent1"/>
-          </a:effectRef>
-          <a:fontRef idx="minor">
-            <a:schemeClr val="lt1"/>
-          </a:fontRef>
-        </p:style>
-        <p:txBody>
-          <a:bodyPr rtlCol="0" anchor="ctr"/>
-          <a:lstStyle/>
-          <a:p>
-            <a:pPr algn="ctr"/>
-            <a:r>
-              <a:rPr lang="en-US" altLang="zh-CN" dirty="0">
-                <a:solidFill>
-                  <a:schemeClr val="tx1"/>
-                </a:solidFill>
-              </a:rPr>
-              <a:t>C2</a:t>
-            </a:r>
-            <a:endParaRPr lang="zh-CN" altLang="en-US" dirty="0">
-              <a:solidFill>
-                <a:schemeClr val="tx1"/>
-              </a:solidFill>
-            </a:endParaRPr>
-          </a:p>
-        </p:txBody>
-      </p:sp>
-      <p:cxnSp>
-        <p:nvCxnSpPr>
-          <p:cNvPr id="14" name="直接连接符 13">
-            <a:extLst>
-              <a:ext uri="{FF2B5EF4-FFF2-40B4-BE49-F238E27FC236}">
-                <a16:creationId xmlns:a16="http://schemas.microsoft.com/office/drawing/2014/main" id="{5C5DEDE8-90FF-429C-B79A-C5D6153AAE45}"/>
-              </a:ext>
-            </a:extLst>
-          </p:cNvPr>
-          <p:cNvCxnSpPr>
-            <a:cxnSpLocks/>
-          </p:cNvCxnSpPr>
-          <p:nvPr/>
-        </p:nvCxnSpPr>
-        <p:spPr>
-          <a:xfrm>
-            <a:off x="2501900" y="1465310"/>
-            <a:ext cx="675651" cy="0"/>
-          </a:xfrm>
-          <a:prstGeom prst="line">
-            <a:avLst/>
-          </a:prstGeom>
-        </p:spPr>
-        <p:style>
-          <a:lnRef idx="1">
-            <a:schemeClr val="accent1"/>
-          </a:lnRef>
-          <a:fillRef idx="0">
-            <a:schemeClr val="accent1"/>
-          </a:fillRef>
-          <a:effectRef idx="0">
-            <a:schemeClr val="accent1"/>
-          </a:effectRef>
-          <a:fontRef idx="minor">
-            <a:schemeClr val="tx1"/>
-          </a:fontRef>
-        </p:style>
-      </p:cxnSp>
-      <p:cxnSp>
-        <p:nvCxnSpPr>
-          <p:cNvPr id="16" name="直接连接符 15">
-            <a:extLst>
-              <a:ext uri="{FF2B5EF4-FFF2-40B4-BE49-F238E27FC236}">
-                <a16:creationId xmlns:a16="http://schemas.microsoft.com/office/drawing/2014/main" id="{03616EF5-8200-482E-92D4-E2234BD7E74E}"/>
-              </a:ext>
-            </a:extLst>
-          </p:cNvPr>
-          <p:cNvCxnSpPr>
-            <a:cxnSpLocks/>
-          </p:cNvCxnSpPr>
-          <p:nvPr/>
-        </p:nvCxnSpPr>
-        <p:spPr>
-          <a:xfrm>
-            <a:off x="3806825" y="1465310"/>
-            <a:ext cx="360919" cy="0"/>
-          </a:xfrm>
-          <a:prstGeom prst="line">
-            <a:avLst/>
-          </a:prstGeom>
-        </p:spPr>
-        <p:style>
-          <a:lnRef idx="1">
-            <a:schemeClr val="accent1"/>
-          </a:lnRef>
-          <a:fillRef idx="0">
-            <a:schemeClr val="accent1"/>
-          </a:fillRef>
-          <a:effectRef idx="0">
-            <a:schemeClr val="accent1"/>
-          </a:effectRef>
-          <a:fontRef idx="minor">
-            <a:schemeClr val="tx1"/>
-          </a:fontRef>
-        </p:style>
-      </p:cxnSp>
-      <p:cxnSp>
-        <p:nvCxnSpPr>
-          <p:cNvPr id="18" name="直接连接符 17">
-            <a:extLst>
-              <a:ext uri="{FF2B5EF4-FFF2-40B4-BE49-F238E27FC236}">
-                <a16:creationId xmlns:a16="http://schemas.microsoft.com/office/drawing/2014/main" id="{588A76C3-49C0-4AA0-AAB2-CCC94D1824D2}"/>
-              </a:ext>
-            </a:extLst>
-          </p:cNvPr>
-          <p:cNvCxnSpPr>
-            <a:cxnSpLocks/>
-          </p:cNvCxnSpPr>
-          <p:nvPr/>
-        </p:nvCxnSpPr>
-        <p:spPr>
-          <a:xfrm>
-            <a:off x="4743697" y="1465310"/>
-            <a:ext cx="841128" cy="0"/>
-          </a:xfrm>
-          <a:prstGeom prst="line">
-            <a:avLst/>
-          </a:prstGeom>
-        </p:spPr>
-        <p:style>
-          <a:lnRef idx="1">
-            <a:schemeClr val="accent1"/>
-          </a:lnRef>
-          <a:fillRef idx="0">
-            <a:schemeClr val="accent1"/>
-          </a:fillRef>
-          <a:effectRef idx="0">
-            <a:schemeClr val="accent1"/>
-          </a:effectRef>
-          <a:fontRef idx="minor">
-            <a:schemeClr val="tx1"/>
-          </a:fontRef>
-        </p:style>
-      </p:cxnSp>
-      <p:cxnSp>
-        <p:nvCxnSpPr>
-          <p:cNvPr id="20" name="直接连接符 19">
-            <a:extLst>
-              <a:ext uri="{FF2B5EF4-FFF2-40B4-BE49-F238E27FC236}">
-                <a16:creationId xmlns:a16="http://schemas.microsoft.com/office/drawing/2014/main" id="{57B2C22C-CBB6-4AA4-B13F-2FFC690C23EA}"/>
-              </a:ext>
-            </a:extLst>
-          </p:cNvPr>
-          <p:cNvCxnSpPr>
-            <a:cxnSpLocks/>
-          </p:cNvCxnSpPr>
-          <p:nvPr/>
-        </p:nvCxnSpPr>
-        <p:spPr>
-          <a:xfrm>
-            <a:off x="7156697" y="1465310"/>
-            <a:ext cx="675651" cy="0"/>
-          </a:xfrm>
-          <a:prstGeom prst="line">
-            <a:avLst/>
-          </a:prstGeom>
-        </p:spPr>
-        <p:style>
-          <a:lnRef idx="1">
-            <a:schemeClr val="accent1"/>
-          </a:lnRef>
-          <a:fillRef idx="0">
-            <a:schemeClr val="accent1"/>
-          </a:fillRef>
-          <a:effectRef idx="0">
-            <a:schemeClr val="accent1"/>
-          </a:effectRef>
-          <a:fontRef idx="minor">
-            <a:schemeClr val="tx1"/>
-          </a:fontRef>
-        </p:style>
-      </p:cxnSp>
-      <p:cxnSp>
-        <p:nvCxnSpPr>
-          <p:cNvPr id="21" name="直接连接符 20">
-            <a:extLst>
-              <a:ext uri="{FF2B5EF4-FFF2-40B4-BE49-F238E27FC236}">
-                <a16:creationId xmlns:a16="http://schemas.microsoft.com/office/drawing/2014/main" id="{3B25FD3C-B7BB-473B-B5A3-6CD38FD6DD49}"/>
-              </a:ext>
-            </a:extLst>
-          </p:cNvPr>
-          <p:cNvCxnSpPr>
-            <a:cxnSpLocks/>
-          </p:cNvCxnSpPr>
-          <p:nvPr/>
-        </p:nvCxnSpPr>
-        <p:spPr>
-          <a:xfrm>
-            <a:off x="6219825" y="1465310"/>
-            <a:ext cx="360919" cy="0"/>
-          </a:xfrm>
-          <a:prstGeom prst="line">
-            <a:avLst/>
-          </a:prstGeom>
-        </p:spPr>
-        <p:style>
-          <a:lnRef idx="1">
-            <a:schemeClr val="accent1"/>
-          </a:lnRef>
-          <a:fillRef idx="0">
-            <a:schemeClr val="accent1"/>
-          </a:fillRef>
-          <a:effectRef idx="0">
-            <a:schemeClr val="accent1"/>
-          </a:effectRef>
-          <a:fontRef idx="minor">
-            <a:schemeClr val="tx1"/>
-          </a:fontRef>
-        </p:style>
-      </p:cxnSp>
-      <p:sp>
-        <p:nvSpPr>
-          <p:cNvPr id="22" name="矩形 21">
-            <a:extLst>
-              <a:ext uri="{FF2B5EF4-FFF2-40B4-BE49-F238E27FC236}">
-                <a16:creationId xmlns:a16="http://schemas.microsoft.com/office/drawing/2014/main" id="{E75A41EA-BE9A-4467-8821-FA400747BA1C}"/>
-              </a:ext>
-            </a:extLst>
-          </p:cNvPr>
-          <p:cNvSpPr/>
-          <p:nvPr/>
-        </p:nvSpPr>
-        <p:spPr>
-          <a:xfrm>
-            <a:off x="4743697" y="2912423"/>
-            <a:ext cx="575953" cy="1033153"/>
-          </a:xfrm>
-          <a:prstGeom prst="rect">
-            <a:avLst/>
-          </a:prstGeom>
-          <a:noFill/>
-        </p:spPr>
-        <p:style>
-          <a:lnRef idx="2">
-            <a:schemeClr val="accent1">
-              <a:shade val="50000"/>
-            </a:schemeClr>
-          </a:lnRef>
-          <a:fillRef idx="1">
-            <a:schemeClr val="accent1"/>
-          </a:fillRef>
-          <a:effectRef idx="0">
-            <a:schemeClr val="accent1"/>
-          </a:effectRef>
-          <a:fontRef idx="minor">
-            <a:schemeClr val="lt1"/>
-          </a:fontRef>
-        </p:style>
-        <p:txBody>
-          <a:bodyPr rtlCol="0" anchor="ctr"/>
-          <a:lstStyle/>
-          <a:p>
-            <a:pPr algn="ctr"/>
-            <a:r>
-              <a:rPr lang="en-US" altLang="zh-CN" dirty="0">
-                <a:solidFill>
-                  <a:schemeClr val="tx1"/>
-                </a:solidFill>
-              </a:rPr>
-              <a:t>F3</a:t>
-            </a:r>
-            <a:endParaRPr lang="zh-CN" altLang="en-US" dirty="0">
-              <a:solidFill>
-                <a:schemeClr val="tx1"/>
-              </a:solidFill>
-            </a:endParaRPr>
-          </a:p>
-        </p:txBody>
-      </p:sp>
-      <p:sp>
-        <p:nvSpPr>
-          <p:cNvPr id="23" name="直角三角形 22">
-            <a:extLst>
-              <a:ext uri="{FF2B5EF4-FFF2-40B4-BE49-F238E27FC236}">
-                <a16:creationId xmlns:a16="http://schemas.microsoft.com/office/drawing/2014/main" id="{28F8B212-755E-4162-9431-EE5283841EC9}"/>
-              </a:ext>
-            </a:extLst>
-          </p:cNvPr>
-          <p:cNvSpPr/>
-          <p:nvPr/>
-        </p:nvSpPr>
-        <p:spPr>
-          <a:xfrm rot="13320000">
-            <a:off x="4640206" y="3570099"/>
-            <a:ext cx="206982" cy="226517"/>
-          </a:xfrm>
-          <a:prstGeom prst="rtTriangle">
-            <a:avLst/>
-          </a:prstGeom>
-          <a:noFill/>
-        </p:spPr>
-        <p:style>
-          <a:lnRef idx="2">
-            <a:schemeClr val="accent1">
-              <a:shade val="50000"/>
-            </a:schemeClr>
-          </a:lnRef>
-          <a:fillRef idx="1">
-            <a:schemeClr val="accent1"/>
-          </a:fillRef>
-          <a:effectRef idx="0">
-            <a:schemeClr val="accent1"/>
-          </a:effectRef>
-          <a:fontRef idx="minor">
-            <a:schemeClr val="lt1"/>
-          </a:fontRef>
-        </p:style>
-        <p:txBody>
-          <a:bodyPr rtlCol="0" anchor="ctr"/>
-          <a:lstStyle/>
-          <a:p>
-            <a:pPr algn="ctr"/>
-            <a:endParaRPr lang="zh-CN" altLang="en-US"/>
-          </a:p>
-        </p:txBody>
-      </p:sp>
-      <p:sp>
-        <p:nvSpPr>
-          <p:cNvPr id="24" name="矩形 23">
-            <a:extLst>
-              <a:ext uri="{FF2B5EF4-FFF2-40B4-BE49-F238E27FC236}">
-                <a16:creationId xmlns:a16="http://schemas.microsoft.com/office/drawing/2014/main" id="{3937D0EC-4343-419A-9C9C-EFC0C064EA2F}"/>
-              </a:ext>
-            </a:extLst>
-          </p:cNvPr>
-          <p:cNvSpPr/>
-          <p:nvPr/>
-        </p:nvSpPr>
-        <p:spPr>
-          <a:xfrm>
-            <a:off x="7156697" y="2912423"/>
-            <a:ext cx="575953" cy="1033153"/>
-          </a:xfrm>
-          <a:prstGeom prst="rect">
-            <a:avLst/>
-          </a:prstGeom>
-          <a:noFill/>
-        </p:spPr>
-        <p:style>
-          <a:lnRef idx="2">
-            <a:schemeClr val="accent1">
-              <a:shade val="50000"/>
-            </a:schemeClr>
-          </a:lnRef>
-          <a:fillRef idx="1">
-            <a:schemeClr val="accent1"/>
-          </a:fillRef>
-          <a:effectRef idx="0">
-            <a:schemeClr val="accent1"/>
-          </a:effectRef>
-          <a:fontRef idx="minor">
-            <a:schemeClr val="lt1"/>
-          </a:fontRef>
-        </p:style>
-        <p:txBody>
-          <a:bodyPr rtlCol="0" anchor="ctr"/>
-          <a:lstStyle/>
-          <a:p>
-            <a:pPr algn="ctr"/>
-            <a:r>
-              <a:rPr lang="en-US" altLang="zh-CN" dirty="0">
-                <a:solidFill>
-                  <a:schemeClr val="tx1"/>
-                </a:solidFill>
-              </a:rPr>
-              <a:t>F4</a:t>
-            </a:r>
-            <a:endParaRPr lang="zh-CN" altLang="en-US" dirty="0">
-              <a:solidFill>
-                <a:schemeClr val="tx1"/>
-              </a:solidFill>
-            </a:endParaRPr>
-          </a:p>
-        </p:txBody>
-      </p:sp>
-      <p:sp>
-        <p:nvSpPr>
-          <p:cNvPr id="25" name="直角三角形 24">
-            <a:extLst>
-              <a:ext uri="{FF2B5EF4-FFF2-40B4-BE49-F238E27FC236}">
-                <a16:creationId xmlns:a16="http://schemas.microsoft.com/office/drawing/2014/main" id="{7FA5E160-133D-4EC0-8EEC-159A2C69DDE2}"/>
-              </a:ext>
-            </a:extLst>
-          </p:cNvPr>
-          <p:cNvSpPr/>
-          <p:nvPr/>
-        </p:nvSpPr>
-        <p:spPr>
-          <a:xfrm rot="13320000">
-            <a:off x="7053206" y="3570099"/>
-            <a:ext cx="206982" cy="226517"/>
-          </a:xfrm>
-          <a:prstGeom prst="rtTriangle">
-            <a:avLst/>
-          </a:prstGeom>
-          <a:noFill/>
-        </p:spPr>
-        <p:style>
-          <a:lnRef idx="2">
-            <a:schemeClr val="accent1">
-              <a:shade val="50000"/>
-            </a:schemeClr>
-          </a:lnRef>
-          <a:fillRef idx="1">
-            <a:schemeClr val="accent1"/>
-          </a:fillRef>
-          <a:effectRef idx="0">
-            <a:schemeClr val="accent1"/>
-          </a:effectRef>
-          <a:fontRef idx="minor">
-            <a:schemeClr val="lt1"/>
-          </a:fontRef>
-        </p:style>
-        <p:txBody>
-          <a:bodyPr rtlCol="0" anchor="ctr"/>
-          <a:lstStyle/>
-          <a:p>
-            <a:pPr algn="ctr"/>
-            <a:endParaRPr lang="zh-CN" altLang="en-US"/>
-          </a:p>
-        </p:txBody>
-      </p:sp>
-      <p:sp>
-        <p:nvSpPr>
-          <p:cNvPr id="26" name="云形 25">
-            <a:extLst>
-              <a:ext uri="{FF2B5EF4-FFF2-40B4-BE49-F238E27FC236}">
-                <a16:creationId xmlns:a16="http://schemas.microsoft.com/office/drawing/2014/main" id="{557A43A2-5FF8-4695-984E-0BC2086C0542}"/>
-              </a:ext>
-            </a:extLst>
-          </p:cNvPr>
-          <p:cNvSpPr/>
-          <p:nvPr/>
-        </p:nvSpPr>
-        <p:spPr>
-          <a:xfrm>
-            <a:off x="6080248" y="2912423"/>
-            <a:ext cx="750455" cy="457200"/>
-          </a:xfrm>
-          <a:prstGeom prst="cloud">
-            <a:avLst/>
-          </a:prstGeom>
-          <a:noFill/>
-        </p:spPr>
-        <p:style>
-          <a:lnRef idx="2">
-            <a:schemeClr val="accent1">
-              <a:shade val="50000"/>
-            </a:schemeClr>
-          </a:lnRef>
-          <a:fillRef idx="1">
-            <a:schemeClr val="accent1"/>
-          </a:fillRef>
-          <a:effectRef idx="0">
-            <a:schemeClr val="accent1"/>
-          </a:effectRef>
-          <a:fontRef idx="minor">
-            <a:schemeClr val="lt1"/>
-          </a:fontRef>
-        </p:style>
-        <p:txBody>
-          <a:bodyPr rtlCol="0" anchor="ctr"/>
-          <a:lstStyle/>
-          <a:p>
-            <a:pPr algn="ctr"/>
-            <a:r>
-              <a:rPr lang="en-US" altLang="zh-CN" dirty="0">
-                <a:solidFill>
-                  <a:schemeClr val="tx1"/>
-                </a:solidFill>
-              </a:rPr>
-              <a:t>C3</a:t>
-            </a:r>
-            <a:endParaRPr lang="zh-CN" altLang="en-US" dirty="0">
-              <a:solidFill>
-                <a:schemeClr val="tx1"/>
-              </a:solidFill>
-            </a:endParaRPr>
-          </a:p>
-        </p:txBody>
-      </p:sp>
-      <p:cxnSp>
-        <p:nvCxnSpPr>
-          <p:cNvPr id="27" name="直接连接符 26">
-            <a:extLst>
-              <a:ext uri="{FF2B5EF4-FFF2-40B4-BE49-F238E27FC236}">
-                <a16:creationId xmlns:a16="http://schemas.microsoft.com/office/drawing/2014/main" id="{61748783-00BF-4BC2-942E-908C66C602EC}"/>
-              </a:ext>
-            </a:extLst>
-          </p:cNvPr>
-          <p:cNvCxnSpPr>
-            <a:cxnSpLocks/>
-          </p:cNvCxnSpPr>
-          <p:nvPr/>
-        </p:nvCxnSpPr>
-        <p:spPr>
-          <a:xfrm>
-            <a:off x="5319650" y="3007179"/>
-            <a:ext cx="841128" cy="0"/>
-          </a:xfrm>
-          <a:prstGeom prst="line">
-            <a:avLst/>
-          </a:prstGeom>
-        </p:spPr>
-        <p:style>
-          <a:lnRef idx="1">
-            <a:schemeClr val="accent1"/>
-          </a:lnRef>
-          <a:fillRef idx="0">
-            <a:schemeClr val="accent1"/>
-          </a:fillRef>
-          <a:effectRef idx="0">
-            <a:schemeClr val="accent1"/>
-          </a:effectRef>
-          <a:fontRef idx="minor">
-            <a:schemeClr val="tx1"/>
-          </a:fontRef>
-        </p:style>
-      </p:cxnSp>
-      <p:cxnSp>
-        <p:nvCxnSpPr>
-          <p:cNvPr id="28" name="直接连接符 27">
-            <a:extLst>
-              <a:ext uri="{FF2B5EF4-FFF2-40B4-BE49-F238E27FC236}">
-                <a16:creationId xmlns:a16="http://schemas.microsoft.com/office/drawing/2014/main" id="{18CCEDF4-454E-4E8E-8237-988AEFA2AA4C}"/>
-              </a:ext>
-            </a:extLst>
-          </p:cNvPr>
-          <p:cNvCxnSpPr>
-            <a:cxnSpLocks/>
-          </p:cNvCxnSpPr>
-          <p:nvPr/>
-        </p:nvCxnSpPr>
-        <p:spPr>
-          <a:xfrm>
-            <a:off x="7732650" y="3007179"/>
-            <a:ext cx="675651" cy="0"/>
-          </a:xfrm>
-          <a:prstGeom prst="line">
-            <a:avLst/>
-          </a:prstGeom>
-        </p:spPr>
-        <p:style>
-          <a:lnRef idx="1">
-            <a:schemeClr val="accent1"/>
-          </a:lnRef>
-          <a:fillRef idx="0">
-            <a:schemeClr val="accent1"/>
-          </a:fillRef>
-          <a:effectRef idx="0">
-            <a:schemeClr val="accent1"/>
-          </a:effectRef>
-          <a:fontRef idx="minor">
-            <a:schemeClr val="tx1"/>
-          </a:fontRef>
-        </p:style>
-      </p:cxnSp>
-      <p:cxnSp>
-        <p:nvCxnSpPr>
-          <p:cNvPr id="29" name="直接连接符 28">
-            <a:extLst>
-              <a:ext uri="{FF2B5EF4-FFF2-40B4-BE49-F238E27FC236}">
-                <a16:creationId xmlns:a16="http://schemas.microsoft.com/office/drawing/2014/main" id="{C6C40962-3D7D-4CBC-A518-17223EE4D978}"/>
-              </a:ext>
-            </a:extLst>
-          </p:cNvPr>
-          <p:cNvCxnSpPr>
-            <a:cxnSpLocks/>
-          </p:cNvCxnSpPr>
-          <p:nvPr/>
-        </p:nvCxnSpPr>
-        <p:spPr>
-          <a:xfrm>
-            <a:off x="6795778" y="3007179"/>
-            <a:ext cx="360919" cy="0"/>
-          </a:xfrm>
-          <a:prstGeom prst="line">
-            <a:avLst/>
-          </a:prstGeom>
-        </p:spPr>
-        <p:style>
-          <a:lnRef idx="1">
-            <a:schemeClr val="accent1"/>
-          </a:lnRef>
-          <a:fillRef idx="0">
-            <a:schemeClr val="accent1"/>
-          </a:fillRef>
-          <a:effectRef idx="0">
-            <a:schemeClr val="accent1"/>
-          </a:effectRef>
-          <a:fontRef idx="minor">
-            <a:schemeClr val="tx1"/>
-          </a:fontRef>
-        </p:style>
-      </p:cxnSp>
-      <p:cxnSp>
-        <p:nvCxnSpPr>
-          <p:cNvPr id="31" name="连接符: 肘形 30">
-            <a:extLst>
-              <a:ext uri="{FF2B5EF4-FFF2-40B4-BE49-F238E27FC236}">
-                <a16:creationId xmlns:a16="http://schemas.microsoft.com/office/drawing/2014/main" id="{DFB1A5CF-908D-4F9B-B0B2-069F159A311F}"/>
-              </a:ext>
-            </a:extLst>
-          </p:cNvPr>
-          <p:cNvCxnSpPr>
-            <a:cxnSpLocks/>
-            <a:endCxn id="8" idx="5"/>
-          </p:cNvCxnSpPr>
-          <p:nvPr/>
-        </p:nvCxnSpPr>
-        <p:spPr>
-          <a:xfrm flipV="1">
-            <a:off x="2565400" y="2141488"/>
-            <a:ext cx="4015344" cy="439836"/>
-          </a:xfrm>
-          <a:prstGeom prst="bentConnector3">
-            <a:avLst>
-              <a:gd name="adj1" fmla="val 90089"/>
-            </a:avLst>
-          </a:prstGeom>
-        </p:spPr>
-        <p:style>
-          <a:lnRef idx="1">
-            <a:schemeClr val="accent1"/>
-          </a:lnRef>
-          <a:fillRef idx="0">
-            <a:schemeClr val="accent1"/>
-          </a:fillRef>
-          <a:effectRef idx="0">
-            <a:schemeClr val="accent1"/>
-          </a:effectRef>
-          <a:fontRef idx="minor">
-            <a:schemeClr val="tx1"/>
-          </a:fontRef>
-        </p:style>
-      </p:cxnSp>
-      <p:cxnSp>
-        <p:nvCxnSpPr>
-          <p:cNvPr id="36" name="直接连接符 35">
-            <a:extLst>
-              <a:ext uri="{FF2B5EF4-FFF2-40B4-BE49-F238E27FC236}">
-                <a16:creationId xmlns:a16="http://schemas.microsoft.com/office/drawing/2014/main" id="{E0AE8B97-7DD5-4207-AC17-6D8B6A1597A9}"/>
-              </a:ext>
-            </a:extLst>
-          </p:cNvPr>
-          <p:cNvCxnSpPr>
-            <a:cxnSpLocks/>
-            <a:stCxn id="25" idx="5"/>
-          </p:cNvCxnSpPr>
-          <p:nvPr/>
-        </p:nvCxnSpPr>
-        <p:spPr>
-          <a:xfrm flipH="1">
-            <a:off x="6904038" y="3683357"/>
-            <a:ext cx="252659" cy="0"/>
-          </a:xfrm>
-          <a:prstGeom prst="line">
-            <a:avLst/>
-          </a:prstGeom>
-        </p:spPr>
-        <p:style>
-          <a:lnRef idx="1">
-            <a:schemeClr val="accent1"/>
-          </a:lnRef>
-          <a:fillRef idx="0">
-            <a:schemeClr val="accent1"/>
-          </a:fillRef>
-          <a:effectRef idx="0">
-            <a:schemeClr val="accent1"/>
-          </a:effectRef>
-          <a:fontRef idx="minor">
-            <a:schemeClr val="tx1"/>
-          </a:fontRef>
-        </p:style>
-      </p:cxnSp>
-      <p:cxnSp>
-        <p:nvCxnSpPr>
-          <p:cNvPr id="39" name="直接连接符 38">
-            <a:extLst>
-              <a:ext uri="{FF2B5EF4-FFF2-40B4-BE49-F238E27FC236}">
-                <a16:creationId xmlns:a16="http://schemas.microsoft.com/office/drawing/2014/main" id="{15A4DF58-403E-4883-8840-163C4D719294}"/>
-              </a:ext>
-            </a:extLst>
-          </p:cNvPr>
-          <p:cNvCxnSpPr>
-            <a:cxnSpLocks/>
-          </p:cNvCxnSpPr>
-          <p:nvPr/>
-        </p:nvCxnSpPr>
-        <p:spPr>
-          <a:xfrm flipH="1">
-            <a:off x="3915085" y="2143385"/>
-            <a:ext cx="252659" cy="0"/>
-          </a:xfrm>
-          <a:prstGeom prst="line">
-            <a:avLst/>
-          </a:prstGeom>
-        </p:spPr>
-        <p:style>
-          <a:lnRef idx="1">
-            <a:schemeClr val="accent1"/>
-          </a:lnRef>
-          <a:fillRef idx="0">
-            <a:schemeClr val="accent1"/>
-          </a:fillRef>
-          <a:effectRef idx="0">
-            <a:schemeClr val="accent1"/>
-          </a:effectRef>
-          <a:fontRef idx="minor">
-            <a:schemeClr val="tx1"/>
-          </a:fontRef>
-        </p:style>
-      </p:cxnSp>
-      <p:cxnSp>
-        <p:nvCxnSpPr>
-          <p:cNvPr id="40" name="直接连接符 39">
-            <a:extLst>
-              <a:ext uri="{FF2B5EF4-FFF2-40B4-BE49-F238E27FC236}">
-                <a16:creationId xmlns:a16="http://schemas.microsoft.com/office/drawing/2014/main" id="{A1C4D349-890B-4D21-A1FE-6362C2BC46D9}"/>
-              </a:ext>
-            </a:extLst>
-          </p:cNvPr>
-          <p:cNvCxnSpPr>
-            <a:cxnSpLocks/>
-          </p:cNvCxnSpPr>
-          <p:nvPr/>
-        </p:nvCxnSpPr>
-        <p:spPr>
-          <a:xfrm flipH="1">
-            <a:off x="3915085" y="3680491"/>
-            <a:ext cx="828613" cy="0"/>
-          </a:xfrm>
-          <a:prstGeom prst="line">
-            <a:avLst/>
-          </a:prstGeom>
-        </p:spPr>
-        <p:style>
-          <a:lnRef idx="1">
-            <a:schemeClr val="accent1"/>
-          </a:lnRef>
-          <a:fillRef idx="0">
-            <a:schemeClr val="accent1"/>
-          </a:fillRef>
-          <a:effectRef idx="0">
-            <a:schemeClr val="accent1"/>
-          </a:effectRef>
-          <a:fontRef idx="minor">
-            <a:schemeClr val="tx1"/>
-          </a:fontRef>
-        </p:style>
-      </p:cxnSp>
-      <p:cxnSp>
-        <p:nvCxnSpPr>
-          <p:cNvPr id="42" name="直接连接符 41">
-            <a:extLst>
-              <a:ext uri="{FF2B5EF4-FFF2-40B4-BE49-F238E27FC236}">
-                <a16:creationId xmlns:a16="http://schemas.microsoft.com/office/drawing/2014/main" id="{F62F4BDE-7E49-41A8-96FF-E76BDE773B13}"/>
-              </a:ext>
-            </a:extLst>
-          </p:cNvPr>
-          <p:cNvCxnSpPr>
-            <a:cxnSpLocks/>
-          </p:cNvCxnSpPr>
-          <p:nvPr/>
-        </p:nvCxnSpPr>
-        <p:spPr>
-          <a:xfrm>
-            <a:off x="3915085" y="2141488"/>
-            <a:ext cx="0" cy="1539003"/>
-          </a:xfrm>
-          <a:prstGeom prst="line">
-            <a:avLst/>
-          </a:prstGeom>
-        </p:spPr>
-        <p:style>
-          <a:lnRef idx="1">
-            <a:schemeClr val="accent1"/>
-          </a:lnRef>
-          <a:fillRef idx="0">
-            <a:schemeClr val="accent1"/>
-          </a:fillRef>
-          <a:effectRef idx="0">
-            <a:schemeClr val="accent1"/>
-          </a:effectRef>
-          <a:fontRef idx="minor">
-            <a:schemeClr val="tx1"/>
-          </a:fontRef>
-        </p:style>
-      </p:cxnSp>
-      <p:sp>
-        <p:nvSpPr>
-          <p:cNvPr id="45" name="椭圆 44">
-            <a:extLst>
-              <a:ext uri="{FF2B5EF4-FFF2-40B4-BE49-F238E27FC236}">
-                <a16:creationId xmlns:a16="http://schemas.microsoft.com/office/drawing/2014/main" id="{411DFA2B-B4FA-4A9E-972A-AAC556DA282F}"/>
-              </a:ext>
-            </a:extLst>
-          </p:cNvPr>
-          <p:cNvSpPr/>
-          <p:nvPr/>
-        </p:nvSpPr>
-        <p:spPr>
-          <a:xfrm>
-            <a:off x="3892225" y="2558464"/>
-            <a:ext cx="45719" cy="45719"/>
-          </a:xfrm>
-          <a:prstGeom prst="ellipse">
-            <a:avLst/>
-          </a:prstGeom>
-        </p:spPr>
-        <p:style>
-          <a:lnRef idx="2">
-            <a:schemeClr val="accent1">
-              <a:shade val="50000"/>
-            </a:schemeClr>
-          </a:lnRef>
-          <a:fillRef idx="1">
-            <a:schemeClr val="accent1"/>
-          </a:fillRef>
-          <a:effectRef idx="0">
-            <a:schemeClr val="accent1"/>
-          </a:effectRef>
-          <a:fontRef idx="minor">
-            <a:schemeClr val="lt1"/>
-          </a:fontRef>
-        </p:style>
-        <p:txBody>
-          <a:bodyPr rtlCol="0" anchor="ctr"/>
-          <a:lstStyle/>
-          <a:p>
-            <a:pPr algn="ctr"/>
-            <a:endParaRPr lang="zh-CN" altLang="en-US"/>
-          </a:p>
-        </p:txBody>
-      </p:sp>
-      <p:cxnSp>
-        <p:nvCxnSpPr>
-          <p:cNvPr id="46" name="直接连接符 45">
-            <a:extLst>
-              <a:ext uri="{FF2B5EF4-FFF2-40B4-BE49-F238E27FC236}">
-                <a16:creationId xmlns:a16="http://schemas.microsoft.com/office/drawing/2014/main" id="{450EC899-AA55-4628-A4C7-C77C0802E1A2}"/>
-              </a:ext>
-            </a:extLst>
-          </p:cNvPr>
-          <p:cNvCxnSpPr>
-            <a:cxnSpLocks/>
-          </p:cNvCxnSpPr>
-          <p:nvPr/>
-        </p:nvCxnSpPr>
-        <p:spPr>
-          <a:xfrm flipH="1">
-            <a:off x="4491038" y="3007179"/>
-            <a:ext cx="252659" cy="0"/>
-          </a:xfrm>
-          <a:prstGeom prst="line">
-            <a:avLst/>
-          </a:prstGeom>
-        </p:spPr>
-        <p:style>
-          <a:lnRef idx="1">
-            <a:schemeClr val="accent1"/>
-          </a:lnRef>
-          <a:fillRef idx="0">
-            <a:schemeClr val="accent1"/>
-          </a:fillRef>
-          <a:effectRef idx="0">
-            <a:schemeClr val="accent1"/>
-          </a:effectRef>
-          <a:fontRef idx="minor">
-            <a:schemeClr val="tx1"/>
-          </a:fontRef>
-        </p:style>
-      </p:cxnSp>
-      <p:cxnSp>
-        <p:nvCxnSpPr>
-          <p:cNvPr id="48" name="直接连接符 47">
-            <a:extLst>
-              <a:ext uri="{FF2B5EF4-FFF2-40B4-BE49-F238E27FC236}">
-                <a16:creationId xmlns:a16="http://schemas.microsoft.com/office/drawing/2014/main" id="{6B70EA94-DFF3-47F4-A0E0-0E8B1B166CF3}"/>
-              </a:ext>
-            </a:extLst>
-          </p:cNvPr>
-          <p:cNvCxnSpPr>
-            <a:cxnSpLocks/>
-          </p:cNvCxnSpPr>
-          <p:nvPr/>
-        </p:nvCxnSpPr>
-        <p:spPr>
-          <a:xfrm>
-            <a:off x="2641600" y="4281535"/>
-            <a:ext cx="2390073" cy="0"/>
-          </a:xfrm>
-          <a:prstGeom prst="line">
-            <a:avLst/>
-          </a:prstGeom>
-        </p:spPr>
-        <p:style>
-          <a:lnRef idx="1">
-            <a:schemeClr val="accent1"/>
-          </a:lnRef>
-          <a:fillRef idx="0">
-            <a:schemeClr val="accent1"/>
-          </a:fillRef>
-          <a:effectRef idx="0">
-            <a:schemeClr val="accent1"/>
-          </a:effectRef>
-          <a:fontRef idx="minor">
-            <a:schemeClr val="tx1"/>
-          </a:fontRef>
-        </p:style>
-      </p:cxnSp>
-      <p:cxnSp>
-        <p:nvCxnSpPr>
-          <p:cNvPr id="51" name="直接连接符 50">
-            <a:extLst>
-              <a:ext uri="{FF2B5EF4-FFF2-40B4-BE49-F238E27FC236}">
-                <a16:creationId xmlns:a16="http://schemas.microsoft.com/office/drawing/2014/main" id="{B92CEB8C-E114-4F1B-99EC-25381B116205}"/>
-              </a:ext>
-            </a:extLst>
-          </p:cNvPr>
-          <p:cNvCxnSpPr>
-            <a:cxnSpLocks/>
-            <a:stCxn id="22" idx="2"/>
-          </p:cNvCxnSpPr>
-          <p:nvPr/>
-        </p:nvCxnSpPr>
-        <p:spPr>
-          <a:xfrm>
-            <a:off x="5031674" y="3945576"/>
-            <a:ext cx="0" cy="335959"/>
-          </a:xfrm>
-          <a:prstGeom prst="line">
-            <a:avLst/>
-          </a:prstGeom>
-        </p:spPr>
-        <p:style>
-          <a:lnRef idx="1">
-            <a:schemeClr val="accent1"/>
-          </a:lnRef>
-          <a:fillRef idx="0">
-            <a:schemeClr val="accent1"/>
-          </a:fillRef>
-          <a:effectRef idx="0">
-            <a:schemeClr val="accent1"/>
-          </a:effectRef>
-          <a:fontRef idx="minor">
-            <a:schemeClr val="tx1"/>
-          </a:fontRef>
-        </p:style>
-      </p:cxnSp>
-      <p:sp>
-        <p:nvSpPr>
-          <p:cNvPr id="55" name="云形 54">
-            <a:extLst>
-              <a:ext uri="{FF2B5EF4-FFF2-40B4-BE49-F238E27FC236}">
-                <a16:creationId xmlns:a16="http://schemas.microsoft.com/office/drawing/2014/main" id="{B481B74D-7590-4318-AE55-9E20A3E81AC1}"/>
-              </a:ext>
-            </a:extLst>
-          </p:cNvPr>
-          <p:cNvSpPr/>
-          <p:nvPr/>
-        </p:nvSpPr>
-        <p:spPr>
-          <a:xfrm>
-            <a:off x="3417289" y="4720978"/>
-            <a:ext cx="750455" cy="457200"/>
-          </a:xfrm>
-          <a:prstGeom prst="cloud">
-            <a:avLst/>
-          </a:prstGeom>
-          <a:noFill/>
-        </p:spPr>
-        <p:style>
-          <a:lnRef idx="2">
-            <a:schemeClr val="accent1">
-              <a:shade val="50000"/>
-            </a:schemeClr>
-          </a:lnRef>
-          <a:fillRef idx="1">
-            <a:schemeClr val="accent1"/>
-          </a:fillRef>
-          <a:effectRef idx="0">
-            <a:schemeClr val="accent1"/>
-          </a:effectRef>
-          <a:fontRef idx="minor">
-            <a:schemeClr val="lt1"/>
-          </a:fontRef>
-        </p:style>
-        <p:txBody>
-          <a:bodyPr rtlCol="0" anchor="ctr"/>
-          <a:lstStyle/>
-          <a:p>
-            <a:pPr algn="ctr"/>
-            <a:r>
-              <a:rPr lang="en-US" altLang="zh-CN" dirty="0">
-                <a:solidFill>
-                  <a:schemeClr val="tx1"/>
-                </a:solidFill>
-              </a:rPr>
-              <a:t>C4</a:t>
-            </a:r>
-            <a:endParaRPr lang="zh-CN" altLang="en-US" dirty="0">
-              <a:solidFill>
-                <a:schemeClr val="tx1"/>
-              </a:solidFill>
-            </a:endParaRPr>
-          </a:p>
-        </p:txBody>
-      </p:sp>
-      <p:sp>
-        <p:nvSpPr>
-          <p:cNvPr id="56" name="云形 55">
-            <a:extLst>
-              <a:ext uri="{FF2B5EF4-FFF2-40B4-BE49-F238E27FC236}">
-                <a16:creationId xmlns:a16="http://schemas.microsoft.com/office/drawing/2014/main" id="{71F7B4A9-0028-47CC-B31A-FC49971AFF8A}"/>
-              </a:ext>
-            </a:extLst>
-          </p:cNvPr>
-          <p:cNvSpPr/>
-          <p:nvPr/>
-        </p:nvSpPr>
-        <p:spPr>
-          <a:xfrm>
-            <a:off x="5031673" y="4720978"/>
-            <a:ext cx="750455" cy="457200"/>
-          </a:xfrm>
-          <a:prstGeom prst="cloud">
-            <a:avLst/>
-          </a:prstGeom>
-          <a:noFill/>
-        </p:spPr>
-        <p:style>
-          <a:lnRef idx="2">
-            <a:schemeClr val="accent1">
-              <a:shade val="50000"/>
-            </a:schemeClr>
-          </a:lnRef>
-          <a:fillRef idx="1">
-            <a:schemeClr val="accent1"/>
-          </a:fillRef>
-          <a:effectRef idx="0">
-            <a:schemeClr val="accent1"/>
-          </a:effectRef>
-          <a:fontRef idx="minor">
-            <a:schemeClr val="lt1"/>
-          </a:fontRef>
-        </p:style>
-        <p:txBody>
-          <a:bodyPr rtlCol="0" anchor="ctr"/>
-          <a:lstStyle/>
-          <a:p>
-            <a:pPr algn="ctr"/>
-            <a:r>
-              <a:rPr lang="en-US" altLang="zh-CN" dirty="0">
-                <a:solidFill>
-                  <a:schemeClr val="tx1"/>
-                </a:solidFill>
-              </a:rPr>
-              <a:t>C5</a:t>
-            </a:r>
-            <a:endParaRPr lang="zh-CN" altLang="en-US" dirty="0">
-              <a:solidFill>
-                <a:schemeClr val="tx1"/>
-              </a:solidFill>
-            </a:endParaRPr>
-          </a:p>
-        </p:txBody>
-      </p:sp>
-      <p:sp>
-        <p:nvSpPr>
-          <p:cNvPr id="57" name="云形 56">
-            <a:extLst>
-              <a:ext uri="{FF2B5EF4-FFF2-40B4-BE49-F238E27FC236}">
-                <a16:creationId xmlns:a16="http://schemas.microsoft.com/office/drawing/2014/main" id="{0558C8D1-83EF-4E6D-AF26-768E51C73DB2}"/>
-              </a:ext>
-            </a:extLst>
-          </p:cNvPr>
-          <p:cNvSpPr/>
-          <p:nvPr/>
-        </p:nvSpPr>
-        <p:spPr>
-          <a:xfrm>
-            <a:off x="6646057" y="4720978"/>
-            <a:ext cx="750455" cy="457200"/>
-          </a:xfrm>
-          <a:prstGeom prst="cloud">
-            <a:avLst/>
-          </a:prstGeom>
-          <a:noFill/>
-        </p:spPr>
-        <p:style>
-          <a:lnRef idx="2">
-            <a:schemeClr val="accent1">
-              <a:shade val="50000"/>
-            </a:schemeClr>
-          </a:lnRef>
-          <a:fillRef idx="1">
-            <a:schemeClr val="accent1"/>
-          </a:fillRef>
-          <a:effectRef idx="0">
-            <a:schemeClr val="accent1"/>
-          </a:effectRef>
-          <a:fontRef idx="minor">
-            <a:schemeClr val="lt1"/>
-          </a:fontRef>
-        </p:style>
-        <p:txBody>
-          <a:bodyPr rtlCol="0" anchor="ctr"/>
-          <a:lstStyle/>
-          <a:p>
-            <a:pPr algn="ctr"/>
-            <a:r>
-              <a:rPr lang="en-US" altLang="zh-CN" dirty="0">
-                <a:solidFill>
-                  <a:schemeClr val="tx1"/>
-                </a:solidFill>
-              </a:rPr>
-              <a:t>C6</a:t>
-            </a:r>
-            <a:endParaRPr lang="zh-CN" altLang="en-US" dirty="0">
-              <a:solidFill>
-                <a:schemeClr val="tx1"/>
-              </a:solidFill>
-            </a:endParaRPr>
-          </a:p>
-        </p:txBody>
-      </p:sp>
-      <p:cxnSp>
-        <p:nvCxnSpPr>
-          <p:cNvPr id="59" name="直接连接符 58">
-            <a:extLst>
-              <a:ext uri="{FF2B5EF4-FFF2-40B4-BE49-F238E27FC236}">
-                <a16:creationId xmlns:a16="http://schemas.microsoft.com/office/drawing/2014/main" id="{E810ECD0-D222-48DE-9AE7-CEB341A1E1FB}"/>
-              </a:ext>
-            </a:extLst>
-          </p:cNvPr>
-          <p:cNvCxnSpPr>
-            <a:cxnSpLocks/>
-            <a:endCxn id="55" idx="2"/>
-          </p:cNvCxnSpPr>
-          <p:nvPr/>
-        </p:nvCxnSpPr>
-        <p:spPr>
-          <a:xfrm>
-            <a:off x="2641600" y="4949578"/>
-            <a:ext cx="778017" cy="0"/>
-          </a:xfrm>
-          <a:prstGeom prst="line">
-            <a:avLst/>
-          </a:prstGeom>
-        </p:spPr>
-        <p:style>
-          <a:lnRef idx="1">
-            <a:schemeClr val="accent1"/>
-          </a:lnRef>
-          <a:fillRef idx="0">
-            <a:schemeClr val="accent1"/>
-          </a:fillRef>
-          <a:effectRef idx="0">
-            <a:schemeClr val="accent1"/>
-          </a:effectRef>
-          <a:fontRef idx="minor">
-            <a:schemeClr val="tx1"/>
-          </a:fontRef>
-        </p:style>
-      </p:cxnSp>
-      <p:cxnSp>
-        <p:nvCxnSpPr>
-          <p:cNvPr id="61" name="直接连接符 60">
-            <a:extLst>
-              <a:ext uri="{FF2B5EF4-FFF2-40B4-BE49-F238E27FC236}">
-                <a16:creationId xmlns:a16="http://schemas.microsoft.com/office/drawing/2014/main" id="{C6CAD21E-8B44-4C5C-A836-F5DE4810F3C0}"/>
-              </a:ext>
-            </a:extLst>
-          </p:cNvPr>
-          <p:cNvCxnSpPr>
-            <a:cxnSpLocks/>
-            <a:endCxn id="56" idx="2"/>
-          </p:cNvCxnSpPr>
-          <p:nvPr/>
-        </p:nvCxnSpPr>
-        <p:spPr>
-          <a:xfrm>
-            <a:off x="4167744" y="4947696"/>
-            <a:ext cx="866257" cy="1882"/>
-          </a:xfrm>
-          <a:prstGeom prst="line">
-            <a:avLst/>
-          </a:prstGeom>
-        </p:spPr>
-        <p:style>
-          <a:lnRef idx="1">
-            <a:schemeClr val="accent1"/>
-          </a:lnRef>
-          <a:fillRef idx="0">
-            <a:schemeClr val="accent1"/>
-          </a:fillRef>
-          <a:effectRef idx="0">
-            <a:schemeClr val="accent1"/>
-          </a:effectRef>
-          <a:fontRef idx="minor">
-            <a:schemeClr val="tx1"/>
-          </a:fontRef>
-        </p:style>
-      </p:cxnSp>
-      <p:cxnSp>
-        <p:nvCxnSpPr>
-          <p:cNvPr id="64" name="直接连接符 63">
-            <a:extLst>
-              <a:ext uri="{FF2B5EF4-FFF2-40B4-BE49-F238E27FC236}">
-                <a16:creationId xmlns:a16="http://schemas.microsoft.com/office/drawing/2014/main" id="{A2F6DF21-1AD8-425C-806F-D95537880E5E}"/>
-              </a:ext>
-            </a:extLst>
-          </p:cNvPr>
-          <p:cNvCxnSpPr>
-            <a:cxnSpLocks/>
-          </p:cNvCxnSpPr>
-          <p:nvPr/>
-        </p:nvCxnSpPr>
-        <p:spPr>
-          <a:xfrm>
-            <a:off x="5786696" y="4945814"/>
-            <a:ext cx="866257" cy="1882"/>
-          </a:xfrm>
-          <a:prstGeom prst="line">
-            <a:avLst/>
-          </a:prstGeom>
-        </p:spPr>
-        <p:style>
-          <a:lnRef idx="1">
-            <a:schemeClr val="accent1"/>
-          </a:lnRef>
-          <a:fillRef idx="0">
-            <a:schemeClr val="accent1"/>
-          </a:fillRef>
-          <a:effectRef idx="0">
-            <a:schemeClr val="accent1"/>
-          </a:effectRef>
-          <a:fontRef idx="minor">
-            <a:schemeClr val="tx1"/>
-          </a:fontRef>
-        </p:style>
-      </p:cxnSp>
-      <p:cxnSp>
-        <p:nvCxnSpPr>
-          <p:cNvPr id="65" name="直接连接符 64">
-            <a:extLst>
-              <a:ext uri="{FF2B5EF4-FFF2-40B4-BE49-F238E27FC236}">
-                <a16:creationId xmlns:a16="http://schemas.microsoft.com/office/drawing/2014/main" id="{C25CC966-BA98-4187-B80A-7FDC7C11FC1D}"/>
-              </a:ext>
-            </a:extLst>
-          </p:cNvPr>
-          <p:cNvCxnSpPr>
-            <a:cxnSpLocks/>
-          </p:cNvCxnSpPr>
-          <p:nvPr/>
-        </p:nvCxnSpPr>
-        <p:spPr>
-          <a:xfrm>
-            <a:off x="7396512" y="4945814"/>
-            <a:ext cx="778017" cy="0"/>
-          </a:xfrm>
-          <a:prstGeom prst="line">
-            <a:avLst/>
-          </a:prstGeom>
-        </p:spPr>
-        <p:style>
-          <a:lnRef idx="1">
-            <a:schemeClr val="accent1"/>
-          </a:lnRef>
-          <a:fillRef idx="0">
-            <a:schemeClr val="accent1"/>
-          </a:fillRef>
-          <a:effectRef idx="0">
-            <a:schemeClr val="accent1"/>
-          </a:effectRef>
-          <a:fontRef idx="minor">
-            <a:schemeClr val="tx1"/>
-          </a:fontRef>
-        </p:style>
-      </p:cxnSp>
-      <p:sp>
-        <p:nvSpPr>
-          <p:cNvPr id="66" name="文本框 65">
-            <a:extLst>
-              <a:ext uri="{FF2B5EF4-FFF2-40B4-BE49-F238E27FC236}">
-                <a16:creationId xmlns:a16="http://schemas.microsoft.com/office/drawing/2014/main" id="{1BFF396B-0EAC-45AF-8B99-BB49D03D934A}"/>
-              </a:ext>
-            </a:extLst>
-          </p:cNvPr>
-          <p:cNvSpPr txBox="1"/>
-          <p:nvPr/>
-        </p:nvSpPr>
-        <p:spPr>
-          <a:xfrm>
-            <a:off x="2011910" y="1280644"/>
-            <a:ext cx="484428" cy="369332"/>
-          </a:xfrm>
-          <a:prstGeom prst="rect">
-            <a:avLst/>
-          </a:prstGeom>
-          <a:noFill/>
-        </p:spPr>
-        <p:txBody>
-          <a:bodyPr wrap="none" rtlCol="0">
-            <a:spAutoFit/>
-          </a:bodyPr>
-          <a:lstStyle/>
-          <a:p>
-            <a:r>
-              <a:rPr lang="en-US" altLang="zh-CN" dirty="0"/>
-              <a:t>in1</a:t>
-            </a:r>
-            <a:endParaRPr lang="zh-CN" altLang="en-US" dirty="0"/>
-          </a:p>
-        </p:txBody>
-      </p:sp>
-      <p:sp>
-        <p:nvSpPr>
-          <p:cNvPr id="67" name="文本框 66">
-            <a:extLst>
-              <a:ext uri="{FF2B5EF4-FFF2-40B4-BE49-F238E27FC236}">
-                <a16:creationId xmlns:a16="http://schemas.microsoft.com/office/drawing/2014/main" id="{70BD64DD-67AE-4993-BC6F-1C416A976ED7}"/>
-              </a:ext>
-            </a:extLst>
-          </p:cNvPr>
-          <p:cNvSpPr txBox="1"/>
-          <p:nvPr/>
-        </p:nvSpPr>
-        <p:spPr>
-          <a:xfrm>
-            <a:off x="2011910" y="2396657"/>
-            <a:ext cx="449162" cy="369332"/>
-          </a:xfrm>
-          <a:prstGeom prst="rect">
-            <a:avLst/>
-          </a:prstGeom>
-          <a:noFill/>
-        </p:spPr>
-        <p:txBody>
-          <a:bodyPr wrap="none" rtlCol="0">
-            <a:spAutoFit/>
-          </a:bodyPr>
-          <a:lstStyle/>
-          <a:p>
-            <a:r>
-              <a:rPr lang="en-US" altLang="zh-CN" dirty="0" err="1"/>
-              <a:t>clk</a:t>
-            </a:r>
-            <a:endParaRPr lang="zh-CN" altLang="en-US" dirty="0"/>
-          </a:p>
-        </p:txBody>
-      </p:sp>
-      <p:sp>
-        <p:nvSpPr>
-          <p:cNvPr id="68" name="文本框 67">
-            <a:extLst>
-              <a:ext uri="{FF2B5EF4-FFF2-40B4-BE49-F238E27FC236}">
-                <a16:creationId xmlns:a16="http://schemas.microsoft.com/office/drawing/2014/main" id="{598B60B0-4FEE-41BF-A311-2B58A2AFE27E}"/>
-              </a:ext>
-            </a:extLst>
-          </p:cNvPr>
-          <p:cNvSpPr txBox="1"/>
-          <p:nvPr/>
-        </p:nvSpPr>
-        <p:spPr>
-          <a:xfrm>
-            <a:off x="2011910" y="4092012"/>
-            <a:ext cx="418704" cy="369332"/>
-          </a:xfrm>
-          <a:prstGeom prst="rect">
-            <a:avLst/>
-          </a:prstGeom>
-          <a:noFill/>
-        </p:spPr>
-        <p:txBody>
-          <a:bodyPr wrap="none" rtlCol="0">
-            <a:spAutoFit/>
-          </a:bodyPr>
-          <a:lstStyle/>
-          <a:p>
-            <a:r>
-              <a:rPr lang="en-US" altLang="zh-CN" dirty="0" err="1"/>
-              <a:t>clr</a:t>
-            </a:r>
-            <a:endParaRPr lang="zh-CN" altLang="en-US" dirty="0"/>
-          </a:p>
-        </p:txBody>
-      </p:sp>
-      <p:sp>
-        <p:nvSpPr>
-          <p:cNvPr id="69" name="文本框 68">
-            <a:extLst>
-              <a:ext uri="{FF2B5EF4-FFF2-40B4-BE49-F238E27FC236}">
-                <a16:creationId xmlns:a16="http://schemas.microsoft.com/office/drawing/2014/main" id="{813A2B50-9E05-4C74-B1DA-13DAE41BA8C7}"/>
-              </a:ext>
-            </a:extLst>
-          </p:cNvPr>
-          <p:cNvSpPr txBox="1"/>
-          <p:nvPr/>
-        </p:nvSpPr>
-        <p:spPr>
-          <a:xfrm>
-            <a:off x="2024159" y="4761148"/>
-            <a:ext cx="484428" cy="369332"/>
-          </a:xfrm>
-          <a:prstGeom prst="rect">
-            <a:avLst/>
-          </a:prstGeom>
-          <a:noFill/>
-        </p:spPr>
-        <p:txBody>
-          <a:bodyPr wrap="none" rtlCol="0">
-            <a:spAutoFit/>
-          </a:bodyPr>
-          <a:lstStyle/>
-          <a:p>
-            <a:r>
-              <a:rPr lang="en-US" altLang="zh-CN" dirty="0"/>
-              <a:t>in2</a:t>
-            </a:r>
-            <a:endParaRPr lang="zh-CN" altLang="en-US" dirty="0"/>
-          </a:p>
-        </p:txBody>
-      </p:sp>
-      <p:sp>
-        <p:nvSpPr>
-          <p:cNvPr id="70" name="文本框 69">
-            <a:extLst>
-              <a:ext uri="{FF2B5EF4-FFF2-40B4-BE49-F238E27FC236}">
-                <a16:creationId xmlns:a16="http://schemas.microsoft.com/office/drawing/2014/main" id="{E32F9FDE-B8AE-4C77-9E14-C447D191C627}"/>
-              </a:ext>
-            </a:extLst>
-          </p:cNvPr>
-          <p:cNvSpPr txBox="1"/>
-          <p:nvPr/>
-        </p:nvSpPr>
-        <p:spPr>
-          <a:xfrm>
-            <a:off x="8346002" y="1280644"/>
-            <a:ext cx="639919" cy="369332"/>
-          </a:xfrm>
-          <a:prstGeom prst="rect">
-            <a:avLst/>
-          </a:prstGeom>
-          <a:noFill/>
-        </p:spPr>
-        <p:txBody>
-          <a:bodyPr wrap="none" rtlCol="0">
-            <a:spAutoFit/>
-          </a:bodyPr>
-          <a:lstStyle/>
-          <a:p>
-            <a:r>
-              <a:rPr lang="en-US" altLang="zh-CN" dirty="0"/>
-              <a:t>out1</a:t>
-            </a:r>
-            <a:endParaRPr lang="zh-CN" altLang="en-US" dirty="0"/>
-          </a:p>
-        </p:txBody>
-      </p:sp>
-      <p:sp>
-        <p:nvSpPr>
-          <p:cNvPr id="71" name="文本框 70">
-            <a:extLst>
-              <a:ext uri="{FF2B5EF4-FFF2-40B4-BE49-F238E27FC236}">
-                <a16:creationId xmlns:a16="http://schemas.microsoft.com/office/drawing/2014/main" id="{4176B223-629A-464E-90DA-0F0819BF5BC8}"/>
-              </a:ext>
-            </a:extLst>
-          </p:cNvPr>
-          <p:cNvSpPr txBox="1"/>
-          <p:nvPr/>
-        </p:nvSpPr>
-        <p:spPr>
-          <a:xfrm>
-            <a:off x="8346002" y="2808899"/>
-            <a:ext cx="639919" cy="369332"/>
-          </a:xfrm>
-          <a:prstGeom prst="rect">
-            <a:avLst/>
-          </a:prstGeom>
-          <a:noFill/>
-        </p:spPr>
-        <p:txBody>
-          <a:bodyPr wrap="none" rtlCol="0">
-            <a:spAutoFit/>
-          </a:bodyPr>
-          <a:lstStyle/>
-          <a:p>
-            <a:r>
-              <a:rPr lang="en-US" altLang="zh-CN" dirty="0"/>
-              <a:t>out2</a:t>
-            </a:r>
-            <a:endParaRPr lang="zh-CN" altLang="en-US" dirty="0"/>
-          </a:p>
-        </p:txBody>
-      </p:sp>
-      <p:sp>
-        <p:nvSpPr>
-          <p:cNvPr id="72" name="文本框 71">
-            <a:extLst>
-              <a:ext uri="{FF2B5EF4-FFF2-40B4-BE49-F238E27FC236}">
-                <a16:creationId xmlns:a16="http://schemas.microsoft.com/office/drawing/2014/main" id="{BA3D0D6A-E2C8-42C1-857C-A7F8E1B763C9}"/>
-              </a:ext>
-            </a:extLst>
-          </p:cNvPr>
-          <p:cNvSpPr txBox="1"/>
-          <p:nvPr/>
-        </p:nvSpPr>
-        <p:spPr>
-          <a:xfrm>
-            <a:off x="8346790" y="4722002"/>
-            <a:ext cx="750455" cy="369332"/>
-          </a:xfrm>
-          <a:prstGeom prst="rect">
-            <a:avLst/>
-          </a:prstGeom>
-          <a:noFill/>
-        </p:spPr>
-        <p:txBody>
-          <a:bodyPr wrap="square" rtlCol="0">
-            <a:spAutoFit/>
-          </a:bodyPr>
-          <a:lstStyle/>
-          <a:p>
-            <a:r>
-              <a:rPr lang="en-US" altLang="zh-CN" dirty="0"/>
-              <a:t>out3</a:t>
-            </a:r>
-            <a:endParaRPr lang="zh-CN" altLang="en-US" dirty="0"/>
-          </a:p>
-        </p:txBody>
-      </p:sp>
-      <p:sp>
-        <p:nvSpPr>
-          <p:cNvPr id="73" name="文本框 72">
-            <a:extLst>
-              <a:ext uri="{FF2B5EF4-FFF2-40B4-BE49-F238E27FC236}">
-                <a16:creationId xmlns:a16="http://schemas.microsoft.com/office/drawing/2014/main" id="{80046935-61EE-4DA2-9195-F5149F581C31}"/>
-              </a:ext>
-            </a:extLst>
-          </p:cNvPr>
-          <p:cNvSpPr txBox="1"/>
-          <p:nvPr/>
-        </p:nvSpPr>
-        <p:spPr>
-          <a:xfrm>
-            <a:off x="4340793" y="4586438"/>
-            <a:ext cx="474810" cy="369332"/>
-          </a:xfrm>
-          <a:prstGeom prst="rect">
-            <a:avLst/>
-          </a:prstGeom>
-          <a:noFill/>
-        </p:spPr>
-        <p:txBody>
-          <a:bodyPr wrap="none" rtlCol="0">
-            <a:spAutoFit/>
-          </a:bodyPr>
-          <a:lstStyle/>
-          <a:p>
-            <a:r>
-              <a:rPr lang="en-US" altLang="zh-CN" dirty="0"/>
-              <a:t>N1</a:t>
-            </a:r>
-            <a:endParaRPr lang="zh-CN" altLang="en-US" dirty="0"/>
-          </a:p>
-        </p:txBody>
-      </p:sp>
-      <p:sp>
-        <p:nvSpPr>
-          <p:cNvPr id="74" name="文本框 73">
-            <a:extLst>
-              <a:ext uri="{FF2B5EF4-FFF2-40B4-BE49-F238E27FC236}">
-                <a16:creationId xmlns:a16="http://schemas.microsoft.com/office/drawing/2014/main" id="{0270B49B-966E-4F22-B6D3-E222DEAD0228}"/>
-              </a:ext>
-            </a:extLst>
-          </p:cNvPr>
-          <p:cNvSpPr txBox="1"/>
-          <p:nvPr/>
-        </p:nvSpPr>
-        <p:spPr>
-          <a:xfrm>
-            <a:off x="5930759" y="4586438"/>
-            <a:ext cx="474810" cy="369332"/>
-          </a:xfrm>
-          <a:prstGeom prst="rect">
-            <a:avLst/>
-          </a:prstGeom>
-          <a:noFill/>
-        </p:spPr>
-        <p:txBody>
-          <a:bodyPr wrap="none" rtlCol="0">
-            <a:spAutoFit/>
-          </a:bodyPr>
-          <a:lstStyle/>
-          <a:p>
-            <a:r>
-              <a:rPr lang="en-US" altLang="zh-CN" dirty="0"/>
-              <a:t>N2</a:t>
-            </a:r>
-            <a:endParaRPr lang="zh-CN" altLang="en-US" dirty="0"/>
-          </a:p>
-        </p:txBody>
-      </p:sp>
-    </p:spTree>
-    <p:extLst>
-      <p:ext uri="{BB962C8B-B14F-4D97-AF65-F5344CB8AC3E}">
-        <p14:creationId xmlns:p14="http://schemas.microsoft.com/office/powerpoint/2010/main" val="2188019084"/>
-      </p:ext>
-    </p:extLst>
-  </p:cSld>
-  <p:clrMapOvr>
-    <a:masterClrMapping/>
-  </p:clrMapOvr>
-</p:sld>
-</file>
-
-<file path=ppt/slides/slide4.xml><?xml version="1.0" encoding="utf-8"?>
-<p:sld xmlns:a="http://schemas.openxmlformats.org/drawingml/2006/main" xmlns:r="http://schemas.openxmlformats.org/officeDocument/2006/relationships" xmlns:p="http://schemas.openxmlformats.org/presentationml/2006/main">
-  <p:cSld>
-    <p:spTree>
-      <p:nvGrpSpPr>
-        <p:cNvPr id="1" name=""/>
-        <p:cNvGrpSpPr/>
-        <p:nvPr/>
-      </p:nvGrpSpPr>
-      <p:grpSpPr>
-        <a:xfrm>
-          <a:off x="0" y="0"/>
-          <a:ext cx="0" cy="0"/>
-          <a:chOff x="0" y="0"/>
-          <a:chExt cx="0" cy="0"/>
-        </a:xfrm>
-      </p:grpSpPr>
-      <p:sp>
-        <p:nvSpPr>
-          <p:cNvPr id="5" name="矩形 4">
-            <a:extLst>
-              <a:ext uri="{FF2B5EF4-FFF2-40B4-BE49-F238E27FC236}">
-                <a16:creationId xmlns:a16="http://schemas.microsoft.com/office/drawing/2014/main" id="{8EEBC475-8F5D-4C5D-8F27-BB95DBAD1643}"/>
-              </a:ext>
-            </a:extLst>
-          </p:cNvPr>
-          <p:cNvSpPr/>
-          <p:nvPr/>
-        </p:nvSpPr>
-        <p:spPr>
-          <a:xfrm>
-            <a:off x="3697844" y="1554704"/>
-            <a:ext cx="575953" cy="1033153"/>
-          </a:xfrm>
-          <a:prstGeom prst="rect">
-            <a:avLst/>
-          </a:prstGeom>
-          <a:noFill/>
-        </p:spPr>
-        <p:style>
-          <a:lnRef idx="2">
-            <a:schemeClr val="accent1">
-              <a:shade val="50000"/>
-            </a:schemeClr>
-          </a:lnRef>
-          <a:fillRef idx="1">
-            <a:schemeClr val="accent1"/>
-          </a:fillRef>
-          <a:effectRef idx="0">
-            <a:schemeClr val="accent1"/>
-          </a:effectRef>
-          <a:fontRef idx="minor">
-            <a:schemeClr val="lt1"/>
-          </a:fontRef>
-        </p:style>
-        <p:txBody>
-          <a:bodyPr rtlCol="0" anchor="ctr"/>
-          <a:lstStyle/>
-          <a:p>
-            <a:pPr algn="ctr"/>
-            <a:r>
-              <a:rPr lang="en-US" altLang="zh-CN" dirty="0">
-                <a:solidFill>
-                  <a:schemeClr val="tx1"/>
-                </a:solidFill>
-              </a:rPr>
-              <a:t>F1</a:t>
-            </a:r>
-            <a:endParaRPr lang="zh-CN" altLang="en-US" dirty="0">
-              <a:solidFill>
-                <a:schemeClr val="tx1"/>
-              </a:solidFill>
-            </a:endParaRPr>
-          </a:p>
-        </p:txBody>
-      </p:sp>
-      <p:sp>
-        <p:nvSpPr>
-          <p:cNvPr id="6" name="直角三角形 5">
-            <a:extLst>
-              <a:ext uri="{FF2B5EF4-FFF2-40B4-BE49-F238E27FC236}">
-                <a16:creationId xmlns:a16="http://schemas.microsoft.com/office/drawing/2014/main" id="{ABF916C5-2748-4ED1-A5ED-83E1C1FDC48F}"/>
-              </a:ext>
-            </a:extLst>
-          </p:cNvPr>
-          <p:cNvSpPr/>
-          <p:nvPr/>
-        </p:nvSpPr>
-        <p:spPr>
-          <a:xfrm rot="13320000">
-            <a:off x="3594353" y="2212380"/>
-            <a:ext cx="206982" cy="226517"/>
-          </a:xfrm>
-          <a:prstGeom prst="rtTriangle">
-            <a:avLst/>
-          </a:prstGeom>
-          <a:noFill/>
-        </p:spPr>
-        <p:style>
-          <a:lnRef idx="2">
-            <a:schemeClr val="accent1">
-              <a:shade val="50000"/>
-            </a:schemeClr>
-          </a:lnRef>
-          <a:fillRef idx="1">
-            <a:schemeClr val="accent1"/>
-          </a:fillRef>
-          <a:effectRef idx="0">
-            <a:schemeClr val="accent1"/>
-          </a:effectRef>
-          <a:fontRef idx="minor">
-            <a:schemeClr val="lt1"/>
-          </a:fontRef>
-        </p:style>
-        <p:txBody>
-          <a:bodyPr rtlCol="0" anchor="ctr"/>
-          <a:lstStyle/>
-          <a:p>
-            <a:pPr algn="ctr"/>
-            <a:endParaRPr lang="zh-CN" altLang="en-US"/>
-          </a:p>
-        </p:txBody>
-      </p:sp>
-      <p:sp>
-        <p:nvSpPr>
-          <p:cNvPr id="7" name="云形 6">
-            <a:extLst>
-              <a:ext uri="{FF2B5EF4-FFF2-40B4-BE49-F238E27FC236}">
-                <a16:creationId xmlns:a16="http://schemas.microsoft.com/office/drawing/2014/main" id="{1F5617F1-A410-4964-A41E-257B65D83B3B}"/>
-              </a:ext>
-            </a:extLst>
-          </p:cNvPr>
-          <p:cNvSpPr/>
-          <p:nvPr/>
-        </p:nvSpPr>
-        <p:spPr>
-          <a:xfrm>
-            <a:off x="4634345" y="1614080"/>
-            <a:ext cx="750455" cy="457200"/>
-          </a:xfrm>
-          <a:prstGeom prst="cloud">
-            <a:avLst/>
-          </a:prstGeom>
-          <a:noFill/>
-        </p:spPr>
-        <p:style>
-          <a:lnRef idx="2">
-            <a:schemeClr val="accent1">
-              <a:shade val="50000"/>
-            </a:schemeClr>
-          </a:lnRef>
-          <a:fillRef idx="1">
-            <a:schemeClr val="accent1"/>
-          </a:fillRef>
-          <a:effectRef idx="0">
-            <a:schemeClr val="accent1"/>
-          </a:effectRef>
-          <a:fontRef idx="minor">
-            <a:schemeClr val="lt1"/>
-          </a:fontRef>
-        </p:style>
-        <p:txBody>
-          <a:bodyPr rtlCol="0" anchor="ctr"/>
-          <a:lstStyle/>
-          <a:p>
-            <a:pPr algn="ctr"/>
-            <a:r>
-              <a:rPr lang="en-US" altLang="zh-CN" dirty="0">
-                <a:solidFill>
-                  <a:schemeClr val="tx1"/>
-                </a:solidFill>
-              </a:rPr>
-              <a:t>C1</a:t>
-            </a:r>
-            <a:endParaRPr lang="zh-CN" altLang="en-US" dirty="0">
-              <a:solidFill>
-                <a:schemeClr val="tx1"/>
-              </a:solidFill>
-            </a:endParaRPr>
-          </a:p>
-        </p:txBody>
-      </p:sp>
-      <p:sp>
-        <p:nvSpPr>
           <p:cNvPr id="8" name="矩形 7">
             <a:extLst>
               <a:ext uri="{FF2B5EF4-FFF2-40B4-BE49-F238E27FC236}">
@@ -8338,7 +9109,7 @@
 </p:sld>
 </file>
 
-<file path=ppt/slides/slide5.xml><?xml version="1.0" encoding="utf-8"?>
+<file path=ppt/slides/slide4.xml><?xml version="1.0" encoding="utf-8"?>
 <p:sld xmlns:a="http://schemas.openxmlformats.org/drawingml/2006/main" xmlns:r="http://schemas.openxmlformats.org/officeDocument/2006/relationships" xmlns:p="http://schemas.openxmlformats.org/presentationml/2006/main">
   <p:cSld>
     <p:spTree>
